--- a/PPT.pptx
+++ b/PPT.pptx
@@ -5,10 +5,10 @@
     <p:sldMasterId id="2147483666" r:id="rId1"/>
   </p:sldMasterIdLst>
   <p:notesMasterIdLst>
-    <p:notesMasterId r:id="rId29"/>
+    <p:notesMasterId r:id="rId35"/>
   </p:notesMasterIdLst>
   <p:handoutMasterIdLst>
-    <p:handoutMasterId r:id="rId30"/>
+    <p:handoutMasterId r:id="rId36"/>
   </p:handoutMasterIdLst>
   <p:sldIdLst>
     <p:sldId id="307" r:id="rId2"/>
@@ -34,10 +34,16 @@
     <p:sldId id="409" r:id="rId22"/>
     <p:sldId id="408" r:id="rId23"/>
     <p:sldId id="397" r:id="rId24"/>
-    <p:sldId id="398" r:id="rId25"/>
-    <p:sldId id="382" r:id="rId26"/>
-    <p:sldId id="424" r:id="rId27"/>
-    <p:sldId id="333" r:id="rId28"/>
+    <p:sldId id="425" r:id="rId25"/>
+    <p:sldId id="426" r:id="rId26"/>
+    <p:sldId id="427" r:id="rId27"/>
+    <p:sldId id="428" r:id="rId28"/>
+    <p:sldId id="429" r:id="rId29"/>
+    <p:sldId id="430" r:id="rId30"/>
+    <p:sldId id="431" r:id="rId31"/>
+    <p:sldId id="418" r:id="rId32"/>
+    <p:sldId id="419" r:id="rId33"/>
+    <p:sldId id="432" r:id="rId34"/>
   </p:sldIdLst>
   <p:sldSz cx="12192000" cy="6858000"/>
   <p:notesSz cx="6807200" cy="9939338"/>
@@ -161,7 +167,7 @@
 <file path=ppt/revisionInfo.xml><?xml version="1.0" encoding="utf-8"?>
 <p1510:revInfo xmlns:a="http://schemas.openxmlformats.org/drawingml/2006/main" xmlns:r="http://schemas.openxmlformats.org/officeDocument/2006/relationships" xmlns:p1510="http://schemas.microsoft.com/office/powerpoint/2015/10/main">
   <p1510:revLst>
-    <p1510:client id="{CD95FE0C-0B04-43E2-841A-448B165D0080}" v="531" dt="2022-07-27T07:55:31"/>
+    <p1510:client id="{CD95FE0C-0B04-43E2-841A-448B165D0080}" v="535" dt="2022-07-28T08:59:59.216"/>
   </p1510:revLst>
 </p1510:revInfo>
 </file>
@@ -171,7 +177,7 @@
   <pc:docChgLst>
     <pc:chgData name="林 明锋" userId="df5b4b9bac279175" providerId="LiveId" clId="{CD95FE0C-0B04-43E2-841A-448B165D0080}"/>
     <pc:docChg chg="undo redo custSel addSld delSld modSld sldOrd">
-      <pc:chgData name="林 明锋" userId="df5b4b9bac279175" providerId="LiveId" clId="{CD95FE0C-0B04-43E2-841A-448B165D0080}" dt="2022-07-27T07:55:39.212" v="8117" actId="478"/>
+      <pc:chgData name="林 明锋" userId="df5b4b9bac279175" providerId="LiveId" clId="{CD95FE0C-0B04-43E2-841A-448B165D0080}" dt="2022-07-28T09:00:02.211" v="8138" actId="47"/>
       <pc:docMkLst>
         <pc:docMk/>
       </pc:docMkLst>
@@ -230,8 +236,8 @@
           </ac:picMkLst>
         </pc:picChg>
       </pc:sldChg>
-      <pc:sldChg chg="addSp delSp modSp mod">
-        <pc:chgData name="林 明锋" userId="df5b4b9bac279175" providerId="LiveId" clId="{CD95FE0C-0B04-43E2-841A-448B165D0080}" dt="2022-07-26T04:09:34.468" v="114" actId="478"/>
+      <pc:sldChg chg="addSp delSp modSp del mod">
+        <pc:chgData name="林 明锋" userId="df5b4b9bac279175" providerId="LiveId" clId="{CD95FE0C-0B04-43E2-841A-448B165D0080}" dt="2022-07-28T08:58:34.730" v="8129" actId="47"/>
         <pc:sldMkLst>
           <pc:docMk/>
           <pc:sldMk cId="19110279" sldId="333"/>
@@ -466,8 +472,8 @@
           </ac:picMkLst>
         </pc:picChg>
       </pc:sldChg>
-      <pc:sldChg chg="addSp delSp modSp mod ord modTransition modAnim">
-        <pc:chgData name="林 明锋" userId="df5b4b9bac279175" providerId="LiveId" clId="{CD95FE0C-0B04-43E2-841A-448B165D0080}" dt="2022-07-26T12:32:22.952" v="3417"/>
+      <pc:sldChg chg="addSp delSp modSp del mod ord modTransition modAnim">
+        <pc:chgData name="林 明锋" userId="df5b4b9bac279175" providerId="LiveId" clId="{CD95FE0C-0B04-43E2-841A-448B165D0080}" dt="2022-07-28T08:59:24.213" v="8131" actId="47"/>
         <pc:sldMkLst>
           <pc:docMk/>
           <pc:sldMk cId="2139551433" sldId="382"/>
@@ -1522,14 +1528,14 @@
           </ac:picMkLst>
         </pc:picChg>
       </pc:sldChg>
-      <pc:sldChg chg="addSp delSp modSp mod modTransition delAnim modAnim">
-        <pc:chgData name="林 明锋" userId="df5b4b9bac279175" providerId="LiveId" clId="{CD95FE0C-0B04-43E2-841A-448B165D0080}" dt="2022-07-26T13:00:40.081" v="4265"/>
+      <pc:sldChg chg="addSp delSp modSp del mod modTransition delAnim modAnim">
+        <pc:chgData name="林 明锋" userId="df5b4b9bac279175" providerId="LiveId" clId="{CD95FE0C-0B04-43E2-841A-448B165D0080}" dt="2022-07-28T09:00:02.211" v="8138" actId="47"/>
         <pc:sldMkLst>
           <pc:docMk/>
           <pc:sldMk cId="3857095691" sldId="398"/>
         </pc:sldMkLst>
-        <pc:spChg chg="add mod">
-          <ac:chgData name="林 明锋" userId="df5b4b9bac279175" providerId="LiveId" clId="{CD95FE0C-0B04-43E2-841A-448B165D0080}" dt="2022-07-26T12:59:56.945" v="4250" actId="1076"/>
+        <pc:spChg chg="add del mod">
+          <ac:chgData name="林 明锋" userId="df5b4b9bac279175" providerId="LiveId" clId="{CD95FE0C-0B04-43E2-841A-448B165D0080}" dt="2022-07-28T08:59:42.440" v="8132" actId="478"/>
           <ac:spMkLst>
             <pc:docMk/>
             <pc:sldMk cId="3857095691" sldId="398"/>
@@ -1600,8 +1606,8 @@
             <ac:grpSpMk id="15" creationId="{EE2DD16F-1FB6-3DC7-4CBE-814593220212}"/>
           </ac:grpSpMkLst>
         </pc:grpChg>
-        <pc:grpChg chg="add mod">
-          <ac:chgData name="林 明锋" userId="df5b4b9bac279175" providerId="LiveId" clId="{CD95FE0C-0B04-43E2-841A-448B165D0080}" dt="2022-07-26T06:24:07.384" v="756"/>
+        <pc:grpChg chg="add del mod">
+          <ac:chgData name="林 明锋" userId="df5b4b9bac279175" providerId="LiveId" clId="{CD95FE0C-0B04-43E2-841A-448B165D0080}" dt="2022-07-28T08:59:58.105" v="8136" actId="21"/>
           <ac:grpSpMkLst>
             <pc:docMk/>
             <pc:sldMk cId="3857095691" sldId="398"/>
@@ -1624,8 +1630,8 @@
             <ac:picMk id="12" creationId="{0A9A6BEB-1F1D-3198-653F-042F5ACBFF1D}"/>
           </ac:picMkLst>
         </pc:picChg>
-        <pc:picChg chg="add mod modCrop">
-          <ac:chgData name="林 明锋" userId="df5b4b9bac279175" providerId="LiveId" clId="{CD95FE0C-0B04-43E2-841A-448B165D0080}" dt="2022-07-26T13:00:38.587" v="4264" actId="1076"/>
+        <pc:picChg chg="add del mod modCrop">
+          <ac:chgData name="林 明锋" userId="df5b4b9bac279175" providerId="LiveId" clId="{CD95FE0C-0B04-43E2-841A-448B165D0080}" dt="2022-07-28T08:59:46.948" v="8133" actId="21"/>
           <ac:picMkLst>
             <pc:docMk/>
             <pc:sldMk cId="3857095691" sldId="398"/>
@@ -3564,6 +3570,13 @@
           </ac:cxnSpMkLst>
         </pc:cxnChg>
       </pc:sldChg>
+      <pc:sldChg chg="add">
+        <pc:chgData name="林 明锋" userId="df5b4b9bac279175" providerId="LiveId" clId="{CD95FE0C-0B04-43E2-841A-448B165D0080}" dt="2022-07-28T08:58:29.201" v="8128"/>
+        <pc:sldMkLst>
+          <pc:docMk/>
+          <pc:sldMk cId="1007203103" sldId="418"/>
+        </pc:sldMkLst>
+      </pc:sldChg>
       <pc:sldChg chg="addSp delSp modSp add del mod">
         <pc:chgData name="林 明锋" userId="df5b4b9bac279175" providerId="LiveId" clId="{CD95FE0C-0B04-43E2-841A-448B165D0080}" dt="2022-07-27T06:36:09.132" v="6988" actId="47"/>
         <pc:sldMkLst>
@@ -3587,12 +3600,145 @@
           </ac:cxnSpMkLst>
         </pc:cxnChg>
       </pc:sldChg>
+      <pc:sldChg chg="delSp add del delDesignElem">
+        <pc:chgData name="林 明锋" userId="df5b4b9bac279175" providerId="LiveId" clId="{CD95FE0C-0B04-43E2-841A-448B165D0080}" dt="2022-07-28T08:58:23.687" v="8127" actId="2696"/>
+        <pc:sldMkLst>
+          <pc:docMk/>
+          <pc:sldMk cId="1879208708" sldId="418"/>
+        </pc:sldMkLst>
+        <pc:spChg chg="del">
+          <ac:chgData name="林 明锋" userId="df5b4b9bac279175" providerId="LiveId" clId="{CD95FE0C-0B04-43E2-841A-448B165D0080}" dt="2022-07-28T08:57:22.859" v="8126"/>
+          <ac:spMkLst>
+            <pc:docMk/>
+            <pc:sldMk cId="1879208708" sldId="418"/>
+            <ac:spMk id="136" creationId="{F3060C83-F051-4F0E-ABAD-AA0DFC48B218}"/>
+          </ac:spMkLst>
+        </pc:spChg>
+        <pc:spChg chg="del">
+          <ac:chgData name="林 明锋" userId="df5b4b9bac279175" providerId="LiveId" clId="{CD95FE0C-0B04-43E2-841A-448B165D0080}" dt="2022-07-28T08:57:22.859" v="8126"/>
+          <ac:spMkLst>
+            <pc:docMk/>
+            <pc:sldMk cId="1879208708" sldId="418"/>
+            <ac:spMk id="142" creationId="{83C98ABE-055B-441F-B07E-44F97F083C39}"/>
+          </ac:spMkLst>
+        </pc:spChg>
+        <pc:spChg chg="del">
+          <ac:chgData name="林 明锋" userId="df5b4b9bac279175" providerId="LiveId" clId="{CD95FE0C-0B04-43E2-841A-448B165D0080}" dt="2022-07-28T08:57:22.859" v="8126"/>
+          <ac:spMkLst>
+            <pc:docMk/>
+            <pc:sldMk cId="1879208708" sldId="418"/>
+            <ac:spMk id="147" creationId="{29FDB030-9B49-4CED-8CCD-4D99382388AC}"/>
+          </ac:spMkLst>
+        </pc:spChg>
+        <pc:spChg chg="del">
+          <ac:chgData name="林 明锋" userId="df5b4b9bac279175" providerId="LiveId" clId="{CD95FE0C-0B04-43E2-841A-448B165D0080}" dt="2022-07-28T08:57:22.859" v="8126"/>
+          <ac:spMkLst>
+            <pc:docMk/>
+            <pc:sldMk cId="1879208708" sldId="418"/>
+            <ac:spMk id="149" creationId="{3783CA14-24A1-485C-8B30-D6A5D87987AD}"/>
+          </ac:spMkLst>
+        </pc:spChg>
+        <pc:spChg chg="del">
+          <ac:chgData name="林 明锋" userId="df5b4b9bac279175" providerId="LiveId" clId="{CD95FE0C-0B04-43E2-841A-448B165D0080}" dt="2022-07-28T08:57:22.859" v="8126"/>
+          <ac:spMkLst>
+            <pc:docMk/>
+            <pc:sldMk cId="1879208708" sldId="418"/>
+            <ac:spMk id="153" creationId="{9A97C86A-04D6-40F7-AE84-31AB43E6A846}"/>
+          </ac:spMkLst>
+        </pc:spChg>
+        <pc:spChg chg="del">
+          <ac:chgData name="林 明锋" userId="df5b4b9bac279175" providerId="LiveId" clId="{CD95FE0C-0B04-43E2-841A-448B165D0080}" dt="2022-07-28T08:57:22.859" v="8126"/>
+          <ac:spMkLst>
+            <pc:docMk/>
+            <pc:sldMk cId="1879208708" sldId="418"/>
+            <ac:spMk id="154" creationId="{FF9F2414-84E8-453E-B1F3-389FDE8192D9}"/>
+          </ac:spMkLst>
+        </pc:spChg>
+        <pc:spChg chg="del">
+          <ac:chgData name="林 明锋" userId="df5b4b9bac279175" providerId="LiveId" clId="{CD95FE0C-0B04-43E2-841A-448B165D0080}" dt="2022-07-28T08:57:22.859" v="8126"/>
+          <ac:spMkLst>
+            <pc:docMk/>
+            <pc:sldMk cId="1879208708" sldId="418"/>
+            <ac:spMk id="155" creationId="{3ECA69A1-7536-43AC-85EF-C7106179F5ED}"/>
+          </ac:spMkLst>
+        </pc:spChg>
+      </pc:sldChg>
+      <pc:sldChg chg="add">
+        <pc:chgData name="林 明锋" userId="df5b4b9bac279175" providerId="LiveId" clId="{CD95FE0C-0B04-43E2-841A-448B165D0080}" dt="2022-07-28T08:58:29.201" v="8128"/>
+        <pc:sldMkLst>
+          <pc:docMk/>
+          <pc:sldMk cId="452996578" sldId="419"/>
+        </pc:sldMkLst>
+      </pc:sldChg>
       <pc:sldChg chg="add del">
         <pc:chgData name="林 明锋" userId="df5b4b9bac279175" providerId="LiveId" clId="{CD95FE0C-0B04-43E2-841A-448B165D0080}" dt="2022-07-27T06:36:11.187" v="6989" actId="47"/>
         <pc:sldMkLst>
           <pc:docMk/>
           <pc:sldMk cId="1378820416" sldId="419"/>
         </pc:sldMkLst>
+      </pc:sldChg>
+      <pc:sldChg chg="delSp add del delDesignElem">
+        <pc:chgData name="林 明锋" userId="df5b4b9bac279175" providerId="LiveId" clId="{CD95FE0C-0B04-43E2-841A-448B165D0080}" dt="2022-07-28T08:58:23.687" v="8127" actId="2696"/>
+        <pc:sldMkLst>
+          <pc:docMk/>
+          <pc:sldMk cId="3348960947" sldId="419"/>
+        </pc:sldMkLst>
+        <pc:spChg chg="del">
+          <ac:chgData name="林 明锋" userId="df5b4b9bac279175" providerId="LiveId" clId="{CD95FE0C-0B04-43E2-841A-448B165D0080}" dt="2022-07-28T08:57:22.859" v="8126"/>
+          <ac:spMkLst>
+            <pc:docMk/>
+            <pc:sldMk cId="3348960947" sldId="419"/>
+            <ac:spMk id="136" creationId="{F3060C83-F051-4F0E-ABAD-AA0DFC48B218}"/>
+          </ac:spMkLst>
+        </pc:spChg>
+        <pc:spChg chg="del">
+          <ac:chgData name="林 明锋" userId="df5b4b9bac279175" providerId="LiveId" clId="{CD95FE0C-0B04-43E2-841A-448B165D0080}" dt="2022-07-28T08:57:22.859" v="8126"/>
+          <ac:spMkLst>
+            <pc:docMk/>
+            <pc:sldMk cId="3348960947" sldId="419"/>
+            <ac:spMk id="142" creationId="{83C98ABE-055B-441F-B07E-44F97F083C39}"/>
+          </ac:spMkLst>
+        </pc:spChg>
+        <pc:spChg chg="del">
+          <ac:chgData name="林 明锋" userId="df5b4b9bac279175" providerId="LiveId" clId="{CD95FE0C-0B04-43E2-841A-448B165D0080}" dt="2022-07-28T08:57:22.859" v="8126"/>
+          <ac:spMkLst>
+            <pc:docMk/>
+            <pc:sldMk cId="3348960947" sldId="419"/>
+            <ac:spMk id="147" creationId="{29FDB030-9B49-4CED-8CCD-4D99382388AC}"/>
+          </ac:spMkLst>
+        </pc:spChg>
+        <pc:spChg chg="del">
+          <ac:chgData name="林 明锋" userId="df5b4b9bac279175" providerId="LiveId" clId="{CD95FE0C-0B04-43E2-841A-448B165D0080}" dt="2022-07-28T08:57:22.859" v="8126"/>
+          <ac:spMkLst>
+            <pc:docMk/>
+            <pc:sldMk cId="3348960947" sldId="419"/>
+            <ac:spMk id="149" creationId="{3783CA14-24A1-485C-8B30-D6A5D87987AD}"/>
+          </ac:spMkLst>
+        </pc:spChg>
+        <pc:spChg chg="del">
+          <ac:chgData name="林 明锋" userId="df5b4b9bac279175" providerId="LiveId" clId="{CD95FE0C-0B04-43E2-841A-448B165D0080}" dt="2022-07-28T08:57:22.859" v="8126"/>
+          <ac:spMkLst>
+            <pc:docMk/>
+            <pc:sldMk cId="3348960947" sldId="419"/>
+            <ac:spMk id="153" creationId="{9A97C86A-04D6-40F7-AE84-31AB43E6A846}"/>
+          </ac:spMkLst>
+        </pc:spChg>
+        <pc:spChg chg="del">
+          <ac:chgData name="林 明锋" userId="df5b4b9bac279175" providerId="LiveId" clId="{CD95FE0C-0B04-43E2-841A-448B165D0080}" dt="2022-07-28T08:57:22.859" v="8126"/>
+          <ac:spMkLst>
+            <pc:docMk/>
+            <pc:sldMk cId="3348960947" sldId="419"/>
+            <ac:spMk id="154" creationId="{FF9F2414-84E8-453E-B1F3-389FDE8192D9}"/>
+          </ac:spMkLst>
+        </pc:spChg>
+        <pc:spChg chg="del">
+          <ac:chgData name="林 明锋" userId="df5b4b9bac279175" providerId="LiveId" clId="{CD95FE0C-0B04-43E2-841A-448B165D0080}" dt="2022-07-28T08:57:22.859" v="8126"/>
+          <ac:spMkLst>
+            <pc:docMk/>
+            <pc:sldMk cId="3348960947" sldId="419"/>
+            <ac:spMk id="155" creationId="{3ECA69A1-7536-43AC-85EF-C7106179F5ED}"/>
+          </ac:spMkLst>
+        </pc:spChg>
       </pc:sldChg>
       <pc:sldChg chg="add del">
         <pc:chgData name="林 明锋" userId="df5b4b9bac279175" providerId="LiveId" clId="{CD95FE0C-0B04-43E2-841A-448B165D0080}" dt="2022-07-27T07:18:54.707" v="7764" actId="47"/>
@@ -4268,8 +4414,8 @@
           </ac:cxnSpMkLst>
         </pc:cxnChg>
       </pc:sldChg>
-      <pc:sldChg chg="addSp delSp modSp add mod ord">
-        <pc:chgData name="林 明锋" userId="df5b4b9bac279175" providerId="LiveId" clId="{CD95FE0C-0B04-43E2-841A-448B165D0080}" dt="2022-07-27T07:55:39.212" v="8117" actId="478"/>
+      <pc:sldChg chg="addSp delSp modSp add del mod ord">
+        <pc:chgData name="林 明锋" userId="df5b4b9bac279175" providerId="LiveId" clId="{CD95FE0C-0B04-43E2-841A-448B165D0080}" dt="2022-07-28T08:58:41.122" v="8130" actId="47"/>
         <pc:sldMkLst>
           <pc:docMk/>
           <pc:sldMk cId="3600296450" sldId="424"/>
@@ -4322,6 +4468,486 @@
             <ac:picMk id="22" creationId="{333AACA2-6B31-E9F8-88CC-12899CDB223E}"/>
           </ac:picMkLst>
         </pc:picChg>
+      </pc:sldChg>
+      <pc:sldChg chg="addSp modSp add mod">
+        <pc:chgData name="林 明锋" userId="df5b4b9bac279175" providerId="LiveId" clId="{CD95FE0C-0B04-43E2-841A-448B165D0080}" dt="2022-07-28T08:59:59.216" v="8137"/>
+        <pc:sldMkLst>
+          <pc:docMk/>
+          <pc:sldMk cId="2519811607" sldId="425"/>
+        </pc:sldMkLst>
+        <pc:spChg chg="mod">
+          <ac:chgData name="林 明锋" userId="df5b4b9bac279175" providerId="LiveId" clId="{CD95FE0C-0B04-43E2-841A-448B165D0080}" dt="2022-07-28T08:59:59.216" v="8137"/>
+          <ac:spMkLst>
+            <pc:docMk/>
+            <pc:sldMk cId="2519811607" sldId="425"/>
+            <ac:spMk id="8" creationId="{C46282CF-9B5E-DC4F-A5D5-AD89B06C078C}"/>
+          </ac:spMkLst>
+        </pc:spChg>
+        <pc:spChg chg="mod">
+          <ac:chgData name="林 明锋" userId="df5b4b9bac279175" providerId="LiveId" clId="{CD95FE0C-0B04-43E2-841A-448B165D0080}" dt="2022-07-28T08:59:59.216" v="8137"/>
+          <ac:spMkLst>
+            <pc:docMk/>
+            <pc:sldMk cId="2519811607" sldId="425"/>
+            <ac:spMk id="9" creationId="{04D86FD0-58CF-B43C-291E-914D2FC0F18E}"/>
+          </ac:spMkLst>
+        </pc:spChg>
+        <pc:grpChg chg="add mod">
+          <ac:chgData name="林 明锋" userId="df5b4b9bac279175" providerId="LiveId" clId="{CD95FE0C-0B04-43E2-841A-448B165D0080}" dt="2022-07-28T08:59:59.216" v="8137"/>
+          <ac:grpSpMkLst>
+            <pc:docMk/>
+            <pc:sldMk cId="2519811607" sldId="425"/>
+            <ac:grpSpMk id="7" creationId="{EFBA8E77-96FB-5BC7-5F99-C1DB8EC05415}"/>
+          </ac:grpSpMkLst>
+        </pc:grpChg>
+        <pc:picChg chg="add mod">
+          <ac:chgData name="林 明锋" userId="df5b4b9bac279175" providerId="LiveId" clId="{CD95FE0C-0B04-43E2-841A-448B165D0080}" dt="2022-07-28T08:59:52.024" v="8135" actId="1076"/>
+          <ac:picMkLst>
+            <pc:docMk/>
+            <pc:sldMk cId="2519811607" sldId="425"/>
+            <ac:picMk id="6" creationId="{AEFC2AB1-D854-45EB-36B8-7C214FC8685C}"/>
+          </ac:picMkLst>
+        </pc:picChg>
+      </pc:sldChg>
+      <pc:sldChg chg="delSp add del delDesignElem">
+        <pc:chgData name="林 明锋" userId="df5b4b9bac279175" providerId="LiveId" clId="{CD95FE0C-0B04-43E2-841A-448B165D0080}" dt="2022-07-28T08:58:23.687" v="8127" actId="2696"/>
+        <pc:sldMkLst>
+          <pc:docMk/>
+          <pc:sldMk cId="2918785953" sldId="425"/>
+        </pc:sldMkLst>
+        <pc:spChg chg="del">
+          <ac:chgData name="林 明锋" userId="df5b4b9bac279175" providerId="LiveId" clId="{CD95FE0C-0B04-43E2-841A-448B165D0080}" dt="2022-07-28T08:57:22.859" v="8126"/>
+          <ac:spMkLst>
+            <pc:docMk/>
+            <pc:sldMk cId="2918785953" sldId="425"/>
+            <ac:spMk id="136" creationId="{F3060C83-F051-4F0E-ABAD-AA0DFC48B218}"/>
+          </ac:spMkLst>
+        </pc:spChg>
+        <pc:spChg chg="del">
+          <ac:chgData name="林 明锋" userId="df5b4b9bac279175" providerId="LiveId" clId="{CD95FE0C-0B04-43E2-841A-448B165D0080}" dt="2022-07-28T08:57:22.859" v="8126"/>
+          <ac:spMkLst>
+            <pc:docMk/>
+            <pc:sldMk cId="2918785953" sldId="425"/>
+            <ac:spMk id="142" creationId="{83C98ABE-055B-441F-B07E-44F97F083C39}"/>
+          </ac:spMkLst>
+        </pc:spChg>
+        <pc:spChg chg="del">
+          <ac:chgData name="林 明锋" userId="df5b4b9bac279175" providerId="LiveId" clId="{CD95FE0C-0B04-43E2-841A-448B165D0080}" dt="2022-07-28T08:57:22.859" v="8126"/>
+          <ac:spMkLst>
+            <pc:docMk/>
+            <pc:sldMk cId="2918785953" sldId="425"/>
+            <ac:spMk id="147" creationId="{29FDB030-9B49-4CED-8CCD-4D99382388AC}"/>
+          </ac:spMkLst>
+        </pc:spChg>
+        <pc:spChg chg="del">
+          <ac:chgData name="林 明锋" userId="df5b4b9bac279175" providerId="LiveId" clId="{CD95FE0C-0B04-43E2-841A-448B165D0080}" dt="2022-07-28T08:57:22.859" v="8126"/>
+          <ac:spMkLst>
+            <pc:docMk/>
+            <pc:sldMk cId="2918785953" sldId="425"/>
+            <ac:spMk id="149" creationId="{3783CA14-24A1-485C-8B30-D6A5D87987AD}"/>
+          </ac:spMkLst>
+        </pc:spChg>
+        <pc:spChg chg="del">
+          <ac:chgData name="林 明锋" userId="df5b4b9bac279175" providerId="LiveId" clId="{CD95FE0C-0B04-43E2-841A-448B165D0080}" dt="2022-07-28T08:57:22.859" v="8126"/>
+          <ac:spMkLst>
+            <pc:docMk/>
+            <pc:sldMk cId="2918785953" sldId="425"/>
+            <ac:spMk id="153" creationId="{9A97C86A-04D6-40F7-AE84-31AB43E6A846}"/>
+          </ac:spMkLst>
+        </pc:spChg>
+        <pc:spChg chg="del">
+          <ac:chgData name="林 明锋" userId="df5b4b9bac279175" providerId="LiveId" clId="{CD95FE0C-0B04-43E2-841A-448B165D0080}" dt="2022-07-28T08:57:22.859" v="8126"/>
+          <ac:spMkLst>
+            <pc:docMk/>
+            <pc:sldMk cId="2918785953" sldId="425"/>
+            <ac:spMk id="154" creationId="{FF9F2414-84E8-453E-B1F3-389FDE8192D9}"/>
+          </ac:spMkLst>
+        </pc:spChg>
+        <pc:spChg chg="del">
+          <ac:chgData name="林 明锋" userId="df5b4b9bac279175" providerId="LiveId" clId="{CD95FE0C-0B04-43E2-841A-448B165D0080}" dt="2022-07-28T08:57:22.859" v="8126"/>
+          <ac:spMkLst>
+            <pc:docMk/>
+            <pc:sldMk cId="2918785953" sldId="425"/>
+            <ac:spMk id="155" creationId="{3ECA69A1-7536-43AC-85EF-C7106179F5ED}"/>
+          </ac:spMkLst>
+        </pc:spChg>
+      </pc:sldChg>
+      <pc:sldChg chg="delSp add del delDesignElem">
+        <pc:chgData name="林 明锋" userId="df5b4b9bac279175" providerId="LiveId" clId="{CD95FE0C-0B04-43E2-841A-448B165D0080}" dt="2022-07-28T08:58:23.687" v="8127" actId="2696"/>
+        <pc:sldMkLst>
+          <pc:docMk/>
+          <pc:sldMk cId="1132014868" sldId="426"/>
+        </pc:sldMkLst>
+        <pc:spChg chg="del">
+          <ac:chgData name="林 明锋" userId="df5b4b9bac279175" providerId="LiveId" clId="{CD95FE0C-0B04-43E2-841A-448B165D0080}" dt="2022-07-28T08:57:22.859" v="8126"/>
+          <ac:spMkLst>
+            <pc:docMk/>
+            <pc:sldMk cId="1132014868" sldId="426"/>
+            <ac:spMk id="136" creationId="{F3060C83-F051-4F0E-ABAD-AA0DFC48B218}"/>
+          </ac:spMkLst>
+        </pc:spChg>
+        <pc:spChg chg="del">
+          <ac:chgData name="林 明锋" userId="df5b4b9bac279175" providerId="LiveId" clId="{CD95FE0C-0B04-43E2-841A-448B165D0080}" dt="2022-07-28T08:57:22.859" v="8126"/>
+          <ac:spMkLst>
+            <pc:docMk/>
+            <pc:sldMk cId="1132014868" sldId="426"/>
+            <ac:spMk id="142" creationId="{83C98ABE-055B-441F-B07E-44F97F083C39}"/>
+          </ac:spMkLst>
+        </pc:spChg>
+        <pc:spChg chg="del">
+          <ac:chgData name="林 明锋" userId="df5b4b9bac279175" providerId="LiveId" clId="{CD95FE0C-0B04-43E2-841A-448B165D0080}" dt="2022-07-28T08:57:22.859" v="8126"/>
+          <ac:spMkLst>
+            <pc:docMk/>
+            <pc:sldMk cId="1132014868" sldId="426"/>
+            <ac:spMk id="147" creationId="{29FDB030-9B49-4CED-8CCD-4D99382388AC}"/>
+          </ac:spMkLst>
+        </pc:spChg>
+        <pc:spChg chg="del">
+          <ac:chgData name="林 明锋" userId="df5b4b9bac279175" providerId="LiveId" clId="{CD95FE0C-0B04-43E2-841A-448B165D0080}" dt="2022-07-28T08:57:22.859" v="8126"/>
+          <ac:spMkLst>
+            <pc:docMk/>
+            <pc:sldMk cId="1132014868" sldId="426"/>
+            <ac:spMk id="149" creationId="{3783CA14-24A1-485C-8B30-D6A5D87987AD}"/>
+          </ac:spMkLst>
+        </pc:spChg>
+        <pc:spChg chg="del">
+          <ac:chgData name="林 明锋" userId="df5b4b9bac279175" providerId="LiveId" clId="{CD95FE0C-0B04-43E2-841A-448B165D0080}" dt="2022-07-28T08:57:22.859" v="8126"/>
+          <ac:spMkLst>
+            <pc:docMk/>
+            <pc:sldMk cId="1132014868" sldId="426"/>
+            <ac:spMk id="153" creationId="{9A97C86A-04D6-40F7-AE84-31AB43E6A846}"/>
+          </ac:spMkLst>
+        </pc:spChg>
+        <pc:spChg chg="del">
+          <ac:chgData name="林 明锋" userId="df5b4b9bac279175" providerId="LiveId" clId="{CD95FE0C-0B04-43E2-841A-448B165D0080}" dt="2022-07-28T08:57:22.859" v="8126"/>
+          <ac:spMkLst>
+            <pc:docMk/>
+            <pc:sldMk cId="1132014868" sldId="426"/>
+            <ac:spMk id="154" creationId="{FF9F2414-84E8-453E-B1F3-389FDE8192D9}"/>
+          </ac:spMkLst>
+        </pc:spChg>
+        <pc:spChg chg="del">
+          <ac:chgData name="林 明锋" userId="df5b4b9bac279175" providerId="LiveId" clId="{CD95FE0C-0B04-43E2-841A-448B165D0080}" dt="2022-07-28T08:57:22.859" v="8126"/>
+          <ac:spMkLst>
+            <pc:docMk/>
+            <pc:sldMk cId="1132014868" sldId="426"/>
+            <ac:spMk id="155" creationId="{3ECA69A1-7536-43AC-85EF-C7106179F5ED}"/>
+          </ac:spMkLst>
+        </pc:spChg>
+      </pc:sldChg>
+      <pc:sldChg chg="add">
+        <pc:chgData name="林 明锋" userId="df5b4b9bac279175" providerId="LiveId" clId="{CD95FE0C-0B04-43E2-841A-448B165D0080}" dt="2022-07-28T08:58:29.201" v="8128"/>
+        <pc:sldMkLst>
+          <pc:docMk/>
+          <pc:sldMk cId="1808471702" sldId="426"/>
+        </pc:sldMkLst>
+      </pc:sldChg>
+      <pc:sldChg chg="delSp add del delDesignElem">
+        <pc:chgData name="林 明锋" userId="df5b4b9bac279175" providerId="LiveId" clId="{CD95FE0C-0B04-43E2-841A-448B165D0080}" dt="2022-07-28T08:58:23.687" v="8127" actId="2696"/>
+        <pc:sldMkLst>
+          <pc:docMk/>
+          <pc:sldMk cId="1122863133" sldId="427"/>
+        </pc:sldMkLst>
+        <pc:spChg chg="del">
+          <ac:chgData name="林 明锋" userId="df5b4b9bac279175" providerId="LiveId" clId="{CD95FE0C-0B04-43E2-841A-448B165D0080}" dt="2022-07-28T08:57:22.859" v="8126"/>
+          <ac:spMkLst>
+            <pc:docMk/>
+            <pc:sldMk cId="1122863133" sldId="427"/>
+            <ac:spMk id="136" creationId="{F3060C83-F051-4F0E-ABAD-AA0DFC48B218}"/>
+          </ac:spMkLst>
+        </pc:spChg>
+        <pc:spChg chg="del">
+          <ac:chgData name="林 明锋" userId="df5b4b9bac279175" providerId="LiveId" clId="{CD95FE0C-0B04-43E2-841A-448B165D0080}" dt="2022-07-28T08:57:22.859" v="8126"/>
+          <ac:spMkLst>
+            <pc:docMk/>
+            <pc:sldMk cId="1122863133" sldId="427"/>
+            <ac:spMk id="142" creationId="{83C98ABE-055B-441F-B07E-44F97F083C39}"/>
+          </ac:spMkLst>
+        </pc:spChg>
+        <pc:spChg chg="del">
+          <ac:chgData name="林 明锋" userId="df5b4b9bac279175" providerId="LiveId" clId="{CD95FE0C-0B04-43E2-841A-448B165D0080}" dt="2022-07-28T08:57:22.859" v="8126"/>
+          <ac:spMkLst>
+            <pc:docMk/>
+            <pc:sldMk cId="1122863133" sldId="427"/>
+            <ac:spMk id="147" creationId="{29FDB030-9B49-4CED-8CCD-4D99382388AC}"/>
+          </ac:spMkLst>
+        </pc:spChg>
+        <pc:spChg chg="del">
+          <ac:chgData name="林 明锋" userId="df5b4b9bac279175" providerId="LiveId" clId="{CD95FE0C-0B04-43E2-841A-448B165D0080}" dt="2022-07-28T08:57:22.859" v="8126"/>
+          <ac:spMkLst>
+            <pc:docMk/>
+            <pc:sldMk cId="1122863133" sldId="427"/>
+            <ac:spMk id="149" creationId="{3783CA14-24A1-485C-8B30-D6A5D87987AD}"/>
+          </ac:spMkLst>
+        </pc:spChg>
+        <pc:spChg chg="del">
+          <ac:chgData name="林 明锋" userId="df5b4b9bac279175" providerId="LiveId" clId="{CD95FE0C-0B04-43E2-841A-448B165D0080}" dt="2022-07-28T08:57:22.859" v="8126"/>
+          <ac:spMkLst>
+            <pc:docMk/>
+            <pc:sldMk cId="1122863133" sldId="427"/>
+            <ac:spMk id="153" creationId="{9A97C86A-04D6-40F7-AE84-31AB43E6A846}"/>
+          </ac:spMkLst>
+        </pc:spChg>
+        <pc:spChg chg="del">
+          <ac:chgData name="林 明锋" userId="df5b4b9bac279175" providerId="LiveId" clId="{CD95FE0C-0B04-43E2-841A-448B165D0080}" dt="2022-07-28T08:57:22.859" v="8126"/>
+          <ac:spMkLst>
+            <pc:docMk/>
+            <pc:sldMk cId="1122863133" sldId="427"/>
+            <ac:spMk id="154" creationId="{FF9F2414-84E8-453E-B1F3-389FDE8192D9}"/>
+          </ac:spMkLst>
+        </pc:spChg>
+        <pc:spChg chg="del">
+          <ac:chgData name="林 明锋" userId="df5b4b9bac279175" providerId="LiveId" clId="{CD95FE0C-0B04-43E2-841A-448B165D0080}" dt="2022-07-28T08:57:22.859" v="8126"/>
+          <ac:spMkLst>
+            <pc:docMk/>
+            <pc:sldMk cId="1122863133" sldId="427"/>
+            <ac:spMk id="155" creationId="{3ECA69A1-7536-43AC-85EF-C7106179F5ED}"/>
+          </ac:spMkLst>
+        </pc:spChg>
+      </pc:sldChg>
+      <pc:sldChg chg="add">
+        <pc:chgData name="林 明锋" userId="df5b4b9bac279175" providerId="LiveId" clId="{CD95FE0C-0B04-43E2-841A-448B165D0080}" dt="2022-07-28T08:58:29.201" v="8128"/>
+        <pc:sldMkLst>
+          <pc:docMk/>
+          <pc:sldMk cId="2537124629" sldId="427"/>
+        </pc:sldMkLst>
+      </pc:sldChg>
+      <pc:sldChg chg="delSp add del delDesignElem">
+        <pc:chgData name="林 明锋" userId="df5b4b9bac279175" providerId="LiveId" clId="{CD95FE0C-0B04-43E2-841A-448B165D0080}" dt="2022-07-28T08:58:23.687" v="8127" actId="2696"/>
+        <pc:sldMkLst>
+          <pc:docMk/>
+          <pc:sldMk cId="847234783" sldId="428"/>
+        </pc:sldMkLst>
+        <pc:spChg chg="del">
+          <ac:chgData name="林 明锋" userId="df5b4b9bac279175" providerId="LiveId" clId="{CD95FE0C-0B04-43E2-841A-448B165D0080}" dt="2022-07-28T08:57:22.859" v="8126"/>
+          <ac:spMkLst>
+            <pc:docMk/>
+            <pc:sldMk cId="847234783" sldId="428"/>
+            <ac:spMk id="136" creationId="{F3060C83-F051-4F0E-ABAD-AA0DFC48B218}"/>
+          </ac:spMkLst>
+        </pc:spChg>
+        <pc:spChg chg="del">
+          <ac:chgData name="林 明锋" userId="df5b4b9bac279175" providerId="LiveId" clId="{CD95FE0C-0B04-43E2-841A-448B165D0080}" dt="2022-07-28T08:57:22.859" v="8126"/>
+          <ac:spMkLst>
+            <pc:docMk/>
+            <pc:sldMk cId="847234783" sldId="428"/>
+            <ac:spMk id="142" creationId="{83C98ABE-055B-441F-B07E-44F97F083C39}"/>
+          </ac:spMkLst>
+        </pc:spChg>
+        <pc:spChg chg="del">
+          <ac:chgData name="林 明锋" userId="df5b4b9bac279175" providerId="LiveId" clId="{CD95FE0C-0B04-43E2-841A-448B165D0080}" dt="2022-07-28T08:57:22.859" v="8126"/>
+          <ac:spMkLst>
+            <pc:docMk/>
+            <pc:sldMk cId="847234783" sldId="428"/>
+            <ac:spMk id="147" creationId="{29FDB030-9B49-4CED-8CCD-4D99382388AC}"/>
+          </ac:spMkLst>
+        </pc:spChg>
+        <pc:spChg chg="del">
+          <ac:chgData name="林 明锋" userId="df5b4b9bac279175" providerId="LiveId" clId="{CD95FE0C-0B04-43E2-841A-448B165D0080}" dt="2022-07-28T08:57:22.859" v="8126"/>
+          <ac:spMkLst>
+            <pc:docMk/>
+            <pc:sldMk cId="847234783" sldId="428"/>
+            <ac:spMk id="149" creationId="{3783CA14-24A1-485C-8B30-D6A5D87987AD}"/>
+          </ac:spMkLst>
+        </pc:spChg>
+        <pc:spChg chg="del">
+          <ac:chgData name="林 明锋" userId="df5b4b9bac279175" providerId="LiveId" clId="{CD95FE0C-0B04-43E2-841A-448B165D0080}" dt="2022-07-28T08:57:22.859" v="8126"/>
+          <ac:spMkLst>
+            <pc:docMk/>
+            <pc:sldMk cId="847234783" sldId="428"/>
+            <ac:spMk id="153" creationId="{9A97C86A-04D6-40F7-AE84-31AB43E6A846}"/>
+          </ac:spMkLst>
+        </pc:spChg>
+        <pc:spChg chg="del">
+          <ac:chgData name="林 明锋" userId="df5b4b9bac279175" providerId="LiveId" clId="{CD95FE0C-0B04-43E2-841A-448B165D0080}" dt="2022-07-28T08:57:22.859" v="8126"/>
+          <ac:spMkLst>
+            <pc:docMk/>
+            <pc:sldMk cId="847234783" sldId="428"/>
+            <ac:spMk id="154" creationId="{FF9F2414-84E8-453E-B1F3-389FDE8192D9}"/>
+          </ac:spMkLst>
+        </pc:spChg>
+        <pc:spChg chg="del">
+          <ac:chgData name="林 明锋" userId="df5b4b9bac279175" providerId="LiveId" clId="{CD95FE0C-0B04-43E2-841A-448B165D0080}" dt="2022-07-28T08:57:22.859" v="8126"/>
+          <ac:spMkLst>
+            <pc:docMk/>
+            <pc:sldMk cId="847234783" sldId="428"/>
+            <ac:spMk id="155" creationId="{3ECA69A1-7536-43AC-85EF-C7106179F5ED}"/>
+          </ac:spMkLst>
+        </pc:spChg>
+      </pc:sldChg>
+      <pc:sldChg chg="add">
+        <pc:chgData name="林 明锋" userId="df5b4b9bac279175" providerId="LiveId" clId="{CD95FE0C-0B04-43E2-841A-448B165D0080}" dt="2022-07-28T08:58:29.201" v="8128"/>
+        <pc:sldMkLst>
+          <pc:docMk/>
+          <pc:sldMk cId="3999754894" sldId="428"/>
+        </pc:sldMkLst>
+      </pc:sldChg>
+      <pc:sldChg chg="add">
+        <pc:chgData name="林 明锋" userId="df5b4b9bac279175" providerId="LiveId" clId="{CD95FE0C-0B04-43E2-841A-448B165D0080}" dt="2022-07-28T08:58:29.201" v="8128"/>
+        <pc:sldMkLst>
+          <pc:docMk/>
+          <pc:sldMk cId="1443105441" sldId="429"/>
+        </pc:sldMkLst>
+      </pc:sldChg>
+      <pc:sldChg chg="delSp add del delDesignElem">
+        <pc:chgData name="林 明锋" userId="df5b4b9bac279175" providerId="LiveId" clId="{CD95FE0C-0B04-43E2-841A-448B165D0080}" dt="2022-07-28T08:58:23.687" v="8127" actId="2696"/>
+        <pc:sldMkLst>
+          <pc:docMk/>
+          <pc:sldMk cId="3391064120" sldId="429"/>
+        </pc:sldMkLst>
+        <pc:spChg chg="del">
+          <ac:chgData name="林 明锋" userId="df5b4b9bac279175" providerId="LiveId" clId="{CD95FE0C-0B04-43E2-841A-448B165D0080}" dt="2022-07-28T08:57:22.859" v="8126"/>
+          <ac:spMkLst>
+            <pc:docMk/>
+            <pc:sldMk cId="3391064120" sldId="429"/>
+            <ac:spMk id="136" creationId="{F3060C83-F051-4F0E-ABAD-AA0DFC48B218}"/>
+          </ac:spMkLst>
+        </pc:spChg>
+        <pc:spChg chg="del">
+          <ac:chgData name="林 明锋" userId="df5b4b9bac279175" providerId="LiveId" clId="{CD95FE0C-0B04-43E2-841A-448B165D0080}" dt="2022-07-28T08:57:22.859" v="8126"/>
+          <ac:spMkLst>
+            <pc:docMk/>
+            <pc:sldMk cId="3391064120" sldId="429"/>
+            <ac:spMk id="142" creationId="{83C98ABE-055B-441F-B07E-44F97F083C39}"/>
+          </ac:spMkLst>
+        </pc:spChg>
+        <pc:spChg chg="del">
+          <ac:chgData name="林 明锋" userId="df5b4b9bac279175" providerId="LiveId" clId="{CD95FE0C-0B04-43E2-841A-448B165D0080}" dt="2022-07-28T08:57:22.859" v="8126"/>
+          <ac:spMkLst>
+            <pc:docMk/>
+            <pc:sldMk cId="3391064120" sldId="429"/>
+            <ac:spMk id="147" creationId="{29FDB030-9B49-4CED-8CCD-4D99382388AC}"/>
+          </ac:spMkLst>
+        </pc:spChg>
+        <pc:spChg chg="del">
+          <ac:chgData name="林 明锋" userId="df5b4b9bac279175" providerId="LiveId" clId="{CD95FE0C-0B04-43E2-841A-448B165D0080}" dt="2022-07-28T08:57:22.859" v="8126"/>
+          <ac:spMkLst>
+            <pc:docMk/>
+            <pc:sldMk cId="3391064120" sldId="429"/>
+            <ac:spMk id="149" creationId="{3783CA14-24A1-485C-8B30-D6A5D87987AD}"/>
+          </ac:spMkLst>
+        </pc:spChg>
+        <pc:spChg chg="del">
+          <ac:chgData name="林 明锋" userId="df5b4b9bac279175" providerId="LiveId" clId="{CD95FE0C-0B04-43E2-841A-448B165D0080}" dt="2022-07-28T08:57:22.859" v="8126"/>
+          <ac:spMkLst>
+            <pc:docMk/>
+            <pc:sldMk cId="3391064120" sldId="429"/>
+            <ac:spMk id="153" creationId="{9A97C86A-04D6-40F7-AE84-31AB43E6A846}"/>
+          </ac:spMkLst>
+        </pc:spChg>
+        <pc:spChg chg="del">
+          <ac:chgData name="林 明锋" userId="df5b4b9bac279175" providerId="LiveId" clId="{CD95FE0C-0B04-43E2-841A-448B165D0080}" dt="2022-07-28T08:57:22.859" v="8126"/>
+          <ac:spMkLst>
+            <pc:docMk/>
+            <pc:sldMk cId="3391064120" sldId="429"/>
+            <ac:spMk id="154" creationId="{FF9F2414-84E8-453E-B1F3-389FDE8192D9}"/>
+          </ac:spMkLst>
+        </pc:spChg>
+        <pc:spChg chg="del">
+          <ac:chgData name="林 明锋" userId="df5b4b9bac279175" providerId="LiveId" clId="{CD95FE0C-0B04-43E2-841A-448B165D0080}" dt="2022-07-28T08:57:22.859" v="8126"/>
+          <ac:spMkLst>
+            <pc:docMk/>
+            <pc:sldMk cId="3391064120" sldId="429"/>
+            <ac:spMk id="155" creationId="{3ECA69A1-7536-43AC-85EF-C7106179F5ED}"/>
+          </ac:spMkLst>
+        </pc:spChg>
+      </pc:sldChg>
+      <pc:sldChg chg="add del">
+        <pc:chgData name="林 明锋" userId="df5b4b9bac279175" providerId="LiveId" clId="{CD95FE0C-0B04-43E2-841A-448B165D0080}" dt="2022-07-28T08:58:23.687" v="8127" actId="2696"/>
+        <pc:sldMkLst>
+          <pc:docMk/>
+          <pc:sldMk cId="1393519121" sldId="430"/>
+        </pc:sldMkLst>
+      </pc:sldChg>
+      <pc:sldChg chg="add">
+        <pc:chgData name="林 明锋" userId="df5b4b9bac279175" providerId="LiveId" clId="{CD95FE0C-0B04-43E2-841A-448B165D0080}" dt="2022-07-28T08:58:29.201" v="8128"/>
+        <pc:sldMkLst>
+          <pc:docMk/>
+          <pc:sldMk cId="3208359505" sldId="430"/>
+        </pc:sldMkLst>
+      </pc:sldChg>
+      <pc:sldChg chg="delSp add del delDesignElem">
+        <pc:chgData name="林 明锋" userId="df5b4b9bac279175" providerId="LiveId" clId="{CD95FE0C-0B04-43E2-841A-448B165D0080}" dt="2022-07-28T08:58:23.687" v="8127" actId="2696"/>
+        <pc:sldMkLst>
+          <pc:docMk/>
+          <pc:sldMk cId="1329678553" sldId="431"/>
+        </pc:sldMkLst>
+        <pc:spChg chg="del">
+          <ac:chgData name="林 明锋" userId="df5b4b9bac279175" providerId="LiveId" clId="{CD95FE0C-0B04-43E2-841A-448B165D0080}" dt="2022-07-28T08:57:22.859" v="8126"/>
+          <ac:spMkLst>
+            <pc:docMk/>
+            <pc:sldMk cId="1329678553" sldId="431"/>
+            <ac:spMk id="136" creationId="{F3060C83-F051-4F0E-ABAD-AA0DFC48B218}"/>
+          </ac:spMkLst>
+        </pc:spChg>
+        <pc:spChg chg="del">
+          <ac:chgData name="林 明锋" userId="df5b4b9bac279175" providerId="LiveId" clId="{CD95FE0C-0B04-43E2-841A-448B165D0080}" dt="2022-07-28T08:57:22.859" v="8126"/>
+          <ac:spMkLst>
+            <pc:docMk/>
+            <pc:sldMk cId="1329678553" sldId="431"/>
+            <ac:spMk id="142" creationId="{83C98ABE-055B-441F-B07E-44F97F083C39}"/>
+          </ac:spMkLst>
+        </pc:spChg>
+        <pc:spChg chg="del">
+          <ac:chgData name="林 明锋" userId="df5b4b9bac279175" providerId="LiveId" clId="{CD95FE0C-0B04-43E2-841A-448B165D0080}" dt="2022-07-28T08:57:22.859" v="8126"/>
+          <ac:spMkLst>
+            <pc:docMk/>
+            <pc:sldMk cId="1329678553" sldId="431"/>
+            <ac:spMk id="147" creationId="{29FDB030-9B49-4CED-8CCD-4D99382388AC}"/>
+          </ac:spMkLst>
+        </pc:spChg>
+        <pc:spChg chg="del">
+          <ac:chgData name="林 明锋" userId="df5b4b9bac279175" providerId="LiveId" clId="{CD95FE0C-0B04-43E2-841A-448B165D0080}" dt="2022-07-28T08:57:22.859" v="8126"/>
+          <ac:spMkLst>
+            <pc:docMk/>
+            <pc:sldMk cId="1329678553" sldId="431"/>
+            <ac:spMk id="149" creationId="{3783CA14-24A1-485C-8B30-D6A5D87987AD}"/>
+          </ac:spMkLst>
+        </pc:spChg>
+        <pc:spChg chg="del">
+          <ac:chgData name="林 明锋" userId="df5b4b9bac279175" providerId="LiveId" clId="{CD95FE0C-0B04-43E2-841A-448B165D0080}" dt="2022-07-28T08:57:22.859" v="8126"/>
+          <ac:spMkLst>
+            <pc:docMk/>
+            <pc:sldMk cId="1329678553" sldId="431"/>
+            <ac:spMk id="153" creationId="{9A97C86A-04D6-40F7-AE84-31AB43E6A846}"/>
+          </ac:spMkLst>
+        </pc:spChg>
+        <pc:spChg chg="del">
+          <ac:chgData name="林 明锋" userId="df5b4b9bac279175" providerId="LiveId" clId="{CD95FE0C-0B04-43E2-841A-448B165D0080}" dt="2022-07-28T08:57:22.859" v="8126"/>
+          <ac:spMkLst>
+            <pc:docMk/>
+            <pc:sldMk cId="1329678553" sldId="431"/>
+            <ac:spMk id="154" creationId="{FF9F2414-84E8-453E-B1F3-389FDE8192D9}"/>
+          </ac:spMkLst>
+        </pc:spChg>
+        <pc:spChg chg="del">
+          <ac:chgData name="林 明锋" userId="df5b4b9bac279175" providerId="LiveId" clId="{CD95FE0C-0B04-43E2-841A-448B165D0080}" dt="2022-07-28T08:57:22.859" v="8126"/>
+          <ac:spMkLst>
+            <pc:docMk/>
+            <pc:sldMk cId="1329678553" sldId="431"/>
+            <ac:spMk id="155" creationId="{3ECA69A1-7536-43AC-85EF-C7106179F5ED}"/>
+          </ac:spMkLst>
+        </pc:spChg>
+      </pc:sldChg>
+      <pc:sldChg chg="add">
+        <pc:chgData name="林 明锋" userId="df5b4b9bac279175" providerId="LiveId" clId="{CD95FE0C-0B04-43E2-841A-448B165D0080}" dt="2022-07-28T08:58:29.201" v="8128"/>
+        <pc:sldMkLst>
+          <pc:docMk/>
+          <pc:sldMk cId="3324653288" sldId="431"/>
+        </pc:sldMkLst>
+      </pc:sldChg>
+      <pc:sldChg chg="add">
+        <pc:chgData name="林 明锋" userId="df5b4b9bac279175" providerId="LiveId" clId="{CD95FE0C-0B04-43E2-841A-448B165D0080}" dt="2022-07-28T08:58:29.201" v="8128"/>
+        <pc:sldMkLst>
+          <pc:docMk/>
+          <pc:sldMk cId="1780495731" sldId="432"/>
+        </pc:sldMkLst>
+      </pc:sldChg>
+      <pc:sldChg chg="add del">
+        <pc:chgData name="林 明锋" userId="df5b4b9bac279175" providerId="LiveId" clId="{CD95FE0C-0B04-43E2-841A-448B165D0080}" dt="2022-07-28T08:58:23.687" v="8127" actId="2696"/>
+        <pc:sldMkLst>
+          <pc:docMk/>
+          <pc:sldMk cId="3233874433" sldId="432"/>
+        </pc:sldMkLst>
       </pc:sldChg>
     </pc:docChg>
   </pc:docChgLst>
@@ -5317,7 +5943,7 @@
           <a:p>
             <a:fld id="{D4C5657C-E099-457B-9105-A54A42793778}" type="datetime1">
               <a:rPr lang="en-US" altLang="zh-CN" smtClean="0"/>
-              <a:t>7/27/2022</a:t>
+              <a:t>7/28/2022</a:t>
             </a:fld>
             <a:endParaRPr lang="zh-CN" altLang="en-US"/>
           </a:p>
@@ -5486,7 +6112,7 @@
           <a:p>
             <a:fld id="{5CFE5239-F2DD-4C97-9EBF-58CA499DB2A3}" type="datetime1">
               <a:rPr lang="en-US" altLang="zh-CN" smtClean="0"/>
-              <a:t>7/27/2022</a:t>
+              <a:t>7/28/2022</a:t>
             </a:fld>
             <a:endParaRPr lang="en-US"/>
           </a:p>
@@ -7180,6 +7806,14 @@
               <a:tabLst/>
               <a:defRPr/>
             </a:pPr>
+            <a:r>
+              <a:rPr lang="zh-CN" altLang="en-US" sz="1200">
+                <a:effectLst/>
+                <a:ea typeface="等线" panose="02010600030101010101" pitchFamily="2" charset="-122"/>
+                <a:cs typeface="Times New Roman" panose="02020603050405020304" pitchFamily="18" charset="0"/>
+              </a:rPr>
+              <a:t>训练</a:t>
+            </a:r>
             <a:endParaRPr lang="en-US" altLang="zh-CN" sz="1200" dirty="0">
               <a:effectLst/>
               <a:ea typeface="等线" panose="02010600030101010101" pitchFamily="2" charset="-122"/>
@@ -7191,7 +7825,7 @@
     </p:spTree>
     <p:extLst>
       <p:ext uri="{BB962C8B-B14F-4D97-AF65-F5344CB8AC3E}">
-        <p14:creationId xmlns:p14="http://schemas.microsoft.com/office/powerpoint/2010/main" val="3267421272"/>
+        <p14:creationId xmlns:p14="http://schemas.microsoft.com/office/powerpoint/2010/main" val="2799407959"/>
       </p:ext>
     </p:extLst>
   </p:cSld>
@@ -7250,14 +7884,35 @@
           <a:bodyPr/>
           <a:lstStyle/>
           <a:p>
-            <a:endParaRPr lang="zh-CN" altLang="en-US" dirty="0"/>
+            <a:pPr marL="0" marR="0" lvl="0" indent="0" algn="l" defTabSz="914400" rtl="0" eaLnBrk="1" fontAlgn="auto" latinLnBrk="0" hangingPunct="1">
+              <a:lnSpc>
+                <a:spcPct val="100000"/>
+              </a:lnSpc>
+              <a:spcBef>
+                <a:spcPts val="0"/>
+              </a:spcBef>
+              <a:spcAft>
+                <a:spcPts val="0"/>
+              </a:spcAft>
+              <a:buClrTx/>
+              <a:buSzTx/>
+              <a:buFontTx/>
+              <a:buNone/>
+              <a:tabLst/>
+              <a:defRPr/>
+            </a:pPr>
+            <a:endParaRPr lang="en-US" altLang="zh-CN" sz="1200" dirty="0">
+              <a:effectLst/>
+              <a:ea typeface="等线" panose="02010600030101010101" pitchFamily="2" charset="-122"/>
+              <a:cs typeface="Times New Roman" panose="02020603050405020304" pitchFamily="18" charset="0"/>
+            </a:endParaRPr>
           </a:p>
         </p:txBody>
       </p:sp>
     </p:spTree>
     <p:extLst>
       <p:ext uri="{BB962C8B-B14F-4D97-AF65-F5344CB8AC3E}">
-        <p14:creationId xmlns:p14="http://schemas.microsoft.com/office/powerpoint/2010/main" val="2979042697"/>
+        <p14:creationId xmlns:p14="http://schemas.microsoft.com/office/powerpoint/2010/main" val="3984321241"/>
       </p:ext>
     </p:extLst>
   </p:cSld>
@@ -7344,7 +7999,7 @@
     </p:spTree>
     <p:extLst>
       <p:ext uri="{BB962C8B-B14F-4D97-AF65-F5344CB8AC3E}">
-        <p14:creationId xmlns:p14="http://schemas.microsoft.com/office/powerpoint/2010/main" val="2593402307"/>
+        <p14:creationId xmlns:p14="http://schemas.microsoft.com/office/powerpoint/2010/main" val="3650735128"/>
       </p:ext>
     </p:extLst>
   </p:cSld>
@@ -7403,6 +8058,180 @@
           <a:bodyPr/>
           <a:lstStyle/>
           <a:p>
+            <a:pPr marL="0" marR="0" lvl="0" indent="0" algn="l" defTabSz="914400" rtl="0" eaLnBrk="1" fontAlgn="auto" latinLnBrk="0" hangingPunct="1">
+              <a:lnSpc>
+                <a:spcPct val="100000"/>
+              </a:lnSpc>
+              <a:spcBef>
+                <a:spcPts val="0"/>
+              </a:spcBef>
+              <a:spcAft>
+                <a:spcPts val="0"/>
+              </a:spcAft>
+              <a:buClrTx/>
+              <a:buSzTx/>
+              <a:buFontTx/>
+              <a:buNone/>
+              <a:tabLst/>
+              <a:defRPr/>
+            </a:pPr>
+            <a:endParaRPr lang="en-US" altLang="zh-CN" sz="1200" dirty="0">
+              <a:effectLst/>
+              <a:ea typeface="等线" panose="02010600030101010101" pitchFamily="2" charset="-122"/>
+              <a:cs typeface="Times New Roman" panose="02020603050405020304" pitchFamily="18" charset="0"/>
+            </a:endParaRPr>
+          </a:p>
+        </p:txBody>
+      </p:sp>
+    </p:spTree>
+    <p:extLst>
+      <p:ext uri="{BB962C8B-B14F-4D97-AF65-F5344CB8AC3E}">
+        <p14:creationId xmlns:p14="http://schemas.microsoft.com/office/powerpoint/2010/main" val="1452027516"/>
+      </p:ext>
+    </p:extLst>
+  </p:cSld>
+  <p:clrMapOvr>
+    <a:masterClrMapping/>
+  </p:clrMapOvr>
+</p:notes>
+</file>
+
+<file path=ppt/notesSlides/notesSlide28.xml><?xml version="1.0" encoding="utf-8"?>
+<p:notes xmlns:a="http://schemas.openxmlformats.org/drawingml/2006/main" xmlns:r="http://schemas.openxmlformats.org/officeDocument/2006/relationships" xmlns:p="http://schemas.openxmlformats.org/presentationml/2006/main">
+  <p:cSld>
+    <p:spTree>
+      <p:nvGrpSpPr>
+        <p:cNvPr id="1" name=""/>
+        <p:cNvGrpSpPr/>
+        <p:nvPr/>
+      </p:nvGrpSpPr>
+      <p:grpSpPr>
+        <a:xfrm>
+          <a:off x="0" y="0"/>
+          <a:ext cx="0" cy="0"/>
+          <a:chOff x="0" y="0"/>
+          <a:chExt cx="0" cy="0"/>
+        </a:xfrm>
+      </p:grpSpPr>
+      <p:sp>
+        <p:nvSpPr>
+          <p:cNvPr id="2" name="幻灯片图像占位符 1"/>
+          <p:cNvSpPr>
+            <a:spLocks noGrp="1" noRot="1" noChangeAspect="1"/>
+          </p:cNvSpPr>
+          <p:nvPr>
+            <p:ph type="sldImg"/>
+          </p:nvPr>
+        </p:nvSpPr>
+        <p:spPr>
+          <a:xfrm>
+            <a:off x="423863" y="1243013"/>
+            <a:ext cx="5959475" cy="3352800"/>
+          </a:xfrm>
+        </p:spPr>
+      </p:sp>
+      <p:sp>
+        <p:nvSpPr>
+          <p:cNvPr id="3" name="备注占位符 2"/>
+          <p:cNvSpPr>
+            <a:spLocks noGrp="1"/>
+          </p:cNvSpPr>
+          <p:nvPr>
+            <p:ph type="body" idx="1"/>
+          </p:nvPr>
+        </p:nvSpPr>
+        <p:spPr/>
+        <p:txBody>
+          <a:bodyPr/>
+          <a:lstStyle/>
+          <a:p>
+            <a:pPr marL="0" marR="0" lvl="0" indent="0" algn="l" defTabSz="914400" rtl="0" eaLnBrk="1" fontAlgn="auto" latinLnBrk="0" hangingPunct="1">
+              <a:lnSpc>
+                <a:spcPct val="100000"/>
+              </a:lnSpc>
+              <a:spcBef>
+                <a:spcPts val="0"/>
+              </a:spcBef>
+              <a:spcAft>
+                <a:spcPts val="0"/>
+              </a:spcAft>
+              <a:buClrTx/>
+              <a:buSzTx/>
+              <a:buFontTx/>
+              <a:buNone/>
+              <a:tabLst/>
+              <a:defRPr/>
+            </a:pPr>
+            <a:endParaRPr lang="en-US" altLang="zh-CN" sz="1200" dirty="0">
+              <a:effectLst/>
+              <a:ea typeface="等线" panose="02010600030101010101" pitchFamily="2" charset="-122"/>
+              <a:cs typeface="Times New Roman" panose="02020603050405020304" pitchFamily="18" charset="0"/>
+            </a:endParaRPr>
+          </a:p>
+        </p:txBody>
+      </p:sp>
+    </p:spTree>
+    <p:extLst>
+      <p:ext uri="{BB962C8B-B14F-4D97-AF65-F5344CB8AC3E}">
+        <p14:creationId xmlns:p14="http://schemas.microsoft.com/office/powerpoint/2010/main" val="3911165732"/>
+      </p:ext>
+    </p:extLst>
+  </p:cSld>
+  <p:clrMapOvr>
+    <a:masterClrMapping/>
+  </p:clrMapOvr>
+</p:notes>
+</file>
+
+<file path=ppt/notesSlides/notesSlide29.xml><?xml version="1.0" encoding="utf-8"?>
+<p:notes xmlns:a="http://schemas.openxmlformats.org/drawingml/2006/main" xmlns:r="http://schemas.openxmlformats.org/officeDocument/2006/relationships" xmlns:p="http://schemas.openxmlformats.org/presentationml/2006/main">
+  <p:cSld>
+    <p:spTree>
+      <p:nvGrpSpPr>
+        <p:cNvPr id="1" name=""/>
+        <p:cNvGrpSpPr/>
+        <p:nvPr/>
+      </p:nvGrpSpPr>
+      <p:grpSpPr>
+        <a:xfrm>
+          <a:off x="0" y="0"/>
+          <a:ext cx="0" cy="0"/>
+          <a:chOff x="0" y="0"/>
+          <a:chExt cx="0" cy="0"/>
+        </a:xfrm>
+      </p:grpSpPr>
+      <p:sp>
+        <p:nvSpPr>
+          <p:cNvPr id="2" name="幻灯片图像占位符 1"/>
+          <p:cNvSpPr>
+            <a:spLocks noGrp="1" noRot="1" noChangeAspect="1"/>
+          </p:cNvSpPr>
+          <p:nvPr>
+            <p:ph type="sldImg"/>
+          </p:nvPr>
+        </p:nvSpPr>
+        <p:spPr>
+          <a:xfrm>
+            <a:off x="423863" y="1243013"/>
+            <a:ext cx="5959475" cy="3352800"/>
+          </a:xfrm>
+        </p:spPr>
+      </p:sp>
+      <p:sp>
+        <p:nvSpPr>
+          <p:cNvPr id="3" name="备注占位符 2"/>
+          <p:cNvSpPr>
+            <a:spLocks noGrp="1"/>
+          </p:cNvSpPr>
+          <p:nvPr>
+            <p:ph type="body" idx="1"/>
+          </p:nvPr>
+        </p:nvSpPr>
+        <p:spPr/>
+        <p:txBody>
+          <a:bodyPr/>
+          <a:lstStyle/>
+          <a:p>
             <a:endParaRPr lang="zh-CN" altLang="en-US" dirty="0"/>
           </a:p>
         </p:txBody>
@@ -7410,7 +8239,7 @@
     </p:spTree>
     <p:extLst>
       <p:ext uri="{BB962C8B-B14F-4D97-AF65-F5344CB8AC3E}">
-        <p14:creationId xmlns:p14="http://schemas.microsoft.com/office/powerpoint/2010/main" val="2814776099"/>
+        <p14:creationId xmlns:p14="http://schemas.microsoft.com/office/powerpoint/2010/main" val="1414681476"/>
       </p:ext>
     </p:extLst>
   </p:cSld>
@@ -7498,6 +8327,333 @@
     <p:extLst>
       <p:ext uri="{BB962C8B-B14F-4D97-AF65-F5344CB8AC3E}">
         <p14:creationId xmlns:p14="http://schemas.microsoft.com/office/powerpoint/2010/main" val="2338888934"/>
+      </p:ext>
+    </p:extLst>
+  </p:cSld>
+  <p:clrMapOvr>
+    <a:masterClrMapping/>
+  </p:clrMapOvr>
+</p:notes>
+</file>
+
+<file path=ppt/notesSlides/notesSlide30.xml><?xml version="1.0" encoding="utf-8"?>
+<p:notes xmlns:a="http://schemas.openxmlformats.org/drawingml/2006/main" xmlns:r="http://schemas.openxmlformats.org/officeDocument/2006/relationships" xmlns:p="http://schemas.openxmlformats.org/presentationml/2006/main">
+  <p:cSld>
+    <p:spTree>
+      <p:nvGrpSpPr>
+        <p:cNvPr id="1" name=""/>
+        <p:cNvGrpSpPr/>
+        <p:nvPr/>
+      </p:nvGrpSpPr>
+      <p:grpSpPr>
+        <a:xfrm>
+          <a:off x="0" y="0"/>
+          <a:ext cx="0" cy="0"/>
+          <a:chOff x="0" y="0"/>
+          <a:chExt cx="0" cy="0"/>
+        </a:xfrm>
+      </p:grpSpPr>
+      <p:sp>
+        <p:nvSpPr>
+          <p:cNvPr id="2" name="幻灯片图像占位符 1"/>
+          <p:cNvSpPr>
+            <a:spLocks noGrp="1" noRot="1" noChangeAspect="1"/>
+          </p:cNvSpPr>
+          <p:nvPr>
+            <p:ph type="sldImg"/>
+          </p:nvPr>
+        </p:nvSpPr>
+        <p:spPr>
+          <a:xfrm>
+            <a:off x="423863" y="1243013"/>
+            <a:ext cx="5959475" cy="3352800"/>
+          </a:xfrm>
+        </p:spPr>
+      </p:sp>
+      <p:sp>
+        <p:nvSpPr>
+          <p:cNvPr id="3" name="备注占位符 2"/>
+          <p:cNvSpPr>
+            <a:spLocks noGrp="1"/>
+          </p:cNvSpPr>
+          <p:nvPr>
+            <p:ph type="body" idx="1"/>
+          </p:nvPr>
+        </p:nvSpPr>
+        <p:spPr/>
+        <p:txBody>
+          <a:bodyPr/>
+          <a:lstStyle/>
+          <a:p>
+            <a:pPr marL="0" marR="0" lvl="0" indent="0" algn="l" defTabSz="914400" rtl="0" eaLnBrk="1" fontAlgn="auto" latinLnBrk="0" hangingPunct="1">
+              <a:lnSpc>
+                <a:spcPct val="100000"/>
+              </a:lnSpc>
+              <a:spcBef>
+                <a:spcPts val="0"/>
+              </a:spcBef>
+              <a:spcAft>
+                <a:spcPts val="0"/>
+              </a:spcAft>
+              <a:buClrTx/>
+              <a:buSzTx/>
+              <a:buFontTx/>
+              <a:buNone/>
+              <a:tabLst/>
+              <a:defRPr/>
+            </a:pPr>
+            <a:endParaRPr lang="en-US" altLang="zh-CN" sz="1200" dirty="0">
+              <a:effectLst/>
+              <a:ea typeface="等线" panose="02010600030101010101" pitchFamily="2" charset="-122"/>
+              <a:cs typeface="Times New Roman" panose="02020603050405020304" pitchFamily="18" charset="0"/>
+            </a:endParaRPr>
+          </a:p>
+        </p:txBody>
+      </p:sp>
+    </p:spTree>
+    <p:extLst>
+      <p:ext uri="{BB962C8B-B14F-4D97-AF65-F5344CB8AC3E}">
+        <p14:creationId xmlns:p14="http://schemas.microsoft.com/office/powerpoint/2010/main" val="3028199868"/>
+      </p:ext>
+    </p:extLst>
+  </p:cSld>
+  <p:clrMapOvr>
+    <a:masterClrMapping/>
+  </p:clrMapOvr>
+</p:notes>
+</file>
+
+<file path=ppt/notesSlides/notesSlide31.xml><?xml version="1.0" encoding="utf-8"?>
+<p:notes xmlns:a="http://schemas.openxmlformats.org/drawingml/2006/main" xmlns:r="http://schemas.openxmlformats.org/officeDocument/2006/relationships" xmlns:p="http://schemas.openxmlformats.org/presentationml/2006/main">
+  <p:cSld>
+    <p:spTree>
+      <p:nvGrpSpPr>
+        <p:cNvPr id="1" name=""/>
+        <p:cNvGrpSpPr/>
+        <p:nvPr/>
+      </p:nvGrpSpPr>
+      <p:grpSpPr>
+        <a:xfrm>
+          <a:off x="0" y="0"/>
+          <a:ext cx="0" cy="0"/>
+          <a:chOff x="0" y="0"/>
+          <a:chExt cx="0" cy="0"/>
+        </a:xfrm>
+      </p:grpSpPr>
+      <p:sp>
+        <p:nvSpPr>
+          <p:cNvPr id="2" name="幻灯片图像占位符 1"/>
+          <p:cNvSpPr>
+            <a:spLocks noGrp="1" noRot="1" noChangeAspect="1"/>
+          </p:cNvSpPr>
+          <p:nvPr>
+            <p:ph type="sldImg"/>
+          </p:nvPr>
+        </p:nvSpPr>
+        <p:spPr>
+          <a:xfrm>
+            <a:off x="423863" y="1243013"/>
+            <a:ext cx="5959475" cy="3352800"/>
+          </a:xfrm>
+        </p:spPr>
+      </p:sp>
+      <p:sp>
+        <p:nvSpPr>
+          <p:cNvPr id="3" name="备注占位符 2"/>
+          <p:cNvSpPr>
+            <a:spLocks noGrp="1"/>
+          </p:cNvSpPr>
+          <p:nvPr>
+            <p:ph type="body" idx="1"/>
+          </p:nvPr>
+        </p:nvSpPr>
+        <p:spPr/>
+        <p:txBody>
+          <a:bodyPr/>
+          <a:lstStyle/>
+          <a:p>
+            <a:pPr marL="0" marR="0" lvl="0" indent="0" algn="l" defTabSz="914400" rtl="0" eaLnBrk="1" fontAlgn="auto" latinLnBrk="0" hangingPunct="1">
+              <a:lnSpc>
+                <a:spcPct val="100000"/>
+              </a:lnSpc>
+              <a:spcBef>
+                <a:spcPts val="0"/>
+              </a:spcBef>
+              <a:spcAft>
+                <a:spcPts val="0"/>
+              </a:spcAft>
+              <a:buClrTx/>
+              <a:buSzTx/>
+              <a:buFontTx/>
+              <a:buNone/>
+              <a:tabLst/>
+              <a:defRPr/>
+            </a:pPr>
+            <a:endParaRPr lang="en-US" altLang="zh-CN" sz="1200" dirty="0">
+              <a:effectLst/>
+              <a:ea typeface="等线" panose="02010600030101010101" pitchFamily="2" charset="-122"/>
+              <a:cs typeface="Times New Roman" panose="02020603050405020304" pitchFamily="18" charset="0"/>
+            </a:endParaRPr>
+          </a:p>
+        </p:txBody>
+      </p:sp>
+    </p:spTree>
+    <p:extLst>
+      <p:ext uri="{BB962C8B-B14F-4D97-AF65-F5344CB8AC3E}">
+        <p14:creationId xmlns:p14="http://schemas.microsoft.com/office/powerpoint/2010/main" val="2880721980"/>
+      </p:ext>
+    </p:extLst>
+  </p:cSld>
+  <p:clrMapOvr>
+    <a:masterClrMapping/>
+  </p:clrMapOvr>
+</p:notes>
+</file>
+
+<file path=ppt/notesSlides/notesSlide32.xml><?xml version="1.0" encoding="utf-8"?>
+<p:notes xmlns:a="http://schemas.openxmlformats.org/drawingml/2006/main" xmlns:r="http://schemas.openxmlformats.org/officeDocument/2006/relationships" xmlns:p="http://schemas.openxmlformats.org/presentationml/2006/main">
+  <p:cSld>
+    <p:spTree>
+      <p:nvGrpSpPr>
+        <p:cNvPr id="1" name=""/>
+        <p:cNvGrpSpPr/>
+        <p:nvPr/>
+      </p:nvGrpSpPr>
+      <p:grpSpPr>
+        <a:xfrm>
+          <a:off x="0" y="0"/>
+          <a:ext cx="0" cy="0"/>
+          <a:chOff x="0" y="0"/>
+          <a:chExt cx="0" cy="0"/>
+        </a:xfrm>
+      </p:grpSpPr>
+      <p:sp>
+        <p:nvSpPr>
+          <p:cNvPr id="2" name="幻灯片图像占位符 1"/>
+          <p:cNvSpPr>
+            <a:spLocks noGrp="1" noRot="1" noChangeAspect="1"/>
+          </p:cNvSpPr>
+          <p:nvPr>
+            <p:ph type="sldImg"/>
+          </p:nvPr>
+        </p:nvSpPr>
+        <p:spPr>
+          <a:xfrm>
+            <a:off x="423863" y="1243013"/>
+            <a:ext cx="5959475" cy="3352800"/>
+          </a:xfrm>
+        </p:spPr>
+      </p:sp>
+      <p:sp>
+        <p:nvSpPr>
+          <p:cNvPr id="3" name="备注占位符 2"/>
+          <p:cNvSpPr>
+            <a:spLocks noGrp="1"/>
+          </p:cNvSpPr>
+          <p:nvPr>
+            <p:ph type="body" idx="1"/>
+          </p:nvPr>
+        </p:nvSpPr>
+        <p:spPr/>
+        <p:txBody>
+          <a:bodyPr/>
+          <a:lstStyle/>
+          <a:p>
+            <a:pPr marL="0" marR="0" lvl="0" indent="0" algn="l" defTabSz="914400" rtl="0" eaLnBrk="1" fontAlgn="auto" latinLnBrk="0" hangingPunct="1">
+              <a:lnSpc>
+                <a:spcPct val="100000"/>
+              </a:lnSpc>
+              <a:spcBef>
+                <a:spcPts val="0"/>
+              </a:spcBef>
+              <a:spcAft>
+                <a:spcPts val="0"/>
+              </a:spcAft>
+              <a:buClrTx/>
+              <a:buSzTx/>
+              <a:buFontTx/>
+              <a:buNone/>
+              <a:tabLst/>
+              <a:defRPr/>
+            </a:pPr>
+            <a:endParaRPr lang="en-US" altLang="zh-CN" sz="1200" dirty="0">
+              <a:effectLst/>
+              <a:ea typeface="等线" panose="02010600030101010101" pitchFamily="2" charset="-122"/>
+              <a:cs typeface="Times New Roman" panose="02020603050405020304" pitchFamily="18" charset="0"/>
+            </a:endParaRPr>
+          </a:p>
+        </p:txBody>
+      </p:sp>
+    </p:spTree>
+    <p:extLst>
+      <p:ext uri="{BB962C8B-B14F-4D97-AF65-F5344CB8AC3E}">
+        <p14:creationId xmlns:p14="http://schemas.microsoft.com/office/powerpoint/2010/main" val="1008320730"/>
+      </p:ext>
+    </p:extLst>
+  </p:cSld>
+  <p:clrMapOvr>
+    <a:masterClrMapping/>
+  </p:clrMapOvr>
+</p:notes>
+</file>
+
+<file path=ppt/notesSlides/notesSlide33.xml><?xml version="1.0" encoding="utf-8"?>
+<p:notes xmlns:a="http://schemas.openxmlformats.org/drawingml/2006/main" xmlns:r="http://schemas.openxmlformats.org/officeDocument/2006/relationships" xmlns:p="http://schemas.openxmlformats.org/presentationml/2006/main">
+  <p:cSld>
+    <p:spTree>
+      <p:nvGrpSpPr>
+        <p:cNvPr id="1" name=""/>
+        <p:cNvGrpSpPr/>
+        <p:nvPr/>
+      </p:nvGrpSpPr>
+      <p:grpSpPr>
+        <a:xfrm>
+          <a:off x="0" y="0"/>
+          <a:ext cx="0" cy="0"/>
+          <a:chOff x="0" y="0"/>
+          <a:chExt cx="0" cy="0"/>
+        </a:xfrm>
+      </p:grpSpPr>
+      <p:sp>
+        <p:nvSpPr>
+          <p:cNvPr id="2" name="幻灯片图像占位符 1"/>
+          <p:cNvSpPr>
+            <a:spLocks noGrp="1" noRot="1" noChangeAspect="1"/>
+          </p:cNvSpPr>
+          <p:nvPr>
+            <p:ph type="sldImg"/>
+          </p:nvPr>
+        </p:nvSpPr>
+        <p:spPr>
+          <a:xfrm>
+            <a:off x="423863" y="1243013"/>
+            <a:ext cx="5959475" cy="3352800"/>
+          </a:xfrm>
+        </p:spPr>
+      </p:sp>
+      <p:sp>
+        <p:nvSpPr>
+          <p:cNvPr id="3" name="备注占位符 2"/>
+          <p:cNvSpPr>
+            <a:spLocks noGrp="1"/>
+          </p:cNvSpPr>
+          <p:nvPr>
+            <p:ph type="body" idx="1"/>
+          </p:nvPr>
+        </p:nvSpPr>
+        <p:spPr/>
+        <p:txBody>
+          <a:bodyPr/>
+          <a:lstStyle/>
+          <a:p>
+            <a:endParaRPr lang="zh-CN" altLang="en-US" dirty="0"/>
+          </a:p>
+        </p:txBody>
+      </p:sp>
+    </p:spTree>
+    <p:extLst>
+      <p:ext uri="{BB962C8B-B14F-4D97-AF65-F5344CB8AC3E}">
+        <p14:creationId xmlns:p14="http://schemas.microsoft.com/office/powerpoint/2010/main" val="2099408219"/>
       </p:ext>
     </p:extLst>
   </p:cSld>
@@ -8147,7 +9303,7 @@
           <a:p>
             <a:fld id="{C764DE79-268F-4C1A-8933-263129D2AF90}" type="datetimeFigureOut">
               <a:rPr lang="en-US" smtClean="0"/>
-              <a:t>7/27/2022</a:t>
+              <a:t>7/28/2022</a:t>
             </a:fld>
             <a:endParaRPr lang="en-US" dirty="0"/>
           </a:p>
@@ -8318,7 +9474,7 @@
           <a:p>
             <a:fld id="{C764DE79-268F-4C1A-8933-263129D2AF90}" type="datetimeFigureOut">
               <a:rPr lang="en-US" smtClean="0"/>
-              <a:t>7/27/2022</a:t>
+              <a:t>7/28/2022</a:t>
             </a:fld>
             <a:endParaRPr lang="en-US" dirty="0"/>
           </a:p>
@@ -8499,7 +9655,7 @@
           <a:p>
             <a:fld id="{C764DE79-268F-4C1A-8933-263129D2AF90}" type="datetimeFigureOut">
               <a:rPr lang="en-US" smtClean="0"/>
-              <a:t>7/27/2022</a:t>
+              <a:t>7/28/2022</a:t>
             </a:fld>
             <a:endParaRPr lang="en-US" dirty="0"/>
           </a:p>
@@ -9087,7 +10243,7 @@
           <a:p>
             <a:fld id="{C764DE79-268F-4C1A-8933-263129D2AF90}" type="datetimeFigureOut">
               <a:rPr lang="en-US" smtClean="0"/>
-              <a:t>7/27/2022</a:t>
+              <a:t>7/28/2022</a:t>
             </a:fld>
             <a:endParaRPr lang="en-US" dirty="0"/>
           </a:p>
@@ -9320,7 +10476,7 @@
           <a:p>
             <a:fld id="{C764DE79-268F-4C1A-8933-263129D2AF90}" type="datetimeFigureOut">
               <a:rPr lang="en-US" smtClean="0"/>
-              <a:t>7/27/2022</a:t>
+              <a:t>7/28/2022</a:t>
             </a:fld>
             <a:endParaRPr lang="en-US" dirty="0"/>
           </a:p>
@@ -9688,7 +10844,7 @@
           <a:p>
             <a:fld id="{C764DE79-268F-4C1A-8933-263129D2AF90}" type="datetimeFigureOut">
               <a:rPr lang="en-US" smtClean="0"/>
-              <a:t>7/27/2022</a:t>
+              <a:t>7/28/2022</a:t>
             </a:fld>
             <a:endParaRPr lang="en-US" dirty="0"/>
           </a:p>
@@ -9807,7 +10963,7 @@
           <a:p>
             <a:fld id="{C764DE79-268F-4C1A-8933-263129D2AF90}" type="datetimeFigureOut">
               <a:rPr lang="en-US" smtClean="0"/>
-              <a:t>7/27/2022</a:t>
+              <a:t>7/28/2022</a:t>
             </a:fld>
             <a:endParaRPr lang="en-US" dirty="0"/>
           </a:p>
@@ -9903,7 +11059,7 @@
           <a:p>
             <a:fld id="{C764DE79-268F-4C1A-8933-263129D2AF90}" type="datetimeFigureOut">
               <a:rPr lang="en-US" smtClean="0"/>
-              <a:t>7/27/2022</a:t>
+              <a:t>7/28/2022</a:t>
             </a:fld>
             <a:endParaRPr lang="en-US" dirty="0"/>
           </a:p>
@@ -10181,7 +11337,7 @@
           <a:p>
             <a:fld id="{C764DE79-268F-4C1A-8933-263129D2AF90}" type="datetimeFigureOut">
               <a:rPr lang="en-US" smtClean="0"/>
-              <a:t>7/27/2022</a:t>
+              <a:t>7/28/2022</a:t>
             </a:fld>
             <a:endParaRPr lang="en-US" dirty="0"/>
           </a:p>
@@ -10439,7 +11595,7 @@
           <a:p>
             <a:fld id="{C764DE79-268F-4C1A-8933-263129D2AF90}" type="datetimeFigureOut">
               <a:rPr lang="en-US" smtClean="0"/>
-              <a:t>7/27/2022</a:t>
+              <a:t>7/28/2022</a:t>
             </a:fld>
             <a:endParaRPr lang="en-US" dirty="0"/>
           </a:p>
@@ -10658,7 +11814,7 @@
           <a:p>
             <a:fld id="{C764DE79-268F-4C1A-8933-263129D2AF90}" type="datetimeFigureOut">
               <a:rPr lang="en-US" smtClean="0"/>
-              <a:t>7/27/2022</a:t>
+              <a:t>7/28/2022</a:t>
             </a:fld>
             <a:endParaRPr lang="en-US" dirty="0"/>
           </a:p>
@@ -36149,555 +37305,6 @@
           <a:chExt cx="0" cy="0"/>
         </a:xfrm>
       </p:grpSpPr>
-      <p:sp>
-        <p:nvSpPr>
-          <p:cNvPr id="136" name="Rectangle 132">
-            <a:extLst>
-              <a:ext uri="{FF2B5EF4-FFF2-40B4-BE49-F238E27FC236}">
-                <a16:creationId xmlns:a16="http://schemas.microsoft.com/office/drawing/2014/main" id="{F3060C83-F051-4F0E-ABAD-AA0DFC48B218}"/>
-              </a:ext>
-              <a:ext uri="{C183D7F6-B498-43B3-948B-1728B52AA6E4}">
-                <adec:decorative xmlns:adec="http://schemas.microsoft.com/office/drawing/2017/decorative" val="1"/>
-              </a:ext>
-            </a:extLst>
-          </p:cNvPr>
-          <p:cNvSpPr>
-            <a:spLocks noGrp="1" noRot="1" noChangeAspect="1" noMove="1" noResize="1" noEditPoints="1" noAdjustHandles="1" noChangeArrowheads="1" noChangeShapeType="1" noTextEdit="1"/>
-          </p:cNvSpPr>
-          <p:nvPr>
-            <p:extLst>
-              <p:ext uri="{386F3935-93C4-4BCD-93E2-E3B085C9AB24}">
-                <p16:designElem xmlns:p16="http://schemas.microsoft.com/office/powerpoint/2015/main" val="1"/>
-              </p:ext>
-            </p:extLst>
-          </p:nvPr>
-        </p:nvSpPr>
-        <p:spPr>
-          <a:xfrm>
-            <a:off x="0" y="0"/>
-            <a:ext cx="12192000" cy="6858000"/>
-          </a:xfrm>
-          <a:prstGeom prst="rect">
-            <a:avLst/>
-          </a:prstGeom>
-          <a:solidFill>
-            <a:schemeClr val="bg1"/>
-          </a:solidFill>
-          <a:ln>
-            <a:noFill/>
-          </a:ln>
-        </p:spPr>
-        <p:style>
-          <a:lnRef idx="2">
-            <a:schemeClr val="accent1">
-              <a:shade val="50000"/>
-            </a:schemeClr>
-          </a:lnRef>
-          <a:fillRef idx="1">
-            <a:schemeClr val="accent1"/>
-          </a:fillRef>
-          <a:effectRef idx="0">
-            <a:schemeClr val="accent1"/>
-          </a:effectRef>
-          <a:fontRef idx="minor">
-            <a:schemeClr val="lt1"/>
-          </a:fontRef>
-        </p:style>
-        <p:txBody>
-          <a:bodyPr rtlCol="0" anchor="ctr"/>
-          <a:lstStyle/>
-          <a:p>
-            <a:pPr algn="ctr"/>
-            <a:endParaRPr lang="en-US" dirty="0"/>
-          </a:p>
-        </p:txBody>
-      </p:sp>
-      <p:sp>
-        <p:nvSpPr>
-          <p:cNvPr id="142" name="Freeform: Shape 134">
-            <a:extLst>
-              <a:ext uri="{FF2B5EF4-FFF2-40B4-BE49-F238E27FC236}">
-                <a16:creationId xmlns:a16="http://schemas.microsoft.com/office/drawing/2014/main" id="{83C98ABE-055B-441F-B07E-44F97F083C39}"/>
-              </a:ext>
-              <a:ext uri="{C183D7F6-B498-43B3-948B-1728B52AA6E4}">
-                <adec:decorative xmlns:adec="http://schemas.microsoft.com/office/drawing/2017/decorative" val="1"/>
-              </a:ext>
-            </a:extLst>
-          </p:cNvPr>
-          <p:cNvSpPr>
-            <a:spLocks noGrp="1" noRot="1" noChangeAspect="1" noMove="1" noResize="1" noEditPoints="1" noAdjustHandles="1" noChangeArrowheads="1" noChangeShapeType="1" noTextEdit="1"/>
-          </p:cNvSpPr>
-          <p:nvPr>
-            <p:extLst>
-              <p:ext uri="{386F3935-93C4-4BCD-93E2-E3B085C9AB24}">
-                <p16:designElem xmlns:p16="http://schemas.microsoft.com/office/powerpoint/2015/main" val="1"/>
-              </p:ext>
-            </p:extLst>
-          </p:nvPr>
-        </p:nvSpPr>
-        <p:spPr>
-          <a:xfrm rot="18900000" flipH="1">
-            <a:off x="-376156" y="-253670"/>
-            <a:ext cx="1827638" cy="1376989"/>
-          </a:xfrm>
-          <a:custGeom>
-            <a:avLst/>
-            <a:gdLst>
-              <a:gd name="connsiteX0" fmla="*/ 0 w 1827638"/>
-              <a:gd name="connsiteY0" fmla="*/ 987379 h 1376989"/>
-              <a:gd name="connsiteX1" fmla="*/ 987379 w 1827638"/>
-              <a:gd name="connsiteY1" fmla="*/ 0 h 1376989"/>
-              <a:gd name="connsiteX2" fmla="*/ 1827638 w 1827638"/>
-              <a:gd name="connsiteY2" fmla="*/ 840260 h 1376989"/>
-              <a:gd name="connsiteX3" fmla="*/ 1827638 w 1827638"/>
-              <a:gd name="connsiteY3" fmla="*/ 1376989 h 1376989"/>
-              <a:gd name="connsiteX4" fmla="*/ 0 w 1827638"/>
-              <a:gd name="connsiteY4" fmla="*/ 1376989 h 1376989"/>
-            </a:gdLst>
-            <a:ahLst/>
-            <a:cxnLst>
-              <a:cxn ang="0">
-                <a:pos x="connsiteX0" y="connsiteY0"/>
-              </a:cxn>
-              <a:cxn ang="0">
-                <a:pos x="connsiteX1" y="connsiteY1"/>
-              </a:cxn>
-              <a:cxn ang="0">
-                <a:pos x="connsiteX2" y="connsiteY2"/>
-              </a:cxn>
-              <a:cxn ang="0">
-                <a:pos x="connsiteX3" y="connsiteY3"/>
-              </a:cxn>
-              <a:cxn ang="0">
-                <a:pos x="connsiteX4" y="connsiteY4"/>
-              </a:cxn>
-            </a:cxnLst>
-            <a:rect l="l" t="t" r="r" b="b"/>
-            <a:pathLst>
-              <a:path w="1827638" h="1376989">
-                <a:moveTo>
-                  <a:pt x="0" y="987379"/>
-                </a:moveTo>
-                <a:lnTo>
-                  <a:pt x="987379" y="0"/>
-                </a:lnTo>
-                <a:lnTo>
-                  <a:pt x="1827638" y="840260"/>
-                </a:lnTo>
-                <a:lnTo>
-                  <a:pt x="1827638" y="1376989"/>
-                </a:lnTo>
-                <a:lnTo>
-                  <a:pt x="0" y="1376989"/>
-                </a:lnTo>
-                <a:close/>
-              </a:path>
-            </a:pathLst>
-          </a:custGeom>
-          <a:solidFill>
-            <a:schemeClr val="accent1">
-              <a:alpha val="30000"/>
-            </a:schemeClr>
-          </a:solidFill>
-          <a:ln>
-            <a:noFill/>
-          </a:ln>
-        </p:spPr>
-        <p:style>
-          <a:lnRef idx="2">
-            <a:schemeClr val="accent1">
-              <a:shade val="50000"/>
-            </a:schemeClr>
-          </a:lnRef>
-          <a:fillRef idx="1">
-            <a:schemeClr val="accent1"/>
-          </a:fillRef>
-          <a:effectRef idx="0">
-            <a:schemeClr val="accent1"/>
-          </a:effectRef>
-          <a:fontRef idx="minor">
-            <a:schemeClr val="lt1"/>
-          </a:fontRef>
-        </p:style>
-        <p:txBody>
-          <a:bodyPr rtlCol="0" anchor="ctr"/>
-          <a:lstStyle/>
-          <a:p>
-            <a:pPr algn="ctr"/>
-            <a:endParaRPr lang="en-US" dirty="0"/>
-          </a:p>
-        </p:txBody>
-      </p:sp>
-      <p:sp>
-        <p:nvSpPr>
-          <p:cNvPr id="147" name="Rectangle 136">
-            <a:extLst>
-              <a:ext uri="{FF2B5EF4-FFF2-40B4-BE49-F238E27FC236}">
-                <a16:creationId xmlns:a16="http://schemas.microsoft.com/office/drawing/2014/main" id="{29FDB030-9B49-4CED-8CCD-4D99382388AC}"/>
-              </a:ext>
-              <a:ext uri="{C183D7F6-B498-43B3-948B-1728B52AA6E4}">
-                <adec:decorative xmlns:adec="http://schemas.microsoft.com/office/drawing/2017/decorative" val="1"/>
-              </a:ext>
-            </a:extLst>
-          </p:cNvPr>
-          <p:cNvSpPr>
-            <a:spLocks noGrp="1" noRot="1" noChangeAspect="1" noMove="1" noResize="1" noEditPoints="1" noAdjustHandles="1" noChangeArrowheads="1" noChangeShapeType="1" noTextEdit="1"/>
-          </p:cNvSpPr>
-          <p:nvPr>
-            <p:extLst>
-              <p:ext uri="{386F3935-93C4-4BCD-93E2-E3B085C9AB24}">
-                <p16:designElem xmlns:p16="http://schemas.microsoft.com/office/powerpoint/2015/main" val="1"/>
-              </p:ext>
-            </p:extLst>
-          </p:nvPr>
-        </p:nvSpPr>
-        <p:spPr>
-          <a:xfrm rot="18900000" flipH="1">
-            <a:off x="891641" y="422146"/>
-            <a:ext cx="645368" cy="645368"/>
-          </a:xfrm>
-          <a:prstGeom prst="rect">
-            <a:avLst/>
-          </a:prstGeom>
-          <a:solidFill>
-            <a:schemeClr val="accent1">
-              <a:alpha val="30000"/>
-            </a:schemeClr>
-          </a:solidFill>
-          <a:ln>
-            <a:noFill/>
-          </a:ln>
-        </p:spPr>
-        <p:style>
-          <a:lnRef idx="2">
-            <a:schemeClr val="accent1">
-              <a:shade val="50000"/>
-            </a:schemeClr>
-          </a:lnRef>
-          <a:fillRef idx="1">
-            <a:schemeClr val="accent1"/>
-          </a:fillRef>
-          <a:effectRef idx="0">
-            <a:schemeClr val="accent1"/>
-          </a:effectRef>
-          <a:fontRef idx="minor">
-            <a:schemeClr val="lt1"/>
-          </a:fontRef>
-        </p:style>
-        <p:txBody>
-          <a:bodyPr rtlCol="0" anchor="ctr"/>
-          <a:lstStyle/>
-          <a:p>
-            <a:pPr algn="ctr"/>
-            <a:endParaRPr lang="en-US"/>
-          </a:p>
-        </p:txBody>
-      </p:sp>
-      <p:sp>
-        <p:nvSpPr>
-          <p:cNvPr id="149" name="Rectangle 138">
-            <a:extLst>
-              <a:ext uri="{FF2B5EF4-FFF2-40B4-BE49-F238E27FC236}">
-                <a16:creationId xmlns:a16="http://schemas.microsoft.com/office/drawing/2014/main" id="{3783CA14-24A1-485C-8B30-D6A5D87987AD}"/>
-              </a:ext>
-              <a:ext uri="{C183D7F6-B498-43B3-948B-1728B52AA6E4}">
-                <adec:decorative xmlns:adec="http://schemas.microsoft.com/office/drawing/2017/decorative" val="1"/>
-              </a:ext>
-            </a:extLst>
-          </p:cNvPr>
-          <p:cNvSpPr>
-            <a:spLocks noGrp="1" noRot="1" noChangeAspect="1" noMove="1" noResize="1" noEditPoints="1" noAdjustHandles="1" noChangeArrowheads="1" noChangeShapeType="1" noTextEdit="1"/>
-          </p:cNvSpPr>
-          <p:nvPr>
-            <p:extLst>
-              <p:ext uri="{386F3935-93C4-4BCD-93E2-E3B085C9AB24}">
-                <p16:designElem xmlns:p16="http://schemas.microsoft.com/office/powerpoint/2015/main" val="1"/>
-              </p:ext>
-            </p:extLst>
-          </p:nvPr>
-        </p:nvSpPr>
-        <p:spPr>
-          <a:xfrm rot="18900000" flipH="1">
-            <a:off x="10043482" y="655140"/>
-            <a:ext cx="687472" cy="687472"/>
-          </a:xfrm>
-          <a:prstGeom prst="rect">
-            <a:avLst/>
-          </a:prstGeom>
-          <a:solidFill>
-            <a:schemeClr val="accent4">
-              <a:alpha val="30000"/>
-            </a:schemeClr>
-          </a:solidFill>
-          <a:ln>
-            <a:noFill/>
-          </a:ln>
-        </p:spPr>
-        <p:style>
-          <a:lnRef idx="2">
-            <a:schemeClr val="accent1">
-              <a:shade val="50000"/>
-            </a:schemeClr>
-          </a:lnRef>
-          <a:fillRef idx="1">
-            <a:schemeClr val="accent1"/>
-          </a:fillRef>
-          <a:effectRef idx="0">
-            <a:schemeClr val="accent1"/>
-          </a:effectRef>
-          <a:fontRef idx="minor">
-            <a:schemeClr val="lt1"/>
-          </a:fontRef>
-        </p:style>
-        <p:txBody>
-          <a:bodyPr rtlCol="0" anchor="ctr"/>
-          <a:lstStyle/>
-          <a:p>
-            <a:pPr algn="ctr"/>
-            <a:endParaRPr lang="en-US"/>
-          </a:p>
-        </p:txBody>
-      </p:sp>
-      <p:sp>
-        <p:nvSpPr>
-          <p:cNvPr id="153" name="Freeform: Shape 140">
-            <a:extLst>
-              <a:ext uri="{FF2B5EF4-FFF2-40B4-BE49-F238E27FC236}">
-                <a16:creationId xmlns:a16="http://schemas.microsoft.com/office/drawing/2014/main" id="{9A97C86A-04D6-40F7-AE84-31AB43E6A846}"/>
-              </a:ext>
-              <a:ext uri="{C183D7F6-B498-43B3-948B-1728B52AA6E4}">
-                <adec:decorative xmlns:adec="http://schemas.microsoft.com/office/drawing/2017/decorative" val="1"/>
-              </a:ext>
-            </a:extLst>
-          </p:cNvPr>
-          <p:cNvSpPr>
-            <a:spLocks noGrp="1" noRot="1" noChangeAspect="1" noMove="1" noResize="1" noEditPoints="1" noAdjustHandles="1" noChangeArrowheads="1" noChangeShapeType="1" noTextEdit="1"/>
-          </p:cNvSpPr>
-          <p:nvPr>
-            <p:extLst>
-              <p:ext uri="{386F3935-93C4-4BCD-93E2-E3B085C9AB24}">
-                <p16:designElem xmlns:p16="http://schemas.microsoft.com/office/powerpoint/2015/main" val="1"/>
-              </p:ext>
-            </p:extLst>
-          </p:nvPr>
-        </p:nvSpPr>
-        <p:spPr>
-          <a:xfrm rot="10800000" flipH="1">
-            <a:off x="9356643" y="0"/>
-            <a:ext cx="2835357" cy="1480837"/>
-          </a:xfrm>
-          <a:custGeom>
-            <a:avLst/>
-            <a:gdLst>
-              <a:gd name="connsiteX0" fmla="*/ 2835357 w 2835357"/>
-              <a:gd name="connsiteY0" fmla="*/ 1480837 h 1480837"/>
-              <a:gd name="connsiteX1" fmla="*/ 0 w 2835357"/>
-              <a:gd name="connsiteY1" fmla="*/ 1480837 h 1480837"/>
-              <a:gd name="connsiteX2" fmla="*/ 1552727 w 2835357"/>
-              <a:gd name="connsiteY2" fmla="*/ 0 h 1480837"/>
-              <a:gd name="connsiteX3" fmla="*/ 2835357 w 2835357"/>
-              <a:gd name="connsiteY3" fmla="*/ 1223245 h 1480837"/>
-            </a:gdLst>
-            <a:ahLst/>
-            <a:cxnLst>
-              <a:cxn ang="0">
-                <a:pos x="connsiteX0" y="connsiteY0"/>
-              </a:cxn>
-              <a:cxn ang="0">
-                <a:pos x="connsiteX1" y="connsiteY1"/>
-              </a:cxn>
-              <a:cxn ang="0">
-                <a:pos x="connsiteX2" y="connsiteY2"/>
-              </a:cxn>
-              <a:cxn ang="0">
-                <a:pos x="connsiteX3" y="connsiteY3"/>
-              </a:cxn>
-            </a:cxnLst>
-            <a:rect l="l" t="t" r="r" b="b"/>
-            <a:pathLst>
-              <a:path w="2835357" h="1480837">
-                <a:moveTo>
-                  <a:pt x="2835357" y="1480837"/>
-                </a:moveTo>
-                <a:lnTo>
-                  <a:pt x="0" y="1480837"/>
-                </a:lnTo>
-                <a:lnTo>
-                  <a:pt x="1552727" y="0"/>
-                </a:lnTo>
-                <a:lnTo>
-                  <a:pt x="2835357" y="1223245"/>
-                </a:lnTo>
-                <a:close/>
-              </a:path>
-            </a:pathLst>
-          </a:custGeom>
-          <a:solidFill>
-            <a:schemeClr val="accent4">
-              <a:alpha val="30000"/>
-            </a:schemeClr>
-          </a:solidFill>
-          <a:ln>
-            <a:noFill/>
-          </a:ln>
-        </p:spPr>
-        <p:style>
-          <a:lnRef idx="2">
-            <a:schemeClr val="accent1">
-              <a:shade val="50000"/>
-            </a:schemeClr>
-          </a:lnRef>
-          <a:fillRef idx="1">
-            <a:schemeClr val="accent1"/>
-          </a:fillRef>
-          <a:effectRef idx="0">
-            <a:schemeClr val="accent1"/>
-          </a:effectRef>
-          <a:fontRef idx="minor">
-            <a:schemeClr val="lt1"/>
-          </a:fontRef>
-        </p:style>
-        <p:txBody>
-          <a:bodyPr wrap="square" rtlCol="0" anchor="ctr">
-            <a:noAutofit/>
-          </a:bodyPr>
-          <a:lstStyle/>
-          <a:p>
-            <a:pPr algn="ctr"/>
-            <a:endParaRPr lang="en-US" dirty="0"/>
-          </a:p>
-        </p:txBody>
-      </p:sp>
-      <p:sp>
-        <p:nvSpPr>
-          <p:cNvPr id="154" name="Isosceles Triangle 142">
-            <a:extLst>
-              <a:ext uri="{FF2B5EF4-FFF2-40B4-BE49-F238E27FC236}">
-                <a16:creationId xmlns:a16="http://schemas.microsoft.com/office/drawing/2014/main" id="{FF9F2414-84E8-453E-B1F3-389FDE8192D9}"/>
-              </a:ext>
-              <a:ext uri="{C183D7F6-B498-43B3-948B-1728B52AA6E4}">
-                <adec:decorative xmlns:adec="http://schemas.microsoft.com/office/drawing/2017/decorative" val="1"/>
-              </a:ext>
-            </a:extLst>
-          </p:cNvPr>
-          <p:cNvSpPr>
-            <a:spLocks noGrp="1" noRot="1" noChangeAspect="1" noMove="1" noResize="1" noEditPoints="1" noAdjustHandles="1" noChangeArrowheads="1" noChangeShapeType="1" noTextEdit="1"/>
-          </p:cNvSpPr>
-          <p:nvPr>
-            <p:extLst>
-              <p:ext uri="{386F3935-93C4-4BCD-93E2-E3B085C9AB24}">
-                <p16:designElem xmlns:p16="http://schemas.microsoft.com/office/powerpoint/2015/main" val="1"/>
-              </p:ext>
-            </p:extLst>
-          </p:nvPr>
-        </p:nvSpPr>
-        <p:spPr>
-          <a:xfrm flipH="1">
-            <a:off x="7976344" y="6115501"/>
-            <a:ext cx="1494513" cy="742499"/>
-          </a:xfrm>
-          <a:prstGeom prst="triangle">
-            <a:avLst/>
-          </a:prstGeom>
-          <a:solidFill>
-            <a:schemeClr val="accent1">
-              <a:alpha val="30000"/>
-            </a:schemeClr>
-          </a:solidFill>
-          <a:ln>
-            <a:noFill/>
-          </a:ln>
-        </p:spPr>
-        <p:style>
-          <a:lnRef idx="2">
-            <a:schemeClr val="accent1">
-              <a:shade val="50000"/>
-            </a:schemeClr>
-          </a:lnRef>
-          <a:fillRef idx="1">
-            <a:schemeClr val="accent1"/>
-          </a:fillRef>
-          <a:effectRef idx="0">
-            <a:schemeClr val="accent1"/>
-          </a:effectRef>
-          <a:fontRef idx="minor">
-            <a:schemeClr val="lt1"/>
-          </a:fontRef>
-        </p:style>
-        <p:txBody>
-          <a:bodyPr rtlCol="0" anchor="ctr"/>
-          <a:lstStyle/>
-          <a:p>
-            <a:pPr algn="ctr"/>
-            <a:endParaRPr lang="en-US"/>
-          </a:p>
-        </p:txBody>
-      </p:sp>
-      <p:sp>
-        <p:nvSpPr>
-          <p:cNvPr id="155" name="Isosceles Triangle 144">
-            <a:extLst>
-              <a:ext uri="{FF2B5EF4-FFF2-40B4-BE49-F238E27FC236}">
-                <a16:creationId xmlns:a16="http://schemas.microsoft.com/office/drawing/2014/main" id="{3ECA69A1-7536-43AC-85EF-C7106179F5ED}"/>
-              </a:ext>
-              <a:ext uri="{C183D7F6-B498-43B3-948B-1728B52AA6E4}">
-                <adec:decorative xmlns:adec="http://schemas.microsoft.com/office/drawing/2017/decorative" val="1"/>
-              </a:ext>
-            </a:extLst>
-          </p:cNvPr>
-          <p:cNvSpPr>
-            <a:spLocks noGrp="1" noRot="1" noChangeAspect="1" noMove="1" noResize="1" noEditPoints="1" noAdjustHandles="1" noChangeArrowheads="1" noChangeShapeType="1" noTextEdit="1"/>
-          </p:cNvSpPr>
-          <p:nvPr>
-            <p:extLst>
-              <p:ext uri="{386F3935-93C4-4BCD-93E2-E3B085C9AB24}">
-                <p16:designElem xmlns:p16="http://schemas.microsoft.com/office/powerpoint/2015/main" val="1"/>
-              </p:ext>
-            </p:extLst>
-          </p:nvPr>
-        </p:nvSpPr>
-        <p:spPr>
-          <a:xfrm flipH="1">
-            <a:off x="7604080" y="6453143"/>
-            <a:ext cx="814903" cy="404857"/>
-          </a:xfrm>
-          <a:prstGeom prst="triangle">
-            <a:avLst/>
-          </a:prstGeom>
-          <a:solidFill>
-            <a:schemeClr val="accent1">
-              <a:alpha val="30000"/>
-            </a:schemeClr>
-          </a:solidFill>
-          <a:ln>
-            <a:noFill/>
-          </a:ln>
-        </p:spPr>
-        <p:style>
-          <a:lnRef idx="2">
-            <a:schemeClr val="accent1">
-              <a:shade val="50000"/>
-            </a:schemeClr>
-          </a:lnRef>
-          <a:fillRef idx="1">
-            <a:schemeClr val="accent1"/>
-          </a:fillRef>
-          <a:effectRef idx="0">
-            <a:schemeClr val="accent1"/>
-          </a:effectRef>
-          <a:fontRef idx="minor">
-            <a:schemeClr val="lt1"/>
-          </a:fontRef>
-        </p:style>
-        <p:txBody>
-          <a:bodyPr rtlCol="0" anchor="ctr"/>
-          <a:lstStyle/>
-          <a:p>
-            <a:pPr algn="ctr"/>
-            <a:endParaRPr lang="en-US"/>
-          </a:p>
-        </p:txBody>
-      </p:sp>
       <p:pic>
         <p:nvPicPr>
           <p:cNvPr id="127" name="图片 126" descr="徽标&#10;&#10;描述已自动生成">
@@ -36777,6 +37384,487 @@
           <a:p>
             <a:pPr algn="ctr"/>
             <a:endParaRPr lang="zh-CN" altLang="en-US" sz="1350"/>
+          </a:p>
+        </p:txBody>
+      </p:sp>
+      <p:sp>
+        <p:nvSpPr>
+          <p:cNvPr id="3" name="文本框 2">
+            <a:extLst>
+              <a:ext uri="{FF2B5EF4-FFF2-40B4-BE49-F238E27FC236}">
+                <a16:creationId xmlns:a16="http://schemas.microsoft.com/office/drawing/2014/main" id="{BB6BF9E1-D7AE-020A-AB87-29C635077A83}"/>
+              </a:ext>
+            </a:extLst>
+          </p:cNvPr>
+          <p:cNvSpPr txBox="1"/>
+          <p:nvPr/>
+        </p:nvSpPr>
+        <p:spPr>
+          <a:xfrm>
+            <a:off x="436879" y="2227757"/>
+            <a:ext cx="7167201" cy="1323439"/>
+          </a:xfrm>
+          <a:prstGeom prst="rect">
+            <a:avLst/>
+          </a:prstGeom>
+          <a:noFill/>
+        </p:spPr>
+        <p:txBody>
+          <a:bodyPr wrap="square" rtlCol="0">
+            <a:spAutoFit/>
+          </a:bodyPr>
+          <a:lstStyle/>
+          <a:p>
+            <a:r>
+              <a:rPr lang="zh-CN" altLang="en-US" sz="4000" dirty="0">
+                <a:latin typeface="+mj-lt"/>
+              </a:rPr>
+              <a:t>全流水线</a:t>
+            </a:r>
+            <a:r>
+              <a:rPr lang="en-US" altLang="zh-CN" sz="4000" dirty="0">
+                <a:latin typeface="+mj-lt"/>
+              </a:rPr>
+              <a:t>Bicubic</a:t>
+            </a:r>
+          </a:p>
+          <a:p>
+            <a:r>
+              <a:rPr lang="zh-CN" altLang="en-US" sz="4000" dirty="0">
+                <a:latin typeface="+mj-lt"/>
+              </a:rPr>
+              <a:t>图像超分辨率</a:t>
+            </a:r>
+            <a:r>
+              <a:rPr lang="en-US" altLang="zh-CN" sz="4000" dirty="0">
+                <a:latin typeface="+mj-lt"/>
+              </a:rPr>
+              <a:t>IP</a:t>
+            </a:r>
+            <a:endParaRPr lang="zh-CN" altLang="en-US" sz="4000" dirty="0">
+              <a:latin typeface="+mj-lt"/>
+            </a:endParaRPr>
+          </a:p>
+        </p:txBody>
+      </p:sp>
+      <p:sp>
+        <p:nvSpPr>
+          <p:cNvPr id="2" name="文本框 1">
+            <a:extLst>
+              <a:ext uri="{FF2B5EF4-FFF2-40B4-BE49-F238E27FC236}">
+                <a16:creationId xmlns:a16="http://schemas.microsoft.com/office/drawing/2014/main" id="{643B12BA-D5D3-84F3-615D-8598B7C418F2}"/>
+              </a:ext>
+            </a:extLst>
+          </p:cNvPr>
+          <p:cNvSpPr txBox="1"/>
+          <p:nvPr/>
+        </p:nvSpPr>
+        <p:spPr>
+          <a:xfrm>
+            <a:off x="520700" y="3551196"/>
+            <a:ext cx="6477000" cy="659925"/>
+          </a:xfrm>
+          <a:prstGeom prst="rect">
+            <a:avLst/>
+          </a:prstGeom>
+          <a:noFill/>
+        </p:spPr>
+        <p:txBody>
+          <a:bodyPr wrap="square" rtlCol="0">
+            <a:spAutoFit/>
+          </a:bodyPr>
+          <a:lstStyle/>
+          <a:p>
+            <a:r>
+              <a:rPr lang="en-US" altLang="zh-CN" dirty="0">
+                <a:latin typeface="+mj-lt"/>
+              </a:rPr>
+              <a:t>APV21B - Real-time Video 16X Bicubic Super-resolution IP, </a:t>
+            </a:r>
+          </a:p>
+          <a:p>
+            <a:r>
+              <a:rPr lang="en-US" altLang="zh-CN" dirty="0">
+                <a:latin typeface="+mj-lt"/>
+              </a:rPr>
+              <a:t>AXI4-Stream Video Interface Compatible, 4K 60FPS</a:t>
+            </a:r>
+            <a:endParaRPr lang="zh-CN" altLang="en-US" dirty="0">
+              <a:latin typeface="+mj-lt"/>
+            </a:endParaRPr>
+          </a:p>
+        </p:txBody>
+      </p:sp>
+      <p:pic>
+        <p:nvPicPr>
+          <p:cNvPr id="6" name="图片 5" descr="图示&#10;&#10;描述已自动生成">
+            <a:extLst>
+              <a:ext uri="{FF2B5EF4-FFF2-40B4-BE49-F238E27FC236}">
+                <a16:creationId xmlns:a16="http://schemas.microsoft.com/office/drawing/2014/main" id="{AEFC2AB1-D854-45EB-36B8-7C214FC8685C}"/>
+              </a:ext>
+            </a:extLst>
+          </p:cNvPr>
+          <p:cNvPicPr/>
+          <p:nvPr/>
+        </p:nvPicPr>
+        <p:blipFill rotWithShape="1">
+          <a:blip r:embed="rId5"/>
+          <a:srcRect l="-1257" t="24385" r="70435" b="2400"/>
+          <a:stretch/>
+        </p:blipFill>
+        <p:spPr>
+          <a:xfrm>
+            <a:off x="7687901" y="1221834"/>
+            <a:ext cx="3730888" cy="3730120"/>
+          </a:xfrm>
+          <a:prstGeom prst="rect">
+            <a:avLst/>
+          </a:prstGeom>
+        </p:spPr>
+      </p:pic>
+      <p:grpSp>
+        <p:nvGrpSpPr>
+          <p:cNvPr id="7" name="组合 6">
+            <a:extLst>
+              <a:ext uri="{FF2B5EF4-FFF2-40B4-BE49-F238E27FC236}">
+                <a16:creationId xmlns:a16="http://schemas.microsoft.com/office/drawing/2014/main" id="{EFBA8E77-96FB-5BC7-5F99-C1DB8EC05415}"/>
+              </a:ext>
+            </a:extLst>
+          </p:cNvPr>
+          <p:cNvGrpSpPr/>
+          <p:nvPr/>
+        </p:nvGrpSpPr>
+        <p:grpSpPr>
+          <a:xfrm>
+            <a:off x="38392" y="169639"/>
+            <a:ext cx="3025320" cy="530369"/>
+            <a:chOff x="5721594" y="289567"/>
+            <a:chExt cx="4866902" cy="707159"/>
+          </a:xfrm>
+          <a:solidFill>
+            <a:srgbClr val="5A538C"/>
+          </a:solidFill>
+        </p:grpSpPr>
+        <p:sp>
+          <p:nvSpPr>
+            <p:cNvPr id="8" name="矩形 7">
+              <a:extLst>
+                <a:ext uri="{FF2B5EF4-FFF2-40B4-BE49-F238E27FC236}">
+                  <a16:creationId xmlns:a16="http://schemas.microsoft.com/office/drawing/2014/main" id="{C46282CF-9B5E-DC4F-A5D5-AD89B06C078C}"/>
+                </a:ext>
+              </a:extLst>
+            </p:cNvPr>
+            <p:cNvSpPr/>
+            <p:nvPr/>
+          </p:nvSpPr>
+          <p:spPr>
+            <a:xfrm>
+              <a:off x="5721594" y="289567"/>
+              <a:ext cx="4866902" cy="707159"/>
+            </a:xfrm>
+            <a:prstGeom prst="rect">
+              <a:avLst/>
+            </a:prstGeom>
+            <a:grpFill/>
+            <a:ln>
+              <a:noFill/>
+            </a:ln>
+            <a:effectLst>
+              <a:outerShdw blurRad="50800" dist="38100" dir="2700000" algn="tl" rotWithShape="0">
+                <a:prstClr val="black">
+                  <a:alpha val="40000"/>
+                </a:prstClr>
+              </a:outerShdw>
+            </a:effectLst>
+          </p:spPr>
+          <p:style>
+            <a:lnRef idx="2">
+              <a:schemeClr val="accent1">
+                <a:shade val="50000"/>
+              </a:schemeClr>
+            </a:lnRef>
+            <a:fillRef idx="1">
+              <a:schemeClr val="accent1"/>
+            </a:fillRef>
+            <a:effectRef idx="0">
+              <a:schemeClr val="accent1"/>
+            </a:effectRef>
+            <a:fontRef idx="minor">
+              <a:schemeClr val="lt1"/>
+            </a:fontRef>
+          </p:style>
+          <p:txBody>
+            <a:bodyPr rtlCol="0" anchor="ctr"/>
+            <a:lstStyle/>
+            <a:p>
+              <a:pPr algn="ctr"/>
+              <a:endParaRPr lang="zh-CN" altLang="en-US" sz="1350">
+                <a:solidFill>
+                  <a:schemeClr val="bg1"/>
+                </a:solidFill>
+              </a:endParaRPr>
+            </a:p>
+          </p:txBody>
+        </p:sp>
+        <p:sp>
+          <p:nvSpPr>
+            <p:cNvPr id="9" name="TextBox 64">
+              <a:extLst>
+                <a:ext uri="{FF2B5EF4-FFF2-40B4-BE49-F238E27FC236}">
+                  <a16:creationId xmlns:a16="http://schemas.microsoft.com/office/drawing/2014/main" id="{04D86FD0-58CF-B43C-291E-914D2FC0F18E}"/>
+                </a:ext>
+              </a:extLst>
+            </p:cNvPr>
+            <p:cNvSpPr txBox="1"/>
+            <p:nvPr/>
+          </p:nvSpPr>
+          <p:spPr>
+            <a:xfrm>
+              <a:off x="5796881" y="366596"/>
+              <a:ext cx="4791615" cy="553998"/>
+            </a:xfrm>
+            <a:prstGeom prst="rect">
+              <a:avLst/>
+            </a:prstGeom>
+            <a:grpFill/>
+          </p:spPr>
+          <p:txBody>
+            <a:bodyPr wrap="square" rtlCol="0">
+              <a:spAutoFit/>
+            </a:bodyPr>
+            <a:lstStyle>
+              <a:defPPr>
+                <a:defRPr lang="zh-CN"/>
+              </a:defPPr>
+              <a:lvl1pPr>
+                <a:defRPr sz="1800">
+                  <a:solidFill>
+                    <a:schemeClr val="tx1">
+                      <a:lumMod val="75000"/>
+                      <a:lumOff val="25000"/>
+                    </a:schemeClr>
+                  </a:solidFill>
+                </a:defRPr>
+              </a:lvl1pPr>
+            </a:lstStyle>
+            <a:p>
+              <a:pPr fontAlgn="ctr"/>
+              <a:r>
+                <a:rPr lang="zh-CN" altLang="en-US" sz="2100">
+                  <a:solidFill>
+                    <a:schemeClr val="bg1"/>
+                  </a:solidFill>
+                  <a:latin typeface="黑体" panose="02010609060101010101" pitchFamily="49" charset="-122"/>
+                  <a:ea typeface="黑体" panose="02010609060101010101" pitchFamily="49" charset="-122"/>
+                </a:rPr>
+                <a:t>二、架构与硬件实现</a:t>
+              </a:r>
+              <a:endParaRPr lang="zh-CN" altLang="en-US" sz="2100" dirty="0">
+                <a:solidFill>
+                  <a:schemeClr val="bg1"/>
+                </a:solidFill>
+                <a:latin typeface="黑体" panose="02010609060101010101" pitchFamily="49" charset="-122"/>
+                <a:ea typeface="黑体" panose="02010609060101010101" pitchFamily="49" charset="-122"/>
+              </a:endParaRPr>
+            </a:p>
+          </p:txBody>
+        </p:sp>
+      </p:grpSp>
+    </p:spTree>
+    <p:custDataLst>
+      <p:tags r:id="rId1"/>
+    </p:custDataLst>
+    <p:extLst>
+      <p:ext uri="{BB962C8B-B14F-4D97-AF65-F5344CB8AC3E}">
+        <p14:creationId xmlns:p14="http://schemas.microsoft.com/office/powerpoint/2010/main" val="2519811607"/>
+      </p:ext>
+    </p:extLst>
+  </p:cSld>
+  <p:clrMapOvr>
+    <a:masterClrMapping/>
+  </p:clrMapOvr>
+  <mc:AlternateContent xmlns:mc="http://schemas.openxmlformats.org/markup-compatibility/2006" xmlns:p159="http://schemas.microsoft.com/office/powerpoint/2015/09/main">
+    <mc:Choice Requires="p159">
+      <p:transition spd="slow" advTm="744">
+        <p159:morph option="byObject"/>
+      </p:transition>
+    </mc:Choice>
+    <mc:Fallback xmlns="">
+      <p:transition spd="slow" advTm="744">
+        <p:fade/>
+      </p:transition>
+    </mc:Fallback>
+  </mc:AlternateContent>
+</p:sld>
+</file>
+
+<file path=ppt/slides/slide25.xml><?xml version="1.0" encoding="utf-8"?>
+<p:sld xmlns:a="http://schemas.openxmlformats.org/drawingml/2006/main" xmlns:r="http://schemas.openxmlformats.org/officeDocument/2006/relationships" xmlns:p="http://schemas.openxmlformats.org/presentationml/2006/main">
+  <p:cSld>
+    <p:spTree>
+      <p:nvGrpSpPr>
+        <p:cNvPr id="1" name=""/>
+        <p:cNvGrpSpPr/>
+        <p:nvPr/>
+      </p:nvGrpSpPr>
+      <p:grpSpPr>
+        <a:xfrm>
+          <a:off x="0" y="0"/>
+          <a:ext cx="0" cy="0"/>
+          <a:chOff x="0" y="0"/>
+          <a:chExt cx="0" cy="0"/>
+        </a:xfrm>
+      </p:grpSpPr>
+      <p:pic>
+        <p:nvPicPr>
+          <p:cNvPr id="127" name="图片 126" descr="徽标&#10;&#10;描述已自动生成">
+            <a:extLst>
+              <a:ext uri="{FF2B5EF4-FFF2-40B4-BE49-F238E27FC236}">
+                <a16:creationId xmlns:a16="http://schemas.microsoft.com/office/drawing/2014/main" id="{14705DD9-1D21-253E-498C-E3530A0B41C0}"/>
+              </a:ext>
+            </a:extLst>
+          </p:cNvPr>
+          <p:cNvPicPr>
+            <a:picLocks noChangeAspect="1"/>
+          </p:cNvPicPr>
+          <p:nvPr/>
+        </p:nvPicPr>
+        <p:blipFill>
+          <a:blip r:embed="rId4"/>
+          <a:stretch>
+            <a:fillRect/>
+          </a:stretch>
+        </p:blipFill>
+        <p:spPr>
+          <a:xfrm>
+            <a:off x="10373272" y="0"/>
+            <a:ext cx="1732085" cy="832397"/>
+          </a:xfrm>
+          <a:prstGeom prst="rect">
+            <a:avLst/>
+          </a:prstGeom>
+        </p:spPr>
+      </p:pic>
+      <p:sp>
+        <p:nvSpPr>
+          <p:cNvPr id="128" name="矩形 127">
+            <a:extLst>
+              <a:ext uri="{FF2B5EF4-FFF2-40B4-BE49-F238E27FC236}">
+                <a16:creationId xmlns:a16="http://schemas.microsoft.com/office/drawing/2014/main" id="{CA826E88-EEAC-B7EA-5EDE-94700ED57B31}"/>
+              </a:ext>
+            </a:extLst>
+          </p:cNvPr>
+          <p:cNvSpPr/>
+          <p:nvPr/>
+        </p:nvSpPr>
+        <p:spPr>
+          <a:xfrm>
+            <a:off x="0" y="6578600"/>
+            <a:ext cx="12192000" cy="279401"/>
+          </a:xfrm>
+          <a:prstGeom prst="rect">
+            <a:avLst/>
+          </a:prstGeom>
+          <a:solidFill>
+            <a:srgbClr val="5A538C"/>
+          </a:solidFill>
+          <a:ln>
+            <a:noFill/>
+          </a:ln>
+        </p:spPr>
+        <p:style>
+          <a:lnRef idx="2">
+            <a:schemeClr val="accent1">
+              <a:shade val="50000"/>
+            </a:schemeClr>
+          </a:lnRef>
+          <a:fillRef idx="1">
+            <a:schemeClr val="accent1"/>
+          </a:fillRef>
+          <a:effectRef idx="0">
+            <a:schemeClr val="accent1"/>
+          </a:effectRef>
+          <a:fontRef idx="minor">
+            <a:schemeClr val="lt1"/>
+          </a:fontRef>
+        </p:style>
+        <p:txBody>
+          <a:bodyPr rtlCol="0" anchor="ctr"/>
+          <a:lstStyle/>
+          <a:p>
+            <a:pPr algn="ctr"/>
+            <a:endParaRPr lang="zh-CN" altLang="en-US" sz="1350"/>
+          </a:p>
+        </p:txBody>
+      </p:sp>
+      <p:sp>
+        <p:nvSpPr>
+          <p:cNvPr id="21" name="矩形 20">
+            <a:extLst>
+              <a:ext uri="{FF2B5EF4-FFF2-40B4-BE49-F238E27FC236}">
+                <a16:creationId xmlns:a16="http://schemas.microsoft.com/office/drawing/2014/main" id="{BAC097F8-4D31-E7A0-E027-92339C2CE9D0}"/>
+              </a:ext>
+            </a:extLst>
+          </p:cNvPr>
+          <p:cNvSpPr/>
+          <p:nvPr/>
+        </p:nvSpPr>
+        <p:spPr>
+          <a:xfrm>
+            <a:off x="2885303" y="215553"/>
+            <a:ext cx="2266014" cy="529201"/>
+          </a:xfrm>
+          <a:prstGeom prst="rect">
+            <a:avLst/>
+          </a:prstGeom>
+          <a:solidFill>
+            <a:schemeClr val="accent1">
+              <a:lumMod val="40000"/>
+              <a:lumOff val="60000"/>
+            </a:schemeClr>
+          </a:solidFill>
+          <a:ln>
+            <a:noFill/>
+          </a:ln>
+          <a:effectLst>
+            <a:outerShdw blurRad="50800" dist="38100" dir="2700000" algn="tl" rotWithShape="0">
+              <a:prstClr val="black">
+                <a:alpha val="40000"/>
+              </a:prstClr>
+            </a:outerShdw>
+          </a:effectLst>
+        </p:spPr>
+        <p:style>
+          <a:lnRef idx="2">
+            <a:schemeClr val="accent1">
+              <a:shade val="50000"/>
+            </a:schemeClr>
+          </a:lnRef>
+          <a:fillRef idx="1">
+            <a:schemeClr val="accent1"/>
+          </a:fillRef>
+          <a:effectRef idx="0">
+            <a:schemeClr val="accent1"/>
+          </a:effectRef>
+          <a:fontRef idx="minor">
+            <a:schemeClr val="lt1"/>
+          </a:fontRef>
+        </p:style>
+        <p:txBody>
+          <a:bodyPr rtlCol="0" anchor="ctr"/>
+          <a:lstStyle/>
+          <a:p>
+            <a:pPr algn="ctr"/>
+            <a:r>
+              <a:rPr lang="zh-CN" altLang="en-US" b="1" dirty="0">
+                <a:solidFill>
+                  <a:schemeClr val="bg2">
+                    <a:lumMod val="10000"/>
+                  </a:schemeClr>
+                </a:solidFill>
+              </a:rPr>
+              <a:t>基本框图</a:t>
+            </a:r>
           </a:p>
         </p:txBody>
       </p:sp>
@@ -36928,75 +38016,30 @@
           </p:txBody>
         </p:sp>
       </p:grpSp>
-      <p:sp>
-        <p:nvSpPr>
-          <p:cNvPr id="2" name="文本框 1">
+      <p:pic>
+        <p:nvPicPr>
+          <p:cNvPr id="4" name="图片 3">
             <a:extLst>
               <a:ext uri="{FF2B5EF4-FFF2-40B4-BE49-F238E27FC236}">
-                <a16:creationId xmlns:a16="http://schemas.microsoft.com/office/drawing/2014/main" id="{4F6D42F1-FFA6-53DF-6296-B02AEFBF4212}"/>
+                <a16:creationId xmlns:a16="http://schemas.microsoft.com/office/drawing/2014/main" id="{6767794C-9083-C310-31B0-B5AA70185F12}"/>
               </a:ext>
             </a:extLst>
           </p:cNvPr>
-          <p:cNvSpPr txBox="1"/>
-          <p:nvPr/>
-        </p:nvSpPr>
-        <p:spPr>
-          <a:xfrm>
-            <a:off x="8314441" y="3300632"/>
-            <a:ext cx="4722829" cy="369332"/>
-          </a:xfrm>
-          <a:prstGeom prst="rect">
-            <a:avLst/>
-          </a:prstGeom>
-          <a:noFill/>
-        </p:spPr>
-        <p:txBody>
-          <a:bodyPr wrap="square" rtlCol="0">
-            <a:spAutoFit/>
-          </a:bodyPr>
-          <a:lstStyle/>
-          <a:p>
-            <a:r>
-              <a:rPr lang="en-US" altLang="zh-CN"/>
-              <a:t>Bicubic</a:t>
-            </a:r>
-            <a:r>
-              <a:rPr lang="zh-CN" altLang="en-US"/>
-              <a:t>硬件实现介绍、</a:t>
-            </a:r>
-            <a:r>
-              <a:rPr lang="en-US" altLang="zh-CN"/>
-              <a:t>dsp</a:t>
-            </a:r>
-            <a:r>
-              <a:rPr lang="zh-CN" altLang="en-US"/>
-              <a:t>使用</a:t>
-            </a:r>
-            <a:endParaRPr lang="en-US" altLang="zh-CN"/>
-          </a:p>
-        </p:txBody>
-      </p:sp>
-      <p:pic>
-        <p:nvPicPr>
-          <p:cNvPr id="22" name="图片 21" descr="图示&#10;&#10;描述已自动生成">
-            <a:extLst>
-              <a:ext uri="{FF2B5EF4-FFF2-40B4-BE49-F238E27FC236}">
-                <a16:creationId xmlns:a16="http://schemas.microsoft.com/office/drawing/2014/main" id="{333AACA2-6B31-E9F8-88CC-12899CDB223E}"/>
-              </a:ext>
-            </a:extLst>
-          </p:cNvPr>
-          <p:cNvPicPr/>
+          <p:cNvPicPr>
+            <a:picLocks noChangeAspect="1"/>
+          </p:cNvPicPr>
           <p:nvPr/>
         </p:nvPicPr>
-        <p:blipFill rotWithShape="1">
+        <p:blipFill>
           <a:blip r:embed="rId5"/>
-          <a:srcRect l="-1257" t="24385" r="70435" b="2400"/>
-          <a:stretch/>
+          <a:stretch>
+            <a:fillRect/>
+          </a:stretch>
         </p:blipFill>
         <p:spPr>
           <a:xfrm>
-            <a:off x="284422" y="854188"/>
-            <a:ext cx="3730888" cy="3730120"/>
+            <a:off x="686508" y="2154129"/>
+            <a:ext cx="10958052" cy="2970350"/>
           </a:xfrm>
           <a:prstGeom prst="rect">
             <a:avLst/>
@@ -37009,7 +38052,7 @@
     </p:custDataLst>
     <p:extLst>
       <p:ext uri="{BB962C8B-B14F-4D97-AF65-F5344CB8AC3E}">
-        <p14:creationId xmlns:p14="http://schemas.microsoft.com/office/powerpoint/2010/main" val="3857095691"/>
+        <p14:creationId xmlns:p14="http://schemas.microsoft.com/office/powerpoint/2010/main" val="1808471702"/>
       </p:ext>
     </p:extLst>
   </p:cSld>
@@ -37031,7 +38074,1341 @@
 </p:sld>
 </file>
 
-<file path=ppt/slides/slide25.xml><?xml version="1.0" encoding="utf-8"?>
+<file path=ppt/slides/slide26.xml><?xml version="1.0" encoding="utf-8"?>
+<p:sld xmlns:a="http://schemas.openxmlformats.org/drawingml/2006/main" xmlns:r="http://schemas.openxmlformats.org/officeDocument/2006/relationships" xmlns:p="http://schemas.openxmlformats.org/presentationml/2006/main">
+  <p:cSld>
+    <p:spTree>
+      <p:nvGrpSpPr>
+        <p:cNvPr id="1" name=""/>
+        <p:cNvGrpSpPr/>
+        <p:nvPr/>
+      </p:nvGrpSpPr>
+      <p:grpSpPr>
+        <a:xfrm>
+          <a:off x="0" y="0"/>
+          <a:ext cx="0" cy="0"/>
+          <a:chOff x="0" y="0"/>
+          <a:chExt cx="0" cy="0"/>
+        </a:xfrm>
+      </p:grpSpPr>
+      <p:pic>
+        <p:nvPicPr>
+          <p:cNvPr id="127" name="图片 126" descr="徽标&#10;&#10;描述已自动生成">
+            <a:extLst>
+              <a:ext uri="{FF2B5EF4-FFF2-40B4-BE49-F238E27FC236}">
+                <a16:creationId xmlns:a16="http://schemas.microsoft.com/office/drawing/2014/main" id="{14705DD9-1D21-253E-498C-E3530A0B41C0}"/>
+              </a:ext>
+            </a:extLst>
+          </p:cNvPr>
+          <p:cNvPicPr>
+            <a:picLocks noChangeAspect="1"/>
+          </p:cNvPicPr>
+          <p:nvPr/>
+        </p:nvPicPr>
+        <p:blipFill>
+          <a:blip r:embed="rId4"/>
+          <a:stretch>
+            <a:fillRect/>
+          </a:stretch>
+        </p:blipFill>
+        <p:spPr>
+          <a:xfrm>
+            <a:off x="10373272" y="0"/>
+            <a:ext cx="1732085" cy="832397"/>
+          </a:xfrm>
+          <a:prstGeom prst="rect">
+            <a:avLst/>
+          </a:prstGeom>
+        </p:spPr>
+      </p:pic>
+      <p:sp>
+        <p:nvSpPr>
+          <p:cNvPr id="128" name="矩形 127">
+            <a:extLst>
+              <a:ext uri="{FF2B5EF4-FFF2-40B4-BE49-F238E27FC236}">
+                <a16:creationId xmlns:a16="http://schemas.microsoft.com/office/drawing/2014/main" id="{CA826E88-EEAC-B7EA-5EDE-94700ED57B31}"/>
+              </a:ext>
+            </a:extLst>
+          </p:cNvPr>
+          <p:cNvSpPr/>
+          <p:nvPr/>
+        </p:nvSpPr>
+        <p:spPr>
+          <a:xfrm>
+            <a:off x="0" y="6578600"/>
+            <a:ext cx="12192000" cy="279401"/>
+          </a:xfrm>
+          <a:prstGeom prst="rect">
+            <a:avLst/>
+          </a:prstGeom>
+          <a:solidFill>
+            <a:srgbClr val="5A538C"/>
+          </a:solidFill>
+          <a:ln>
+            <a:noFill/>
+          </a:ln>
+        </p:spPr>
+        <p:style>
+          <a:lnRef idx="2">
+            <a:schemeClr val="accent1">
+              <a:shade val="50000"/>
+            </a:schemeClr>
+          </a:lnRef>
+          <a:fillRef idx="1">
+            <a:schemeClr val="accent1"/>
+          </a:fillRef>
+          <a:effectRef idx="0">
+            <a:schemeClr val="accent1"/>
+          </a:effectRef>
+          <a:fontRef idx="minor">
+            <a:schemeClr val="lt1"/>
+          </a:fontRef>
+        </p:style>
+        <p:txBody>
+          <a:bodyPr rtlCol="0" anchor="ctr"/>
+          <a:lstStyle/>
+          <a:p>
+            <a:pPr algn="ctr"/>
+            <a:endParaRPr lang="zh-CN" altLang="en-US" sz="1350"/>
+          </a:p>
+        </p:txBody>
+      </p:sp>
+      <p:sp>
+        <p:nvSpPr>
+          <p:cNvPr id="21" name="矩形 20">
+            <a:extLst>
+              <a:ext uri="{FF2B5EF4-FFF2-40B4-BE49-F238E27FC236}">
+                <a16:creationId xmlns:a16="http://schemas.microsoft.com/office/drawing/2014/main" id="{BAC097F8-4D31-E7A0-E027-92339C2CE9D0}"/>
+              </a:ext>
+            </a:extLst>
+          </p:cNvPr>
+          <p:cNvSpPr/>
+          <p:nvPr/>
+        </p:nvSpPr>
+        <p:spPr>
+          <a:xfrm>
+            <a:off x="2885303" y="215553"/>
+            <a:ext cx="2266014" cy="529201"/>
+          </a:xfrm>
+          <a:prstGeom prst="rect">
+            <a:avLst/>
+          </a:prstGeom>
+          <a:solidFill>
+            <a:schemeClr val="accent1">
+              <a:lumMod val="40000"/>
+              <a:lumOff val="60000"/>
+            </a:schemeClr>
+          </a:solidFill>
+          <a:ln>
+            <a:noFill/>
+          </a:ln>
+          <a:effectLst>
+            <a:outerShdw blurRad="50800" dist="38100" dir="2700000" algn="tl" rotWithShape="0">
+              <a:prstClr val="black">
+                <a:alpha val="40000"/>
+              </a:prstClr>
+            </a:outerShdw>
+          </a:effectLst>
+        </p:spPr>
+        <p:style>
+          <a:lnRef idx="2">
+            <a:schemeClr val="accent1">
+              <a:shade val="50000"/>
+            </a:schemeClr>
+          </a:lnRef>
+          <a:fillRef idx="1">
+            <a:schemeClr val="accent1"/>
+          </a:fillRef>
+          <a:effectRef idx="0">
+            <a:schemeClr val="accent1"/>
+          </a:effectRef>
+          <a:fontRef idx="minor">
+            <a:schemeClr val="lt1"/>
+          </a:fontRef>
+        </p:style>
+        <p:txBody>
+          <a:bodyPr rtlCol="0" anchor="ctr"/>
+          <a:lstStyle/>
+          <a:p>
+            <a:pPr algn="ctr"/>
+            <a:r>
+              <a:rPr lang="en-US" altLang="zh-CN" b="1" dirty="0">
+                <a:solidFill>
+                  <a:schemeClr val="bg2">
+                    <a:lumMod val="10000"/>
+                  </a:schemeClr>
+                </a:solidFill>
+              </a:rPr>
+              <a:t>Bicubic</a:t>
+            </a:r>
+            <a:r>
+              <a:rPr lang="zh-CN" altLang="en-US" b="1" dirty="0">
+                <a:solidFill>
+                  <a:schemeClr val="bg2">
+                    <a:lumMod val="10000"/>
+                  </a:schemeClr>
+                </a:solidFill>
+              </a:rPr>
+              <a:t>计算流水线</a:t>
+            </a:r>
+          </a:p>
+        </p:txBody>
+      </p:sp>
+      <p:grpSp>
+        <p:nvGrpSpPr>
+          <p:cNvPr id="18" name="组合 17">
+            <a:extLst>
+              <a:ext uri="{FF2B5EF4-FFF2-40B4-BE49-F238E27FC236}">
+                <a16:creationId xmlns:a16="http://schemas.microsoft.com/office/drawing/2014/main" id="{94A9B43C-D9AB-1E8A-0299-AE96BDA99845}"/>
+              </a:ext>
+            </a:extLst>
+          </p:cNvPr>
+          <p:cNvGrpSpPr/>
+          <p:nvPr/>
+        </p:nvGrpSpPr>
+        <p:grpSpPr>
+          <a:xfrm>
+            <a:off x="38392" y="169639"/>
+            <a:ext cx="3025320" cy="530369"/>
+            <a:chOff x="5721594" y="289567"/>
+            <a:chExt cx="4866902" cy="707159"/>
+          </a:xfrm>
+          <a:solidFill>
+            <a:srgbClr val="5A538C"/>
+          </a:solidFill>
+        </p:grpSpPr>
+        <p:sp>
+          <p:nvSpPr>
+            <p:cNvPr id="19" name="矩形 18">
+              <a:extLst>
+                <a:ext uri="{FF2B5EF4-FFF2-40B4-BE49-F238E27FC236}">
+                  <a16:creationId xmlns:a16="http://schemas.microsoft.com/office/drawing/2014/main" id="{95EA7CB1-884E-3C5B-E99D-2E94A5A73C94}"/>
+                </a:ext>
+              </a:extLst>
+            </p:cNvPr>
+            <p:cNvSpPr/>
+            <p:nvPr/>
+          </p:nvSpPr>
+          <p:spPr>
+            <a:xfrm>
+              <a:off x="5721594" y="289567"/>
+              <a:ext cx="4866902" cy="707159"/>
+            </a:xfrm>
+            <a:prstGeom prst="rect">
+              <a:avLst/>
+            </a:prstGeom>
+            <a:grpFill/>
+            <a:ln>
+              <a:noFill/>
+            </a:ln>
+            <a:effectLst>
+              <a:outerShdw blurRad="50800" dist="38100" dir="2700000" algn="tl" rotWithShape="0">
+                <a:prstClr val="black">
+                  <a:alpha val="40000"/>
+                </a:prstClr>
+              </a:outerShdw>
+            </a:effectLst>
+          </p:spPr>
+          <p:style>
+            <a:lnRef idx="2">
+              <a:schemeClr val="accent1">
+                <a:shade val="50000"/>
+              </a:schemeClr>
+            </a:lnRef>
+            <a:fillRef idx="1">
+              <a:schemeClr val="accent1"/>
+            </a:fillRef>
+            <a:effectRef idx="0">
+              <a:schemeClr val="accent1"/>
+            </a:effectRef>
+            <a:fontRef idx="minor">
+              <a:schemeClr val="lt1"/>
+            </a:fontRef>
+          </p:style>
+          <p:txBody>
+            <a:bodyPr rtlCol="0" anchor="ctr"/>
+            <a:lstStyle/>
+            <a:p>
+              <a:pPr algn="ctr"/>
+              <a:endParaRPr lang="zh-CN" altLang="en-US" sz="1350">
+                <a:solidFill>
+                  <a:schemeClr val="bg1"/>
+                </a:solidFill>
+              </a:endParaRPr>
+            </a:p>
+          </p:txBody>
+        </p:sp>
+        <p:sp>
+          <p:nvSpPr>
+            <p:cNvPr id="20" name="TextBox 64">
+              <a:extLst>
+                <a:ext uri="{FF2B5EF4-FFF2-40B4-BE49-F238E27FC236}">
+                  <a16:creationId xmlns:a16="http://schemas.microsoft.com/office/drawing/2014/main" id="{43F0CF1F-63E2-6DB0-73BA-7ECFC49FA69F}"/>
+                </a:ext>
+              </a:extLst>
+            </p:cNvPr>
+            <p:cNvSpPr txBox="1"/>
+            <p:nvPr/>
+          </p:nvSpPr>
+          <p:spPr>
+            <a:xfrm>
+              <a:off x="5796881" y="366596"/>
+              <a:ext cx="4791615" cy="553998"/>
+            </a:xfrm>
+            <a:prstGeom prst="rect">
+              <a:avLst/>
+            </a:prstGeom>
+            <a:grpFill/>
+          </p:spPr>
+          <p:txBody>
+            <a:bodyPr wrap="square" rtlCol="0">
+              <a:spAutoFit/>
+            </a:bodyPr>
+            <a:lstStyle>
+              <a:defPPr>
+                <a:defRPr lang="zh-CN"/>
+              </a:defPPr>
+              <a:lvl1pPr>
+                <a:defRPr sz="1800">
+                  <a:solidFill>
+                    <a:schemeClr val="tx1">
+                      <a:lumMod val="75000"/>
+                      <a:lumOff val="25000"/>
+                    </a:schemeClr>
+                  </a:solidFill>
+                </a:defRPr>
+              </a:lvl1pPr>
+            </a:lstStyle>
+            <a:p>
+              <a:pPr fontAlgn="ctr"/>
+              <a:r>
+                <a:rPr lang="zh-CN" altLang="en-US" sz="2100">
+                  <a:solidFill>
+                    <a:schemeClr val="bg1"/>
+                  </a:solidFill>
+                  <a:latin typeface="黑体" panose="02010609060101010101" pitchFamily="49" charset="-122"/>
+                  <a:ea typeface="黑体" panose="02010609060101010101" pitchFamily="49" charset="-122"/>
+                </a:rPr>
+                <a:t>二、架构与硬件实现</a:t>
+              </a:r>
+              <a:endParaRPr lang="zh-CN" altLang="en-US" sz="2100" dirty="0">
+                <a:solidFill>
+                  <a:schemeClr val="bg1"/>
+                </a:solidFill>
+                <a:latin typeface="黑体" panose="02010609060101010101" pitchFamily="49" charset="-122"/>
+                <a:ea typeface="黑体" panose="02010609060101010101" pitchFamily="49" charset="-122"/>
+              </a:endParaRPr>
+            </a:p>
+          </p:txBody>
+        </p:sp>
+      </p:grpSp>
+      <p:pic>
+        <p:nvPicPr>
+          <p:cNvPr id="3" name="图片 2">
+            <a:extLst>
+              <a:ext uri="{FF2B5EF4-FFF2-40B4-BE49-F238E27FC236}">
+                <a16:creationId xmlns:a16="http://schemas.microsoft.com/office/drawing/2014/main" id="{5F290EF2-0336-A822-8EF4-5784C35962E5}"/>
+              </a:ext>
+            </a:extLst>
+          </p:cNvPr>
+          <p:cNvPicPr>
+            <a:picLocks noChangeAspect="1"/>
+          </p:cNvPicPr>
+          <p:nvPr/>
+        </p:nvPicPr>
+        <p:blipFill>
+          <a:blip r:embed="rId5"/>
+          <a:stretch>
+            <a:fillRect/>
+          </a:stretch>
+        </p:blipFill>
+        <p:spPr>
+          <a:xfrm>
+            <a:off x="914133" y="2610551"/>
+            <a:ext cx="10363733" cy="2057506"/>
+          </a:xfrm>
+          <a:prstGeom prst="rect">
+            <a:avLst/>
+          </a:prstGeom>
+        </p:spPr>
+      </p:pic>
+    </p:spTree>
+    <p:custDataLst>
+      <p:tags r:id="rId1"/>
+    </p:custDataLst>
+    <p:extLst>
+      <p:ext uri="{BB962C8B-B14F-4D97-AF65-F5344CB8AC3E}">
+        <p14:creationId xmlns:p14="http://schemas.microsoft.com/office/powerpoint/2010/main" val="2537124629"/>
+      </p:ext>
+    </p:extLst>
+  </p:cSld>
+  <p:clrMapOvr>
+    <a:masterClrMapping/>
+  </p:clrMapOvr>
+  <mc:AlternateContent xmlns:mc="http://schemas.openxmlformats.org/markup-compatibility/2006" xmlns:p159="http://schemas.microsoft.com/office/powerpoint/2015/09/main">
+    <mc:Choice Requires="p159">
+      <p:transition xmlns:p14="http://schemas.microsoft.com/office/powerpoint/2010/main" spd="slow" p14:dur="2000" advTm="744">
+        <p159:morph option="byObject"/>
+      </p:transition>
+    </mc:Choice>
+    <mc:Fallback xmlns="">
+      <p:transition spd="slow" advTm="744">
+        <p:fade/>
+      </p:transition>
+    </mc:Fallback>
+  </mc:AlternateContent>
+</p:sld>
+</file>
+
+<file path=ppt/slides/slide27.xml><?xml version="1.0" encoding="utf-8"?>
+<p:sld xmlns:a="http://schemas.openxmlformats.org/drawingml/2006/main" xmlns:r="http://schemas.openxmlformats.org/officeDocument/2006/relationships" xmlns:p="http://schemas.openxmlformats.org/presentationml/2006/main">
+  <p:cSld>
+    <p:spTree>
+      <p:nvGrpSpPr>
+        <p:cNvPr id="1" name=""/>
+        <p:cNvGrpSpPr/>
+        <p:nvPr/>
+      </p:nvGrpSpPr>
+      <p:grpSpPr>
+        <a:xfrm>
+          <a:off x="0" y="0"/>
+          <a:ext cx="0" cy="0"/>
+          <a:chOff x="0" y="0"/>
+          <a:chExt cx="0" cy="0"/>
+        </a:xfrm>
+      </p:grpSpPr>
+      <p:pic>
+        <p:nvPicPr>
+          <p:cNvPr id="127" name="图片 126" descr="徽标&#10;&#10;描述已自动生成">
+            <a:extLst>
+              <a:ext uri="{FF2B5EF4-FFF2-40B4-BE49-F238E27FC236}">
+                <a16:creationId xmlns:a16="http://schemas.microsoft.com/office/drawing/2014/main" id="{14705DD9-1D21-253E-498C-E3530A0B41C0}"/>
+              </a:ext>
+            </a:extLst>
+          </p:cNvPr>
+          <p:cNvPicPr>
+            <a:picLocks noChangeAspect="1"/>
+          </p:cNvPicPr>
+          <p:nvPr/>
+        </p:nvPicPr>
+        <p:blipFill>
+          <a:blip r:embed="rId4"/>
+          <a:stretch>
+            <a:fillRect/>
+          </a:stretch>
+        </p:blipFill>
+        <p:spPr>
+          <a:xfrm>
+            <a:off x="10373272" y="0"/>
+            <a:ext cx="1732085" cy="832397"/>
+          </a:xfrm>
+          <a:prstGeom prst="rect">
+            <a:avLst/>
+          </a:prstGeom>
+        </p:spPr>
+      </p:pic>
+      <p:sp>
+        <p:nvSpPr>
+          <p:cNvPr id="128" name="矩形 127">
+            <a:extLst>
+              <a:ext uri="{FF2B5EF4-FFF2-40B4-BE49-F238E27FC236}">
+                <a16:creationId xmlns:a16="http://schemas.microsoft.com/office/drawing/2014/main" id="{CA826E88-EEAC-B7EA-5EDE-94700ED57B31}"/>
+              </a:ext>
+            </a:extLst>
+          </p:cNvPr>
+          <p:cNvSpPr/>
+          <p:nvPr/>
+        </p:nvSpPr>
+        <p:spPr>
+          <a:xfrm>
+            <a:off x="0" y="6578600"/>
+            <a:ext cx="12192000" cy="279401"/>
+          </a:xfrm>
+          <a:prstGeom prst="rect">
+            <a:avLst/>
+          </a:prstGeom>
+          <a:solidFill>
+            <a:srgbClr val="5A538C"/>
+          </a:solidFill>
+          <a:ln>
+            <a:noFill/>
+          </a:ln>
+        </p:spPr>
+        <p:style>
+          <a:lnRef idx="2">
+            <a:schemeClr val="accent1">
+              <a:shade val="50000"/>
+            </a:schemeClr>
+          </a:lnRef>
+          <a:fillRef idx="1">
+            <a:schemeClr val="accent1"/>
+          </a:fillRef>
+          <a:effectRef idx="0">
+            <a:schemeClr val="accent1"/>
+          </a:effectRef>
+          <a:fontRef idx="minor">
+            <a:schemeClr val="lt1"/>
+          </a:fontRef>
+        </p:style>
+        <p:txBody>
+          <a:bodyPr rtlCol="0" anchor="ctr"/>
+          <a:lstStyle/>
+          <a:p>
+            <a:pPr algn="ctr"/>
+            <a:endParaRPr lang="zh-CN" altLang="en-US" sz="1350"/>
+          </a:p>
+        </p:txBody>
+      </p:sp>
+      <p:sp>
+        <p:nvSpPr>
+          <p:cNvPr id="21" name="矩形 20">
+            <a:extLst>
+              <a:ext uri="{FF2B5EF4-FFF2-40B4-BE49-F238E27FC236}">
+                <a16:creationId xmlns:a16="http://schemas.microsoft.com/office/drawing/2014/main" id="{BAC097F8-4D31-E7A0-E027-92339C2CE9D0}"/>
+              </a:ext>
+            </a:extLst>
+          </p:cNvPr>
+          <p:cNvSpPr/>
+          <p:nvPr/>
+        </p:nvSpPr>
+        <p:spPr>
+          <a:xfrm>
+            <a:off x="2885303" y="215553"/>
+            <a:ext cx="2266014" cy="529201"/>
+          </a:xfrm>
+          <a:prstGeom prst="rect">
+            <a:avLst/>
+          </a:prstGeom>
+          <a:solidFill>
+            <a:schemeClr val="accent1">
+              <a:lumMod val="40000"/>
+              <a:lumOff val="60000"/>
+            </a:schemeClr>
+          </a:solidFill>
+          <a:ln>
+            <a:noFill/>
+          </a:ln>
+          <a:effectLst>
+            <a:outerShdw blurRad="50800" dist="38100" dir="2700000" algn="tl" rotWithShape="0">
+              <a:prstClr val="black">
+                <a:alpha val="40000"/>
+              </a:prstClr>
+            </a:outerShdw>
+          </a:effectLst>
+        </p:spPr>
+        <p:style>
+          <a:lnRef idx="2">
+            <a:schemeClr val="accent1">
+              <a:shade val="50000"/>
+            </a:schemeClr>
+          </a:lnRef>
+          <a:fillRef idx="1">
+            <a:schemeClr val="accent1"/>
+          </a:fillRef>
+          <a:effectRef idx="0">
+            <a:schemeClr val="accent1"/>
+          </a:effectRef>
+          <a:fontRef idx="minor">
+            <a:schemeClr val="lt1"/>
+          </a:fontRef>
+        </p:style>
+        <p:txBody>
+          <a:bodyPr rtlCol="0" anchor="ctr"/>
+          <a:lstStyle/>
+          <a:p>
+            <a:pPr algn="ctr"/>
+            <a:r>
+              <a:rPr lang="zh-CN" altLang="en-US" b="1" dirty="0">
+                <a:solidFill>
+                  <a:schemeClr val="bg2">
+                    <a:lumMod val="10000"/>
+                  </a:schemeClr>
+                </a:solidFill>
+              </a:rPr>
+              <a:t>乘法器</a:t>
+            </a:r>
+            <a:r>
+              <a:rPr lang="en-US" altLang="zh-CN" b="1" dirty="0">
+                <a:solidFill>
+                  <a:schemeClr val="bg2">
+                    <a:lumMod val="10000"/>
+                  </a:schemeClr>
+                </a:solidFill>
+              </a:rPr>
+              <a:t>1:2</a:t>
+            </a:r>
+            <a:r>
+              <a:rPr lang="zh-CN" altLang="en-US" b="1" dirty="0">
+                <a:solidFill>
+                  <a:schemeClr val="bg2">
+                    <a:lumMod val="10000"/>
+                  </a:schemeClr>
+                </a:solidFill>
+              </a:rPr>
+              <a:t>复用</a:t>
+            </a:r>
+          </a:p>
+        </p:txBody>
+      </p:sp>
+      <p:grpSp>
+        <p:nvGrpSpPr>
+          <p:cNvPr id="18" name="组合 17">
+            <a:extLst>
+              <a:ext uri="{FF2B5EF4-FFF2-40B4-BE49-F238E27FC236}">
+                <a16:creationId xmlns:a16="http://schemas.microsoft.com/office/drawing/2014/main" id="{94A9B43C-D9AB-1E8A-0299-AE96BDA99845}"/>
+              </a:ext>
+            </a:extLst>
+          </p:cNvPr>
+          <p:cNvGrpSpPr/>
+          <p:nvPr/>
+        </p:nvGrpSpPr>
+        <p:grpSpPr>
+          <a:xfrm>
+            <a:off x="38392" y="169639"/>
+            <a:ext cx="3025320" cy="530369"/>
+            <a:chOff x="5721594" y="289567"/>
+            <a:chExt cx="4866902" cy="707159"/>
+          </a:xfrm>
+          <a:solidFill>
+            <a:srgbClr val="5A538C"/>
+          </a:solidFill>
+        </p:grpSpPr>
+        <p:sp>
+          <p:nvSpPr>
+            <p:cNvPr id="19" name="矩形 18">
+              <a:extLst>
+                <a:ext uri="{FF2B5EF4-FFF2-40B4-BE49-F238E27FC236}">
+                  <a16:creationId xmlns:a16="http://schemas.microsoft.com/office/drawing/2014/main" id="{95EA7CB1-884E-3C5B-E99D-2E94A5A73C94}"/>
+                </a:ext>
+              </a:extLst>
+            </p:cNvPr>
+            <p:cNvSpPr/>
+            <p:nvPr/>
+          </p:nvSpPr>
+          <p:spPr>
+            <a:xfrm>
+              <a:off x="5721594" y="289567"/>
+              <a:ext cx="4866902" cy="707159"/>
+            </a:xfrm>
+            <a:prstGeom prst="rect">
+              <a:avLst/>
+            </a:prstGeom>
+            <a:grpFill/>
+            <a:ln>
+              <a:noFill/>
+            </a:ln>
+            <a:effectLst>
+              <a:outerShdw blurRad="50800" dist="38100" dir="2700000" algn="tl" rotWithShape="0">
+                <a:prstClr val="black">
+                  <a:alpha val="40000"/>
+                </a:prstClr>
+              </a:outerShdw>
+            </a:effectLst>
+          </p:spPr>
+          <p:style>
+            <a:lnRef idx="2">
+              <a:schemeClr val="accent1">
+                <a:shade val="50000"/>
+              </a:schemeClr>
+            </a:lnRef>
+            <a:fillRef idx="1">
+              <a:schemeClr val="accent1"/>
+            </a:fillRef>
+            <a:effectRef idx="0">
+              <a:schemeClr val="accent1"/>
+            </a:effectRef>
+            <a:fontRef idx="minor">
+              <a:schemeClr val="lt1"/>
+            </a:fontRef>
+          </p:style>
+          <p:txBody>
+            <a:bodyPr rtlCol="0" anchor="ctr"/>
+            <a:lstStyle/>
+            <a:p>
+              <a:pPr algn="ctr"/>
+              <a:endParaRPr lang="zh-CN" altLang="en-US" sz="1350">
+                <a:solidFill>
+                  <a:schemeClr val="bg1"/>
+                </a:solidFill>
+              </a:endParaRPr>
+            </a:p>
+          </p:txBody>
+        </p:sp>
+        <p:sp>
+          <p:nvSpPr>
+            <p:cNvPr id="20" name="TextBox 64">
+              <a:extLst>
+                <a:ext uri="{FF2B5EF4-FFF2-40B4-BE49-F238E27FC236}">
+                  <a16:creationId xmlns:a16="http://schemas.microsoft.com/office/drawing/2014/main" id="{43F0CF1F-63E2-6DB0-73BA-7ECFC49FA69F}"/>
+                </a:ext>
+              </a:extLst>
+            </p:cNvPr>
+            <p:cNvSpPr txBox="1"/>
+            <p:nvPr/>
+          </p:nvSpPr>
+          <p:spPr>
+            <a:xfrm>
+              <a:off x="5796881" y="366596"/>
+              <a:ext cx="4791615" cy="553998"/>
+            </a:xfrm>
+            <a:prstGeom prst="rect">
+              <a:avLst/>
+            </a:prstGeom>
+            <a:grpFill/>
+          </p:spPr>
+          <p:txBody>
+            <a:bodyPr wrap="square" rtlCol="0">
+              <a:spAutoFit/>
+            </a:bodyPr>
+            <a:lstStyle>
+              <a:defPPr>
+                <a:defRPr lang="zh-CN"/>
+              </a:defPPr>
+              <a:lvl1pPr>
+                <a:defRPr sz="1800">
+                  <a:solidFill>
+                    <a:schemeClr val="tx1">
+                      <a:lumMod val="75000"/>
+                      <a:lumOff val="25000"/>
+                    </a:schemeClr>
+                  </a:solidFill>
+                </a:defRPr>
+              </a:lvl1pPr>
+            </a:lstStyle>
+            <a:p>
+              <a:pPr fontAlgn="ctr"/>
+              <a:r>
+                <a:rPr lang="zh-CN" altLang="en-US" sz="2100">
+                  <a:solidFill>
+                    <a:schemeClr val="bg1"/>
+                  </a:solidFill>
+                  <a:latin typeface="黑体" panose="02010609060101010101" pitchFamily="49" charset="-122"/>
+                  <a:ea typeface="黑体" panose="02010609060101010101" pitchFamily="49" charset="-122"/>
+                </a:rPr>
+                <a:t>二、架构与硬件实现</a:t>
+              </a:r>
+              <a:endParaRPr lang="zh-CN" altLang="en-US" sz="2100" dirty="0">
+                <a:solidFill>
+                  <a:schemeClr val="bg1"/>
+                </a:solidFill>
+                <a:latin typeface="黑体" panose="02010609060101010101" pitchFamily="49" charset="-122"/>
+                <a:ea typeface="黑体" panose="02010609060101010101" pitchFamily="49" charset="-122"/>
+              </a:endParaRPr>
+            </a:p>
+          </p:txBody>
+        </p:sp>
+      </p:grpSp>
+      <p:pic>
+        <p:nvPicPr>
+          <p:cNvPr id="1026" name="Picture 2">
+            <a:extLst>
+              <a:ext uri="{FF2B5EF4-FFF2-40B4-BE49-F238E27FC236}">
+                <a16:creationId xmlns:a16="http://schemas.microsoft.com/office/drawing/2014/main" id="{EA98DCA7-8D68-5EEC-4452-9DE1B681F9EB}"/>
+              </a:ext>
+            </a:extLst>
+          </p:cNvPr>
+          <p:cNvPicPr>
+            <a:picLocks noChangeAspect="1" noChangeArrowheads="1"/>
+          </p:cNvPicPr>
+          <p:nvPr/>
+        </p:nvPicPr>
+        <p:blipFill>
+          <a:blip r:embed="rId5">
+            <a:extLst>
+              <a:ext uri="{28A0092B-C50C-407E-A947-70E740481C1C}">
+                <a14:useLocalDpi xmlns:a14="http://schemas.microsoft.com/office/drawing/2010/main" val="0"/>
+              </a:ext>
+            </a:extLst>
+          </a:blip>
+          <a:srcRect/>
+          <a:stretch>
+            <a:fillRect/>
+          </a:stretch>
+        </p:blipFill>
+        <p:spPr bwMode="auto">
+          <a:xfrm>
+            <a:off x="165099" y="1787650"/>
+            <a:ext cx="5629207" cy="3504039"/>
+          </a:xfrm>
+          <a:prstGeom prst="rect">
+            <a:avLst/>
+          </a:prstGeom>
+          <a:noFill/>
+          <a:extLst>
+            <a:ext uri="{909E8E84-426E-40DD-AFC4-6F175D3DCCD1}">
+              <a14:hiddenFill xmlns:a14="http://schemas.microsoft.com/office/drawing/2010/main">
+                <a:solidFill>
+                  <a:srgbClr val="FFFFFF"/>
+                </a:solidFill>
+              </a14:hiddenFill>
+            </a:ext>
+          </a:extLst>
+        </p:spPr>
+      </p:pic>
+      <p:pic>
+        <p:nvPicPr>
+          <p:cNvPr id="4" name="图片 3">
+            <a:extLst>
+              <a:ext uri="{FF2B5EF4-FFF2-40B4-BE49-F238E27FC236}">
+                <a16:creationId xmlns:a16="http://schemas.microsoft.com/office/drawing/2014/main" id="{6F610529-F3E0-5C2D-3B87-1AF176C284F8}"/>
+              </a:ext>
+            </a:extLst>
+          </p:cNvPr>
+          <p:cNvPicPr>
+            <a:picLocks noChangeAspect="1"/>
+          </p:cNvPicPr>
+          <p:nvPr/>
+        </p:nvPicPr>
+        <p:blipFill>
+          <a:blip r:embed="rId6"/>
+          <a:stretch>
+            <a:fillRect/>
+          </a:stretch>
+        </p:blipFill>
+        <p:spPr>
+          <a:xfrm>
+            <a:off x="5276850" y="1025703"/>
+            <a:ext cx="6508750" cy="2461421"/>
+          </a:xfrm>
+          <a:prstGeom prst="rect">
+            <a:avLst/>
+          </a:prstGeom>
+        </p:spPr>
+      </p:pic>
+      <p:pic>
+        <p:nvPicPr>
+          <p:cNvPr id="6" name="图片 5">
+            <a:extLst>
+              <a:ext uri="{FF2B5EF4-FFF2-40B4-BE49-F238E27FC236}">
+                <a16:creationId xmlns:a16="http://schemas.microsoft.com/office/drawing/2014/main" id="{369C0D13-62A1-14D0-6882-7951E7F44BF3}"/>
+              </a:ext>
+            </a:extLst>
+          </p:cNvPr>
+          <p:cNvPicPr>
+            <a:picLocks noChangeAspect="1"/>
+          </p:cNvPicPr>
+          <p:nvPr/>
+        </p:nvPicPr>
+        <p:blipFill>
+          <a:blip r:embed="rId7"/>
+          <a:stretch>
+            <a:fillRect/>
+          </a:stretch>
+        </p:blipFill>
+        <p:spPr>
+          <a:xfrm>
+            <a:off x="5625927" y="3592214"/>
+            <a:ext cx="6195346" cy="2771967"/>
+          </a:xfrm>
+          <a:prstGeom prst="rect">
+            <a:avLst/>
+          </a:prstGeom>
+        </p:spPr>
+      </p:pic>
+    </p:spTree>
+    <p:custDataLst>
+      <p:tags r:id="rId1"/>
+    </p:custDataLst>
+    <p:extLst>
+      <p:ext uri="{BB962C8B-B14F-4D97-AF65-F5344CB8AC3E}">
+        <p14:creationId xmlns:p14="http://schemas.microsoft.com/office/powerpoint/2010/main" val="3999754894"/>
+      </p:ext>
+    </p:extLst>
+  </p:cSld>
+  <p:clrMapOvr>
+    <a:masterClrMapping/>
+  </p:clrMapOvr>
+  <mc:AlternateContent xmlns:mc="http://schemas.openxmlformats.org/markup-compatibility/2006" xmlns:p159="http://schemas.microsoft.com/office/powerpoint/2015/09/main">
+    <mc:Choice Requires="p159">
+      <p:transition xmlns:p14="http://schemas.microsoft.com/office/powerpoint/2010/main" spd="slow" p14:dur="2000" advTm="744">
+        <p159:morph option="byObject"/>
+      </p:transition>
+    </mc:Choice>
+    <mc:Fallback xmlns="">
+      <p:transition spd="slow" advTm="744">
+        <p:fade/>
+      </p:transition>
+    </mc:Fallback>
+  </mc:AlternateContent>
+</p:sld>
+</file>
+
+<file path=ppt/slides/slide28.xml><?xml version="1.0" encoding="utf-8"?>
+<p:sld xmlns:a="http://schemas.openxmlformats.org/drawingml/2006/main" xmlns:r="http://schemas.openxmlformats.org/officeDocument/2006/relationships" xmlns:p="http://schemas.openxmlformats.org/presentationml/2006/main">
+  <p:cSld>
+    <p:spTree>
+      <p:nvGrpSpPr>
+        <p:cNvPr id="1" name=""/>
+        <p:cNvGrpSpPr/>
+        <p:nvPr/>
+      </p:nvGrpSpPr>
+      <p:grpSpPr>
+        <a:xfrm>
+          <a:off x="0" y="0"/>
+          <a:ext cx="0" cy="0"/>
+          <a:chOff x="0" y="0"/>
+          <a:chExt cx="0" cy="0"/>
+        </a:xfrm>
+      </p:grpSpPr>
+      <p:pic>
+        <p:nvPicPr>
+          <p:cNvPr id="127" name="图片 126" descr="徽标&#10;&#10;描述已自动生成">
+            <a:extLst>
+              <a:ext uri="{FF2B5EF4-FFF2-40B4-BE49-F238E27FC236}">
+                <a16:creationId xmlns:a16="http://schemas.microsoft.com/office/drawing/2014/main" id="{14705DD9-1D21-253E-498C-E3530A0B41C0}"/>
+              </a:ext>
+            </a:extLst>
+          </p:cNvPr>
+          <p:cNvPicPr>
+            <a:picLocks noChangeAspect="1"/>
+          </p:cNvPicPr>
+          <p:nvPr/>
+        </p:nvPicPr>
+        <p:blipFill>
+          <a:blip r:embed="rId4"/>
+          <a:stretch>
+            <a:fillRect/>
+          </a:stretch>
+        </p:blipFill>
+        <p:spPr>
+          <a:xfrm>
+            <a:off x="10373272" y="0"/>
+            <a:ext cx="1732085" cy="832397"/>
+          </a:xfrm>
+          <a:prstGeom prst="rect">
+            <a:avLst/>
+          </a:prstGeom>
+        </p:spPr>
+      </p:pic>
+      <p:sp>
+        <p:nvSpPr>
+          <p:cNvPr id="128" name="矩形 127">
+            <a:extLst>
+              <a:ext uri="{FF2B5EF4-FFF2-40B4-BE49-F238E27FC236}">
+                <a16:creationId xmlns:a16="http://schemas.microsoft.com/office/drawing/2014/main" id="{CA826E88-EEAC-B7EA-5EDE-94700ED57B31}"/>
+              </a:ext>
+            </a:extLst>
+          </p:cNvPr>
+          <p:cNvSpPr/>
+          <p:nvPr/>
+        </p:nvSpPr>
+        <p:spPr>
+          <a:xfrm>
+            <a:off x="0" y="6578600"/>
+            <a:ext cx="12192000" cy="279401"/>
+          </a:xfrm>
+          <a:prstGeom prst="rect">
+            <a:avLst/>
+          </a:prstGeom>
+          <a:solidFill>
+            <a:srgbClr val="5A538C"/>
+          </a:solidFill>
+          <a:ln>
+            <a:noFill/>
+          </a:ln>
+        </p:spPr>
+        <p:style>
+          <a:lnRef idx="2">
+            <a:schemeClr val="accent1">
+              <a:shade val="50000"/>
+            </a:schemeClr>
+          </a:lnRef>
+          <a:fillRef idx="1">
+            <a:schemeClr val="accent1"/>
+          </a:fillRef>
+          <a:effectRef idx="0">
+            <a:schemeClr val="accent1"/>
+          </a:effectRef>
+          <a:fontRef idx="minor">
+            <a:schemeClr val="lt1"/>
+          </a:fontRef>
+        </p:style>
+        <p:txBody>
+          <a:bodyPr rtlCol="0" anchor="ctr"/>
+          <a:lstStyle/>
+          <a:p>
+            <a:pPr algn="ctr"/>
+            <a:endParaRPr lang="zh-CN" altLang="en-US" sz="1350"/>
+          </a:p>
+        </p:txBody>
+      </p:sp>
+      <p:sp>
+        <p:nvSpPr>
+          <p:cNvPr id="21" name="矩形 20">
+            <a:extLst>
+              <a:ext uri="{FF2B5EF4-FFF2-40B4-BE49-F238E27FC236}">
+                <a16:creationId xmlns:a16="http://schemas.microsoft.com/office/drawing/2014/main" id="{BAC097F8-4D31-E7A0-E027-92339C2CE9D0}"/>
+              </a:ext>
+            </a:extLst>
+          </p:cNvPr>
+          <p:cNvSpPr/>
+          <p:nvPr/>
+        </p:nvSpPr>
+        <p:spPr>
+          <a:xfrm>
+            <a:off x="2885303" y="215553"/>
+            <a:ext cx="2266014" cy="529201"/>
+          </a:xfrm>
+          <a:prstGeom prst="rect">
+            <a:avLst/>
+          </a:prstGeom>
+          <a:solidFill>
+            <a:schemeClr val="accent1">
+              <a:lumMod val="40000"/>
+              <a:lumOff val="60000"/>
+            </a:schemeClr>
+          </a:solidFill>
+          <a:ln>
+            <a:noFill/>
+          </a:ln>
+          <a:effectLst>
+            <a:outerShdw blurRad="50800" dist="38100" dir="2700000" algn="tl" rotWithShape="0">
+              <a:prstClr val="black">
+                <a:alpha val="40000"/>
+              </a:prstClr>
+            </a:outerShdw>
+          </a:effectLst>
+        </p:spPr>
+        <p:style>
+          <a:lnRef idx="2">
+            <a:schemeClr val="accent1">
+              <a:shade val="50000"/>
+            </a:schemeClr>
+          </a:lnRef>
+          <a:fillRef idx="1">
+            <a:schemeClr val="accent1"/>
+          </a:fillRef>
+          <a:effectRef idx="0">
+            <a:schemeClr val="accent1"/>
+          </a:effectRef>
+          <a:fontRef idx="minor">
+            <a:schemeClr val="lt1"/>
+          </a:fontRef>
+        </p:style>
+        <p:txBody>
+          <a:bodyPr rtlCol="0" anchor="ctr"/>
+          <a:lstStyle/>
+          <a:p>
+            <a:pPr algn="ctr"/>
+            <a:r>
+              <a:rPr lang="zh-CN" altLang="en-US" b="1" dirty="0">
+                <a:solidFill>
+                  <a:schemeClr val="bg2">
+                    <a:lumMod val="10000"/>
+                  </a:schemeClr>
+                </a:solidFill>
+              </a:rPr>
+              <a:t>运算单元</a:t>
+            </a:r>
+          </a:p>
+        </p:txBody>
+      </p:sp>
+      <p:grpSp>
+        <p:nvGrpSpPr>
+          <p:cNvPr id="18" name="组合 17">
+            <a:extLst>
+              <a:ext uri="{FF2B5EF4-FFF2-40B4-BE49-F238E27FC236}">
+                <a16:creationId xmlns:a16="http://schemas.microsoft.com/office/drawing/2014/main" id="{94A9B43C-D9AB-1E8A-0299-AE96BDA99845}"/>
+              </a:ext>
+            </a:extLst>
+          </p:cNvPr>
+          <p:cNvGrpSpPr/>
+          <p:nvPr/>
+        </p:nvGrpSpPr>
+        <p:grpSpPr>
+          <a:xfrm>
+            <a:off x="38392" y="169639"/>
+            <a:ext cx="3025320" cy="530369"/>
+            <a:chOff x="5721594" y="289567"/>
+            <a:chExt cx="4866902" cy="707159"/>
+          </a:xfrm>
+          <a:solidFill>
+            <a:srgbClr val="5A538C"/>
+          </a:solidFill>
+        </p:grpSpPr>
+        <p:sp>
+          <p:nvSpPr>
+            <p:cNvPr id="19" name="矩形 18">
+              <a:extLst>
+                <a:ext uri="{FF2B5EF4-FFF2-40B4-BE49-F238E27FC236}">
+                  <a16:creationId xmlns:a16="http://schemas.microsoft.com/office/drawing/2014/main" id="{95EA7CB1-884E-3C5B-E99D-2E94A5A73C94}"/>
+                </a:ext>
+              </a:extLst>
+            </p:cNvPr>
+            <p:cNvSpPr/>
+            <p:nvPr/>
+          </p:nvSpPr>
+          <p:spPr>
+            <a:xfrm>
+              <a:off x="5721594" y="289567"/>
+              <a:ext cx="4866902" cy="707159"/>
+            </a:xfrm>
+            <a:prstGeom prst="rect">
+              <a:avLst/>
+            </a:prstGeom>
+            <a:grpFill/>
+            <a:ln>
+              <a:noFill/>
+            </a:ln>
+            <a:effectLst>
+              <a:outerShdw blurRad="50800" dist="38100" dir="2700000" algn="tl" rotWithShape="0">
+                <a:prstClr val="black">
+                  <a:alpha val="40000"/>
+                </a:prstClr>
+              </a:outerShdw>
+            </a:effectLst>
+          </p:spPr>
+          <p:style>
+            <a:lnRef idx="2">
+              <a:schemeClr val="accent1">
+                <a:shade val="50000"/>
+              </a:schemeClr>
+            </a:lnRef>
+            <a:fillRef idx="1">
+              <a:schemeClr val="accent1"/>
+            </a:fillRef>
+            <a:effectRef idx="0">
+              <a:schemeClr val="accent1"/>
+            </a:effectRef>
+            <a:fontRef idx="minor">
+              <a:schemeClr val="lt1"/>
+            </a:fontRef>
+          </p:style>
+          <p:txBody>
+            <a:bodyPr rtlCol="0" anchor="ctr"/>
+            <a:lstStyle/>
+            <a:p>
+              <a:pPr algn="ctr"/>
+              <a:endParaRPr lang="zh-CN" altLang="en-US" sz="1350">
+                <a:solidFill>
+                  <a:schemeClr val="bg1"/>
+                </a:solidFill>
+              </a:endParaRPr>
+            </a:p>
+          </p:txBody>
+        </p:sp>
+        <p:sp>
+          <p:nvSpPr>
+            <p:cNvPr id="20" name="TextBox 64">
+              <a:extLst>
+                <a:ext uri="{FF2B5EF4-FFF2-40B4-BE49-F238E27FC236}">
+                  <a16:creationId xmlns:a16="http://schemas.microsoft.com/office/drawing/2014/main" id="{43F0CF1F-63E2-6DB0-73BA-7ECFC49FA69F}"/>
+                </a:ext>
+              </a:extLst>
+            </p:cNvPr>
+            <p:cNvSpPr txBox="1"/>
+            <p:nvPr/>
+          </p:nvSpPr>
+          <p:spPr>
+            <a:xfrm>
+              <a:off x="5796881" y="366596"/>
+              <a:ext cx="4791615" cy="553998"/>
+            </a:xfrm>
+            <a:prstGeom prst="rect">
+              <a:avLst/>
+            </a:prstGeom>
+            <a:grpFill/>
+          </p:spPr>
+          <p:txBody>
+            <a:bodyPr wrap="square" rtlCol="0">
+              <a:spAutoFit/>
+            </a:bodyPr>
+            <a:lstStyle>
+              <a:defPPr>
+                <a:defRPr lang="zh-CN"/>
+              </a:defPPr>
+              <a:lvl1pPr>
+                <a:defRPr sz="1800">
+                  <a:solidFill>
+                    <a:schemeClr val="tx1">
+                      <a:lumMod val="75000"/>
+                      <a:lumOff val="25000"/>
+                    </a:schemeClr>
+                  </a:solidFill>
+                </a:defRPr>
+              </a:lvl1pPr>
+            </a:lstStyle>
+            <a:p>
+              <a:pPr fontAlgn="ctr"/>
+              <a:r>
+                <a:rPr lang="zh-CN" altLang="en-US" sz="2100">
+                  <a:solidFill>
+                    <a:schemeClr val="bg1"/>
+                  </a:solidFill>
+                  <a:latin typeface="黑体" panose="02010609060101010101" pitchFamily="49" charset="-122"/>
+                  <a:ea typeface="黑体" panose="02010609060101010101" pitchFamily="49" charset="-122"/>
+                </a:rPr>
+                <a:t>二、架构与硬件实现</a:t>
+              </a:r>
+              <a:endParaRPr lang="zh-CN" altLang="en-US" sz="2100" dirty="0">
+                <a:solidFill>
+                  <a:schemeClr val="bg1"/>
+                </a:solidFill>
+                <a:latin typeface="黑体" panose="02010609060101010101" pitchFamily="49" charset="-122"/>
+                <a:ea typeface="黑体" panose="02010609060101010101" pitchFamily="49" charset="-122"/>
+              </a:endParaRPr>
+            </a:p>
+          </p:txBody>
+        </p:sp>
+      </p:grpSp>
+      <p:pic>
+        <p:nvPicPr>
+          <p:cNvPr id="4" name="图片 3">
+            <a:extLst>
+              <a:ext uri="{FF2B5EF4-FFF2-40B4-BE49-F238E27FC236}">
+                <a16:creationId xmlns:a16="http://schemas.microsoft.com/office/drawing/2014/main" id="{8AE57C6D-C3DF-E814-4061-1F3AE3A0C212}"/>
+              </a:ext>
+            </a:extLst>
+          </p:cNvPr>
+          <p:cNvPicPr>
+            <a:picLocks noChangeAspect="1"/>
+          </p:cNvPicPr>
+          <p:nvPr/>
+        </p:nvPicPr>
+        <p:blipFill>
+          <a:blip r:embed="rId5"/>
+          <a:stretch>
+            <a:fillRect/>
+          </a:stretch>
+        </p:blipFill>
+        <p:spPr>
+          <a:xfrm>
+            <a:off x="190358" y="1579690"/>
+            <a:ext cx="4595689" cy="3054968"/>
+          </a:xfrm>
+          <a:prstGeom prst="rect">
+            <a:avLst/>
+          </a:prstGeom>
+        </p:spPr>
+      </p:pic>
+      <p:sp>
+        <p:nvSpPr>
+          <p:cNvPr id="5" name="文本框 4">
+            <a:extLst>
+              <a:ext uri="{FF2B5EF4-FFF2-40B4-BE49-F238E27FC236}">
+                <a16:creationId xmlns:a16="http://schemas.microsoft.com/office/drawing/2014/main" id="{EFBFB865-A8F1-6860-4314-BAF2F33E84FC}"/>
+              </a:ext>
+            </a:extLst>
+          </p:cNvPr>
+          <p:cNvSpPr txBox="1"/>
+          <p:nvPr/>
+        </p:nvSpPr>
+        <p:spPr>
+          <a:xfrm>
+            <a:off x="1403350" y="4575449"/>
+            <a:ext cx="2374900" cy="369332"/>
+          </a:xfrm>
+          <a:prstGeom prst="rect">
+            <a:avLst/>
+          </a:prstGeom>
+          <a:noFill/>
+        </p:spPr>
+        <p:txBody>
+          <a:bodyPr wrap="square" rtlCol="0">
+            <a:spAutoFit/>
+          </a:bodyPr>
+          <a:lstStyle/>
+          <a:p>
+            <a:r>
+              <a:rPr lang="en-US" altLang="zh-CN" dirty="0"/>
+              <a:t>MA Unit </a:t>
+            </a:r>
+            <a:r>
+              <a:rPr lang="zh-CN" altLang="en-US" dirty="0"/>
+              <a:t>（乘加单元）</a:t>
+            </a:r>
+          </a:p>
+        </p:txBody>
+      </p:sp>
+      <p:pic>
+        <p:nvPicPr>
+          <p:cNvPr id="7" name="图片 6">
+            <a:extLst>
+              <a:ext uri="{FF2B5EF4-FFF2-40B4-BE49-F238E27FC236}">
+                <a16:creationId xmlns:a16="http://schemas.microsoft.com/office/drawing/2014/main" id="{C85FE783-A41B-F9FE-F411-3555753B8A80}"/>
+              </a:ext>
+            </a:extLst>
+          </p:cNvPr>
+          <p:cNvPicPr>
+            <a:picLocks noChangeAspect="1"/>
+          </p:cNvPicPr>
+          <p:nvPr/>
+        </p:nvPicPr>
+        <p:blipFill>
+          <a:blip r:embed="rId6"/>
+          <a:stretch>
+            <a:fillRect/>
+          </a:stretch>
+        </p:blipFill>
+        <p:spPr>
+          <a:xfrm>
+            <a:off x="5468886" y="227411"/>
+            <a:ext cx="4532347" cy="2484039"/>
+          </a:xfrm>
+          <a:prstGeom prst="rect">
+            <a:avLst/>
+          </a:prstGeom>
+        </p:spPr>
+      </p:pic>
+      <p:pic>
+        <p:nvPicPr>
+          <p:cNvPr id="9" name="图片 8">
+            <a:extLst>
+              <a:ext uri="{FF2B5EF4-FFF2-40B4-BE49-F238E27FC236}">
+                <a16:creationId xmlns:a16="http://schemas.microsoft.com/office/drawing/2014/main" id="{D953781D-9EB7-7F76-3730-869521460709}"/>
+              </a:ext>
+            </a:extLst>
+          </p:cNvPr>
+          <p:cNvPicPr>
+            <a:picLocks noChangeAspect="1"/>
+          </p:cNvPicPr>
+          <p:nvPr/>
+        </p:nvPicPr>
+        <p:blipFill>
+          <a:blip r:embed="rId7"/>
+          <a:stretch>
+            <a:fillRect/>
+          </a:stretch>
+        </p:blipFill>
+        <p:spPr>
+          <a:xfrm>
+            <a:off x="5983118" y="2857321"/>
+            <a:ext cx="4189581" cy="3635586"/>
+          </a:xfrm>
+          <a:prstGeom prst="rect">
+            <a:avLst/>
+          </a:prstGeom>
+        </p:spPr>
+      </p:pic>
+    </p:spTree>
+    <p:custDataLst>
+      <p:tags r:id="rId1"/>
+    </p:custDataLst>
+    <p:extLst>
+      <p:ext uri="{BB962C8B-B14F-4D97-AF65-F5344CB8AC3E}">
+        <p14:creationId xmlns:p14="http://schemas.microsoft.com/office/powerpoint/2010/main" val="1443105441"/>
+      </p:ext>
+    </p:extLst>
+  </p:cSld>
+  <p:clrMapOvr>
+    <a:masterClrMapping/>
+  </p:clrMapOvr>
+  <mc:AlternateContent xmlns:mc="http://schemas.openxmlformats.org/markup-compatibility/2006" xmlns:p159="http://schemas.microsoft.com/office/powerpoint/2015/09/main">
+    <mc:Choice Requires="p159">
+      <p:transition xmlns:p14="http://schemas.microsoft.com/office/powerpoint/2010/main" spd="slow" p14:dur="2000" advTm="744">
+        <p159:morph option="byObject"/>
+      </p:transition>
+    </mc:Choice>
+    <mc:Fallback xmlns="">
+      <p:transition spd="slow" advTm="744">
+        <p:fade/>
+      </p:transition>
+    </mc:Fallback>
+  </mc:AlternateContent>
+</p:sld>
+</file>
+
+<file path=ppt/slides/slide29.xml><?xml version="1.0" encoding="utf-8"?>
 <p:sld xmlns:a="http://schemas.openxmlformats.org/drawingml/2006/main" xmlns:r="http://schemas.openxmlformats.org/officeDocument/2006/relationships" xmlns:p="http://schemas.openxmlformats.org/presentationml/2006/main">
   <p:cSld>
     <p:spTree>
@@ -38044,7 +40421,7 @@
     </p:spTree>
     <p:extLst>
       <p:ext uri="{BB962C8B-B14F-4D97-AF65-F5344CB8AC3E}">
-        <p14:creationId xmlns:p14="http://schemas.microsoft.com/office/powerpoint/2010/main" val="2139551433"/>
+        <p14:creationId xmlns:p14="http://schemas.microsoft.com/office/powerpoint/2010/main" val="3208359505"/>
       </p:ext>
     </p:extLst>
   </p:cSld>
@@ -38066,7 +40443,7 @@
 </p:sld>
 </file>
 
-<file path=ppt/slides/slide26.xml><?xml version="1.0" encoding="utf-8"?>
+<file path=ppt/slides/slide3.xml><?xml version="1.0" encoding="utf-8"?>
 <p:sld xmlns:a="http://schemas.openxmlformats.org/drawingml/2006/main" xmlns:r="http://schemas.openxmlformats.org/officeDocument/2006/relationships" xmlns:p="http://schemas.openxmlformats.org/presentationml/2006/main">
   <p:cSld>
     <p:spTree>
@@ -38632,36 +41009,6 @@
           </a:p>
         </p:txBody>
       </p:sp>
-      <p:pic>
-        <p:nvPicPr>
-          <p:cNvPr id="127" name="图片 126" descr="徽标&#10;&#10;描述已自动生成">
-            <a:extLst>
-              <a:ext uri="{FF2B5EF4-FFF2-40B4-BE49-F238E27FC236}">
-                <a16:creationId xmlns:a16="http://schemas.microsoft.com/office/drawing/2014/main" id="{14705DD9-1D21-253E-498C-E3530A0B41C0}"/>
-              </a:ext>
-            </a:extLst>
-          </p:cNvPr>
-          <p:cNvPicPr>
-            <a:picLocks noChangeAspect="1"/>
-          </p:cNvPicPr>
-          <p:nvPr/>
-        </p:nvPicPr>
-        <p:blipFill>
-          <a:blip r:embed="rId4"/>
-          <a:stretch>
-            <a:fillRect/>
-          </a:stretch>
-        </p:blipFill>
-        <p:spPr>
-          <a:xfrm>
-            <a:off x="10373272" y="0"/>
-            <a:ext cx="1732085" cy="832397"/>
-          </a:xfrm>
-          <a:prstGeom prst="rect">
-            <a:avLst/>
-          </a:prstGeom>
-        </p:spPr>
-      </p:pic>
       <p:sp>
         <p:nvSpPr>
           <p:cNvPr id="128" name="矩形 127">
@@ -38714,12 +41061,492 @@
           </a:p>
         </p:txBody>
       </p:sp>
+      <p:sp>
+        <p:nvSpPr>
+          <p:cNvPr id="26" name="TextBox 64">
+            <a:extLst>
+              <a:ext uri="{FF2B5EF4-FFF2-40B4-BE49-F238E27FC236}">
+                <a16:creationId xmlns:a16="http://schemas.microsoft.com/office/drawing/2014/main" id="{4A276B46-B15E-8D9E-5511-6C4E46C3CA60}"/>
+              </a:ext>
+            </a:extLst>
+          </p:cNvPr>
+          <p:cNvSpPr txBox="1"/>
+          <p:nvPr/>
+        </p:nvSpPr>
+        <p:spPr>
+          <a:xfrm>
+            <a:off x="308148" y="1486997"/>
+            <a:ext cx="2684135" cy="415498"/>
+          </a:xfrm>
+          <a:prstGeom prst="rect">
+            <a:avLst/>
+          </a:prstGeom>
+          <a:noFill/>
+        </p:spPr>
+        <p:txBody>
+          <a:bodyPr wrap="square" rtlCol="0">
+            <a:spAutoFit/>
+          </a:bodyPr>
+          <a:lstStyle>
+            <a:defPPr>
+              <a:defRPr lang="zh-CN"/>
+            </a:defPPr>
+            <a:lvl1pPr>
+              <a:defRPr sz="1800">
+                <a:solidFill>
+                  <a:schemeClr val="tx1">
+                    <a:lumMod val="75000"/>
+                    <a:lumOff val="25000"/>
+                  </a:schemeClr>
+                </a:solidFill>
+              </a:defRPr>
+            </a:lvl1pPr>
+          </a:lstStyle>
+          <a:p>
+            <a:pPr fontAlgn="ctr"/>
+            <a:r>
+              <a:rPr lang="zh-CN" altLang="en-US" sz="2100">
+                <a:solidFill>
+                  <a:schemeClr val="bg1"/>
+                </a:solidFill>
+                <a:latin typeface="黑体" panose="02010609060101010101" pitchFamily="49" charset="-122"/>
+                <a:ea typeface="黑体" panose="02010609060101010101" pitchFamily="49" charset="-122"/>
+              </a:rPr>
+              <a:t>二、系统架构</a:t>
+            </a:r>
+            <a:endParaRPr lang="zh-CN" altLang="en-US" sz="2100" dirty="0">
+              <a:solidFill>
+                <a:schemeClr val="bg1"/>
+              </a:solidFill>
+              <a:latin typeface="黑体" panose="02010609060101010101" pitchFamily="49" charset="-122"/>
+              <a:ea typeface="黑体" panose="02010609060101010101" pitchFamily="49" charset="-122"/>
+            </a:endParaRPr>
+          </a:p>
+        </p:txBody>
+      </p:sp>
+      <p:sp>
+        <p:nvSpPr>
+          <p:cNvPr id="43" name="矩形 42">
+            <a:extLst>
+              <a:ext uri="{FF2B5EF4-FFF2-40B4-BE49-F238E27FC236}">
+                <a16:creationId xmlns:a16="http://schemas.microsoft.com/office/drawing/2014/main" id="{B960EF77-3B5F-CA88-820E-D85E2B22C986}"/>
+              </a:ext>
+            </a:extLst>
+          </p:cNvPr>
+          <p:cNvSpPr/>
+          <p:nvPr/>
+        </p:nvSpPr>
+        <p:spPr>
+          <a:xfrm>
+            <a:off x="2240819" y="215553"/>
+            <a:ext cx="3578956" cy="529201"/>
+          </a:xfrm>
+          <a:prstGeom prst="rect">
+            <a:avLst/>
+          </a:prstGeom>
+          <a:solidFill>
+            <a:schemeClr val="accent1">
+              <a:lumMod val="40000"/>
+              <a:lumOff val="60000"/>
+            </a:schemeClr>
+          </a:solidFill>
+          <a:ln>
+            <a:noFill/>
+          </a:ln>
+          <a:effectLst>
+            <a:outerShdw blurRad="50800" dist="38100" dir="2700000" algn="tl" rotWithShape="0">
+              <a:prstClr val="black">
+                <a:alpha val="40000"/>
+              </a:prstClr>
+            </a:outerShdw>
+          </a:effectLst>
+        </p:spPr>
+        <p:style>
+          <a:lnRef idx="2">
+            <a:schemeClr val="accent1">
+              <a:shade val="50000"/>
+            </a:schemeClr>
+          </a:lnRef>
+          <a:fillRef idx="1">
+            <a:schemeClr val="accent1"/>
+          </a:fillRef>
+          <a:effectRef idx="0">
+            <a:schemeClr val="accent1"/>
+          </a:effectRef>
+          <a:fontRef idx="minor">
+            <a:schemeClr val="lt1"/>
+          </a:fontRef>
+        </p:style>
+        <p:txBody>
+          <a:bodyPr rtlCol="0" anchor="ctr"/>
+          <a:lstStyle/>
+          <a:p>
+            <a:pPr algn="ctr"/>
+            <a:r>
+              <a:rPr lang="zh-CN" altLang="en-US" b="1">
+                <a:solidFill>
+                  <a:schemeClr val="bg2">
+                    <a:lumMod val="10000"/>
+                  </a:schemeClr>
+                </a:solidFill>
+              </a:rPr>
+              <a:t>传统算法： </a:t>
+            </a:r>
+            <a:r>
+              <a:rPr lang="en-US" altLang="zh-CN" b="1">
+                <a:solidFill>
+                  <a:schemeClr val="bg2">
+                    <a:lumMod val="10000"/>
+                  </a:schemeClr>
+                </a:solidFill>
+              </a:rPr>
+              <a:t>Bicubic </a:t>
+            </a:r>
+            <a:r>
+              <a:rPr lang="zh-CN" altLang="en-US" b="1">
+                <a:solidFill>
+                  <a:schemeClr val="bg2">
+                    <a:lumMod val="10000"/>
+                  </a:schemeClr>
+                </a:solidFill>
+              </a:rPr>
+              <a:t>和 </a:t>
+            </a:r>
+            <a:r>
+              <a:rPr lang="en-US" altLang="zh-CN" b="1">
+                <a:solidFill>
+                  <a:schemeClr val="bg2">
+                    <a:lumMod val="10000"/>
+                  </a:schemeClr>
+                </a:solidFill>
+              </a:rPr>
+              <a:t>RAISR</a:t>
+            </a:r>
+            <a:endParaRPr lang="zh-CN" altLang="en-US" b="1">
+              <a:solidFill>
+                <a:schemeClr val="bg2">
+                  <a:lumMod val="10000"/>
+                </a:schemeClr>
+              </a:solidFill>
+            </a:endParaRPr>
+          </a:p>
+        </p:txBody>
+      </p:sp>
+      <p:sp>
+        <p:nvSpPr>
+          <p:cNvPr id="9" name="文本框 8">
+            <a:extLst>
+              <a:ext uri="{FF2B5EF4-FFF2-40B4-BE49-F238E27FC236}">
+                <a16:creationId xmlns:a16="http://schemas.microsoft.com/office/drawing/2014/main" id="{51C32D7A-E5F8-F81E-A8AA-ACE578747ED0}"/>
+              </a:ext>
+            </a:extLst>
+          </p:cNvPr>
+          <p:cNvSpPr txBox="1"/>
+          <p:nvPr/>
+        </p:nvSpPr>
+        <p:spPr>
+          <a:xfrm>
+            <a:off x="226810" y="1019087"/>
+            <a:ext cx="7377270" cy="2077492"/>
+          </a:xfrm>
+          <a:prstGeom prst="rect">
+            <a:avLst/>
+          </a:prstGeom>
+          <a:noFill/>
+        </p:spPr>
+        <p:txBody>
+          <a:bodyPr wrap="square" rtlCol="0">
+            <a:spAutoFit/>
+          </a:bodyPr>
+          <a:lstStyle/>
+          <a:p>
+            <a:pPr fontAlgn="ctr"/>
+            <a:r>
+              <a:rPr lang="en-US" altLang="zh-CN" sz="2400">
+                <a:solidFill>
+                  <a:srgbClr val="FF0000"/>
+                </a:solidFill>
+                <a:latin typeface="微软雅黑" panose="020B0503020204020204" pitchFamily="34" charset="-122"/>
+                <a:ea typeface="微软雅黑" panose="020B0503020204020204" pitchFamily="34" charset="-122"/>
+              </a:rPr>
+              <a:t>Bicubic</a:t>
+            </a:r>
+            <a:r>
+              <a:rPr lang="zh-CN" altLang="en-US" sz="2100">
+                <a:latin typeface="黑体" panose="02010609060101010101" pitchFamily="49" charset="-122"/>
+                <a:ea typeface="黑体" panose="02010609060101010101" pitchFamily="49" charset="-122"/>
+              </a:rPr>
+              <a:t> </a:t>
+            </a:r>
+            <a:endParaRPr lang="en-US" altLang="zh-CN" sz="2100">
+              <a:latin typeface="黑体" panose="02010609060101010101" pitchFamily="49" charset="-122"/>
+              <a:ea typeface="黑体" panose="02010609060101010101" pitchFamily="49" charset="-122"/>
+            </a:endParaRPr>
+          </a:p>
+          <a:p>
+            <a:pPr fontAlgn="ctr"/>
+            <a:r>
+              <a:rPr lang="en-US" altLang="zh-CN" sz="2100">
+                <a:latin typeface="黑体" panose="02010609060101010101" pitchFamily="49" charset="-122"/>
+                <a:ea typeface="黑体" panose="02010609060101010101" pitchFamily="49" charset="-122"/>
+              </a:rPr>
+              <a:t>	</a:t>
+            </a:r>
+            <a:r>
+              <a:rPr lang="zh-CN" altLang="en-US" sz="2100">
+                <a:latin typeface="黑体" panose="02010609060101010101" pitchFamily="49" charset="-122"/>
+                <a:ea typeface="黑体" panose="02010609060101010101" pitchFamily="49" charset="-122"/>
+              </a:rPr>
+              <a:t>（双三次插值）是二维空间中最常用的插值算法，是三次插值的一个拓展。而在图像处理中，双三次插值算法更是首选。双三次插值需要参考周围 </a:t>
+            </a:r>
+            <a:r>
+              <a:rPr lang="en-US" altLang="zh-CN" sz="2100">
+                <a:latin typeface="黑体" panose="02010609060101010101" pitchFamily="49" charset="-122"/>
+                <a:ea typeface="黑体" panose="02010609060101010101" pitchFamily="49" charset="-122"/>
+              </a:rPr>
+              <a:t>16 </a:t>
+            </a:r>
+            <a:r>
+              <a:rPr lang="zh-CN" altLang="en-US" sz="2100">
+                <a:latin typeface="黑体" panose="02010609060101010101" pitchFamily="49" charset="-122"/>
+                <a:ea typeface="黑体" panose="02010609060101010101" pitchFamily="49" charset="-122"/>
+              </a:rPr>
+              <a:t>个像素</a:t>
+            </a:r>
+            <a:r>
+              <a:rPr lang="en-US" altLang="zh-CN" sz="2100">
+                <a:latin typeface="黑体" panose="02010609060101010101" pitchFamily="49" charset="-122"/>
+                <a:ea typeface="黑体" panose="02010609060101010101" pitchFamily="49" charset="-122"/>
+              </a:rPr>
+              <a:t>(4 × 4)</a:t>
+            </a:r>
+            <a:r>
+              <a:rPr lang="zh-CN" altLang="en-US" sz="2100">
+                <a:latin typeface="黑体" panose="02010609060101010101" pitchFamily="49" charset="-122"/>
+                <a:ea typeface="黑体" panose="02010609060101010101" pitchFamily="49" charset="-122"/>
+              </a:rPr>
+              <a:t>进行上采样，所得到的上采样图像会比最近邻插值和双线性插值更平滑，同时插值造成的伪影也更少。</a:t>
+            </a:r>
+          </a:p>
+        </p:txBody>
+      </p:sp>
+      <p:sp>
+        <p:nvSpPr>
+          <p:cNvPr id="28" name="文本框 27">
+            <a:extLst>
+              <a:ext uri="{FF2B5EF4-FFF2-40B4-BE49-F238E27FC236}">
+                <a16:creationId xmlns:a16="http://schemas.microsoft.com/office/drawing/2014/main" id="{46B67BC5-4F25-5677-EFFF-DEBFA55BC8A9}"/>
+              </a:ext>
+            </a:extLst>
+          </p:cNvPr>
+          <p:cNvSpPr txBox="1"/>
+          <p:nvPr/>
+        </p:nvSpPr>
+        <p:spPr>
+          <a:xfrm>
+            <a:off x="181645" y="3099552"/>
+            <a:ext cx="6971630" cy="3416320"/>
+          </a:xfrm>
+          <a:prstGeom prst="rect">
+            <a:avLst/>
+          </a:prstGeom>
+          <a:noFill/>
+        </p:spPr>
+        <p:txBody>
+          <a:bodyPr wrap="square" rtlCol="0">
+            <a:spAutoFit/>
+          </a:bodyPr>
+          <a:lstStyle/>
+          <a:p>
+            <a:pPr fontAlgn="ctr"/>
+            <a:r>
+              <a:rPr lang="en-US" altLang="zh-CN" sz="2400">
+                <a:solidFill>
+                  <a:srgbClr val="FF0000"/>
+                </a:solidFill>
+                <a:latin typeface="微软雅黑" panose="020B0503020204020204" pitchFamily="34" charset="-122"/>
+                <a:ea typeface="微软雅黑" panose="020B0503020204020204" pitchFamily="34" charset="-122"/>
+              </a:rPr>
+              <a:t>RAISR</a:t>
+            </a:r>
+          </a:p>
+          <a:p>
+            <a:pPr fontAlgn="ctr"/>
+            <a:r>
+              <a:rPr lang="en-US" altLang="zh-CN" sz="2400">
+                <a:latin typeface="微软雅黑" panose="020B0503020204020204" pitchFamily="34" charset="-122"/>
+                <a:ea typeface="微软雅黑" panose="020B0503020204020204" pitchFamily="34" charset="-122"/>
+              </a:rPr>
+              <a:t>	</a:t>
+            </a:r>
+            <a:r>
+              <a:rPr lang="zh-CN" altLang="en-US" sz="2100">
+                <a:latin typeface="黑体" panose="02010609060101010101" pitchFamily="49" charset="-122"/>
+                <a:ea typeface="黑体" panose="02010609060101010101" pitchFamily="49" charset="-122"/>
+              </a:rPr>
+              <a:t>一种基于样本学习的超分辨率算法。</a:t>
+            </a:r>
+            <a:r>
+              <a:rPr lang="en-US" altLang="zh-CN" sz="2100">
+                <a:latin typeface="黑体" panose="02010609060101010101" pitchFamily="49" charset="-122"/>
+                <a:ea typeface="黑体" panose="02010609060101010101" pitchFamily="49" charset="-122"/>
+              </a:rPr>
+              <a:t>RAISR </a:t>
+            </a:r>
+            <a:r>
+              <a:rPr lang="zh-CN" altLang="en-US" sz="2100">
+                <a:latin typeface="黑体" panose="02010609060101010101" pitchFamily="49" charset="-122"/>
+                <a:ea typeface="黑体" panose="02010609060101010101" pitchFamily="49" charset="-122"/>
+              </a:rPr>
+              <a:t>主要的特点是快速、准确，在运行速度上比基于深度学习的方法有大幅提升，同时保持了具有竞争力的图像重建质量。其核心思想是通过简单的插值方式把 </a:t>
+            </a:r>
+            <a:r>
+              <a:rPr lang="en-US" altLang="zh-CN" sz="2100">
+                <a:latin typeface="黑体" panose="02010609060101010101" pitchFamily="49" charset="-122"/>
+                <a:ea typeface="黑体" panose="02010609060101010101" pitchFamily="49" charset="-122"/>
+              </a:rPr>
+              <a:t>LR </a:t>
+            </a:r>
+            <a:r>
+              <a:rPr lang="zh-CN" altLang="en-US" sz="2100">
+                <a:latin typeface="黑体" panose="02010609060101010101" pitchFamily="49" charset="-122"/>
+                <a:ea typeface="黑体" panose="02010609060101010101" pitchFamily="49" charset="-122"/>
+              </a:rPr>
+              <a:t>图像转化成 </a:t>
+            </a:r>
+            <a:r>
+              <a:rPr lang="en-US" altLang="zh-CN" sz="2100">
+                <a:latin typeface="黑体" panose="02010609060101010101" pitchFamily="49" charset="-122"/>
+                <a:ea typeface="黑体" panose="02010609060101010101" pitchFamily="49" charset="-122"/>
+              </a:rPr>
+              <a:t>Pre-HR </a:t>
+            </a:r>
+            <a:r>
+              <a:rPr lang="zh-CN" altLang="en-US" sz="2100">
+                <a:latin typeface="黑体" panose="02010609060101010101" pitchFamily="49" charset="-122"/>
+                <a:ea typeface="黑体" panose="02010609060101010101" pitchFamily="49" charset="-122"/>
+              </a:rPr>
+              <a:t>图像，然后根据 </a:t>
+            </a:r>
+            <a:r>
+              <a:rPr lang="en-US" altLang="zh-CN" sz="2100">
+                <a:latin typeface="黑体" panose="02010609060101010101" pitchFamily="49" charset="-122"/>
+                <a:ea typeface="黑体" panose="02010609060101010101" pitchFamily="49" charset="-122"/>
+              </a:rPr>
+              <a:t>Pre-HR </a:t>
+            </a:r>
+            <a:r>
+              <a:rPr lang="zh-CN" altLang="en-US" sz="2100">
+                <a:latin typeface="黑体" panose="02010609060101010101" pitchFamily="49" charset="-122"/>
+                <a:ea typeface="黑体" panose="02010609060101010101" pitchFamily="49" charset="-122"/>
+              </a:rPr>
+              <a:t>图像局部的梯度信息来对图像块进行分类，对于不同类别的图像块对应采用不同的与训练的滤波器进行卷积操作对图像纹理进行增强。在足够的训练数据下，通过学习一组滤波器建立成对的 </a:t>
+            </a:r>
+            <a:r>
+              <a:rPr lang="en-US" altLang="zh-CN" sz="2100">
+                <a:latin typeface="黑体" panose="02010609060101010101" pitchFamily="49" charset="-122"/>
+                <a:ea typeface="黑体" panose="02010609060101010101" pitchFamily="49" charset="-122"/>
+              </a:rPr>
+              <a:t>LR patch</a:t>
+            </a:r>
+            <a:r>
+              <a:rPr lang="zh-CN" altLang="en-US" sz="2100">
+                <a:latin typeface="黑体" panose="02010609060101010101" pitchFamily="49" charset="-122"/>
+                <a:ea typeface="黑体" panose="02010609060101010101" pitchFamily="49" charset="-122"/>
+              </a:rPr>
+              <a:t>与 </a:t>
+            </a:r>
+            <a:r>
+              <a:rPr lang="en-US" altLang="zh-CN" sz="2100">
+                <a:latin typeface="黑体" panose="02010609060101010101" pitchFamily="49" charset="-122"/>
+                <a:ea typeface="黑体" panose="02010609060101010101" pitchFamily="49" charset="-122"/>
+              </a:rPr>
+              <a:t>HR </a:t>
+            </a:r>
+            <a:r>
+              <a:rPr lang="zh-CN" altLang="en-US" sz="2100">
+                <a:latin typeface="黑体" panose="02010609060101010101" pitchFamily="49" charset="-122"/>
+                <a:ea typeface="黑体" panose="02010609060101010101" pitchFamily="49" charset="-122"/>
+              </a:rPr>
+              <a:t>像素的映射关系。</a:t>
+            </a:r>
+            <a:endParaRPr lang="zh-CN" altLang="en-US" sz="2400">
+              <a:latin typeface="微软雅黑" panose="020B0503020204020204" pitchFamily="34" charset="-122"/>
+              <a:ea typeface="微软雅黑" panose="020B0503020204020204" pitchFamily="34" charset="-122"/>
+            </a:endParaRPr>
+          </a:p>
+        </p:txBody>
+      </p:sp>
+      <p:pic>
+        <p:nvPicPr>
+          <p:cNvPr id="23" name="图片 22" descr="图示&#10;&#10;描述已自动生成">
+            <a:extLst>
+              <a:ext uri="{FF2B5EF4-FFF2-40B4-BE49-F238E27FC236}">
+                <a16:creationId xmlns:a16="http://schemas.microsoft.com/office/drawing/2014/main" id="{B1D2B952-E11F-CCCF-E136-D25D6A51C641}"/>
+              </a:ext>
+            </a:extLst>
+          </p:cNvPr>
+          <p:cNvPicPr>
+            <a:picLocks noChangeAspect="1"/>
+          </p:cNvPicPr>
+          <p:nvPr/>
+        </p:nvPicPr>
+        <p:blipFill>
+          <a:blip r:embed="rId4"/>
+          <a:stretch>
+            <a:fillRect/>
+          </a:stretch>
+        </p:blipFill>
+        <p:spPr>
+          <a:xfrm>
+            <a:off x="7795372" y="625474"/>
+            <a:ext cx="4073160" cy="2864718"/>
+          </a:xfrm>
+          <a:prstGeom prst="rect">
+            <a:avLst/>
+          </a:prstGeom>
+        </p:spPr>
+      </p:pic>
+      <p:pic>
+        <p:nvPicPr>
+          <p:cNvPr id="29" name="图片 28">
+            <a:extLst>
+              <a:ext uri="{FF2B5EF4-FFF2-40B4-BE49-F238E27FC236}">
+                <a16:creationId xmlns:a16="http://schemas.microsoft.com/office/drawing/2014/main" id="{A3ABD8EF-502E-6005-FE60-21E41D554AE3}"/>
+              </a:ext>
+            </a:extLst>
+          </p:cNvPr>
+          <p:cNvPicPr>
+            <a:picLocks noChangeAspect="1"/>
+          </p:cNvPicPr>
+          <p:nvPr/>
+        </p:nvPicPr>
+        <p:blipFill>
+          <a:blip r:embed="rId5"/>
+          <a:stretch>
+            <a:fillRect/>
+          </a:stretch>
+        </p:blipFill>
+        <p:spPr>
+          <a:xfrm>
+            <a:off x="7866126" y="4182381"/>
+            <a:ext cx="4154275" cy="1318352"/>
+          </a:xfrm>
+          <a:prstGeom prst="rect">
+            <a:avLst/>
+          </a:prstGeom>
+          <a:noFill/>
+          <a:effectLst>
+            <a:softEdge rad="50800"/>
+          </a:effectLst>
+        </p:spPr>
+      </p:pic>
       <p:grpSp>
         <p:nvGrpSpPr>
-          <p:cNvPr id="16" name="组合 15">
+          <p:cNvPr id="13" name="组合 12">
             <a:extLst>
               <a:ext uri="{FF2B5EF4-FFF2-40B4-BE49-F238E27FC236}">
-                <a16:creationId xmlns:a16="http://schemas.microsoft.com/office/drawing/2014/main" id="{7C1831AB-A345-21BA-D7AC-73BA2DB6BD86}"/>
+                <a16:creationId xmlns:a16="http://schemas.microsoft.com/office/drawing/2014/main" id="{272A78C8-2A53-F186-5C15-6551A2B1C33B}"/>
               </a:ext>
             </a:extLst>
           </p:cNvPr>
@@ -38728,10 +41555,10 @@
         </p:nvGrpSpPr>
         <p:grpSpPr>
           <a:xfrm>
-            <a:off x="268105" y="240496"/>
-            <a:ext cx="3650400" cy="529201"/>
-            <a:chOff x="5750632" y="2729179"/>
-            <a:chExt cx="4867200" cy="705600"/>
+            <a:off x="38391" y="169639"/>
+            <a:ext cx="2455427" cy="530369"/>
+            <a:chOff x="5721594" y="289567"/>
+            <a:chExt cx="4866902" cy="707159"/>
           </a:xfrm>
           <a:solidFill>
             <a:srgbClr val="5A538C"/>
@@ -38739,10 +41566,10 @@
         </p:grpSpPr>
         <p:sp>
           <p:nvSpPr>
-            <p:cNvPr id="17" name="矩形 16">
+            <p:cNvPr id="14" name="矩形 13">
               <a:extLst>
                 <a:ext uri="{FF2B5EF4-FFF2-40B4-BE49-F238E27FC236}">
-                  <a16:creationId xmlns:a16="http://schemas.microsoft.com/office/drawing/2014/main" id="{B17E9B36-4B19-298D-AA4D-CFA38BDC43D3}"/>
+                  <a16:creationId xmlns:a16="http://schemas.microsoft.com/office/drawing/2014/main" id="{4355D424-2EBA-62DE-9567-D1DF0FED9BF4}"/>
                 </a:ext>
               </a:extLst>
             </p:cNvPr>
@@ -38751,8 +41578,8 @@
           </p:nvSpPr>
           <p:spPr>
             <a:xfrm>
-              <a:off x="5750632" y="2729179"/>
-              <a:ext cx="4867200" cy="705600"/>
+              <a:off x="5721594" y="289567"/>
+              <a:ext cx="4866902" cy="707159"/>
             </a:xfrm>
             <a:prstGeom prst="rect">
               <a:avLst/>
@@ -38800,10 +41627,10 @@
         </p:sp>
         <p:sp>
           <p:nvSpPr>
-            <p:cNvPr id="21" name="TextBox 64">
+            <p:cNvPr id="15" name="TextBox 64">
               <a:extLst>
                 <a:ext uri="{FF2B5EF4-FFF2-40B4-BE49-F238E27FC236}">
-                  <a16:creationId xmlns:a16="http://schemas.microsoft.com/office/drawing/2014/main" id="{A7CFC066-8B82-6BDB-ABF1-C7BE23BB75A4}"/>
+                  <a16:creationId xmlns:a16="http://schemas.microsoft.com/office/drawing/2014/main" id="{FBB5A920-A05F-80D5-2DDA-640437A3B21B}"/>
                 </a:ext>
               </a:extLst>
             </p:cNvPr>
@@ -38812,8 +41639,8 @@
           </p:nvSpPr>
           <p:spPr>
             <a:xfrm>
-              <a:off x="5796883" y="2836090"/>
-              <a:ext cx="3578847" cy="553996"/>
+              <a:off x="5796882" y="366596"/>
+              <a:ext cx="4170150" cy="553998"/>
             </a:xfrm>
             <a:prstGeom prst="rect">
               <a:avLst/>
@@ -38849,7 +41676,7 @@
                   <a:latin typeface="黑体" panose="02010609060101010101" pitchFamily="49" charset="-122"/>
                   <a:ea typeface="黑体" panose="02010609060101010101" pitchFamily="49" charset="-122"/>
                 </a:rPr>
-                <a:t>三、</a:t>
+                <a:t>一、算法介绍</a:t>
               </a:r>
               <a:r>
                 <a:rPr lang="en-US" altLang="zh-CN" sz="2100">
@@ -38859,19 +41686,9 @@
                   <a:latin typeface="黑体" panose="02010609060101010101" pitchFamily="49" charset="-122"/>
                   <a:ea typeface="黑体" panose="02010609060101010101" pitchFamily="49" charset="-122"/>
                 </a:rPr>
-                <a:t>FPGA</a:t>
+                <a:t> </a:t>
               </a:r>
-              <a:r>
-                <a:rPr lang="zh-CN" altLang="en-US" sz="2100">
-                  <a:solidFill>
-                    <a:schemeClr val="bg1"/>
-                  </a:solidFill>
-                  <a:latin typeface="黑体" panose="02010609060101010101" pitchFamily="49" charset="-122"/>
-                  <a:ea typeface="黑体" panose="02010609060101010101" pitchFamily="49" charset="-122"/>
-                </a:rPr>
-                <a:t>系统介绍</a:t>
-              </a:r>
-              <a:endParaRPr lang="zh-CN" altLang="en-US" sz="2100" dirty="0">
+              <a:endParaRPr lang="zh-CN" altLang="en-US" sz="2700" b="1" dirty="0">
                 <a:solidFill>
                   <a:schemeClr val="bg1"/>
                 </a:solidFill>
@@ -38888,7 +41705,396 @@
     </p:custDataLst>
     <p:extLst>
       <p:ext uri="{BB962C8B-B14F-4D97-AF65-F5344CB8AC3E}">
-        <p14:creationId xmlns:p14="http://schemas.microsoft.com/office/powerpoint/2010/main" val="3600296450"/>
+        <p14:creationId xmlns:p14="http://schemas.microsoft.com/office/powerpoint/2010/main" val="2848827135"/>
+      </p:ext>
+    </p:extLst>
+  </p:cSld>
+  <p:clrMapOvr>
+    <a:masterClrMapping/>
+  </p:clrMapOvr>
+  <mc:AlternateContent xmlns:mc="http://schemas.openxmlformats.org/markup-compatibility/2006" xmlns:p159="http://schemas.microsoft.com/office/powerpoint/2015/09/main">
+    <mc:Choice Requires="p159">
+      <p:transition xmlns:p14="http://schemas.microsoft.com/office/powerpoint/2010/main" spd="slow" p14:dur="1500" advTm="744">
+        <p159:morph option="byObject"/>
+      </p:transition>
+    </mc:Choice>
+    <mc:Fallback xmlns="">
+      <p:transition spd="slow" advTm="744">
+        <p:fade/>
+      </p:transition>
+    </mc:Fallback>
+  </mc:AlternateContent>
+</p:sld>
+</file>
+
+<file path=ppt/slides/slide30.xml><?xml version="1.0" encoding="utf-8"?>
+<p:sld xmlns:a="http://schemas.openxmlformats.org/drawingml/2006/main" xmlns:r="http://schemas.openxmlformats.org/officeDocument/2006/relationships" xmlns:p="http://schemas.openxmlformats.org/presentationml/2006/main">
+  <p:cSld>
+    <p:spTree>
+      <p:nvGrpSpPr>
+        <p:cNvPr id="1" name=""/>
+        <p:cNvGrpSpPr/>
+        <p:nvPr/>
+      </p:nvGrpSpPr>
+      <p:grpSpPr>
+        <a:xfrm>
+          <a:off x="0" y="0"/>
+          <a:ext cx="0" cy="0"/>
+          <a:chOff x="0" y="0"/>
+          <a:chExt cx="0" cy="0"/>
+        </a:xfrm>
+      </p:grpSpPr>
+      <p:pic>
+        <p:nvPicPr>
+          <p:cNvPr id="127" name="图片 126" descr="徽标&#10;&#10;描述已自动生成">
+            <a:extLst>
+              <a:ext uri="{FF2B5EF4-FFF2-40B4-BE49-F238E27FC236}">
+                <a16:creationId xmlns:a16="http://schemas.microsoft.com/office/drawing/2014/main" id="{14705DD9-1D21-253E-498C-E3530A0B41C0}"/>
+              </a:ext>
+            </a:extLst>
+          </p:cNvPr>
+          <p:cNvPicPr>
+            <a:picLocks noChangeAspect="1"/>
+          </p:cNvPicPr>
+          <p:nvPr/>
+        </p:nvPicPr>
+        <p:blipFill>
+          <a:blip r:embed="rId4"/>
+          <a:stretch>
+            <a:fillRect/>
+          </a:stretch>
+        </p:blipFill>
+        <p:spPr>
+          <a:xfrm>
+            <a:off x="10373272" y="0"/>
+            <a:ext cx="1732085" cy="832397"/>
+          </a:xfrm>
+          <a:prstGeom prst="rect">
+            <a:avLst/>
+          </a:prstGeom>
+        </p:spPr>
+      </p:pic>
+      <p:sp>
+        <p:nvSpPr>
+          <p:cNvPr id="128" name="矩形 127">
+            <a:extLst>
+              <a:ext uri="{FF2B5EF4-FFF2-40B4-BE49-F238E27FC236}">
+                <a16:creationId xmlns:a16="http://schemas.microsoft.com/office/drawing/2014/main" id="{CA826E88-EEAC-B7EA-5EDE-94700ED57B31}"/>
+              </a:ext>
+            </a:extLst>
+          </p:cNvPr>
+          <p:cNvSpPr/>
+          <p:nvPr/>
+        </p:nvSpPr>
+        <p:spPr>
+          <a:xfrm>
+            <a:off x="0" y="6578600"/>
+            <a:ext cx="12192000" cy="279401"/>
+          </a:xfrm>
+          <a:prstGeom prst="rect">
+            <a:avLst/>
+          </a:prstGeom>
+          <a:solidFill>
+            <a:srgbClr val="5A538C"/>
+          </a:solidFill>
+          <a:ln>
+            <a:noFill/>
+          </a:ln>
+        </p:spPr>
+        <p:style>
+          <a:lnRef idx="2">
+            <a:schemeClr val="accent1">
+              <a:shade val="50000"/>
+            </a:schemeClr>
+          </a:lnRef>
+          <a:fillRef idx="1">
+            <a:schemeClr val="accent1"/>
+          </a:fillRef>
+          <a:effectRef idx="0">
+            <a:schemeClr val="accent1"/>
+          </a:effectRef>
+          <a:fontRef idx="minor">
+            <a:schemeClr val="lt1"/>
+          </a:fontRef>
+        </p:style>
+        <p:txBody>
+          <a:bodyPr rtlCol="0" anchor="ctr"/>
+          <a:lstStyle/>
+          <a:p>
+            <a:pPr algn="ctr"/>
+            <a:endParaRPr lang="zh-CN" altLang="en-US" sz="1350"/>
+          </a:p>
+        </p:txBody>
+      </p:sp>
+      <p:sp>
+        <p:nvSpPr>
+          <p:cNvPr id="21" name="矩形 20">
+            <a:extLst>
+              <a:ext uri="{FF2B5EF4-FFF2-40B4-BE49-F238E27FC236}">
+                <a16:creationId xmlns:a16="http://schemas.microsoft.com/office/drawing/2014/main" id="{BAC097F8-4D31-E7A0-E027-92339C2CE9D0}"/>
+              </a:ext>
+            </a:extLst>
+          </p:cNvPr>
+          <p:cNvSpPr/>
+          <p:nvPr/>
+        </p:nvSpPr>
+        <p:spPr>
+          <a:xfrm>
+            <a:off x="2885303" y="215553"/>
+            <a:ext cx="2266014" cy="529201"/>
+          </a:xfrm>
+          <a:prstGeom prst="rect">
+            <a:avLst/>
+          </a:prstGeom>
+          <a:solidFill>
+            <a:schemeClr val="accent1">
+              <a:lumMod val="40000"/>
+              <a:lumOff val="60000"/>
+            </a:schemeClr>
+          </a:solidFill>
+          <a:ln>
+            <a:noFill/>
+          </a:ln>
+          <a:effectLst>
+            <a:outerShdw blurRad="50800" dist="38100" dir="2700000" algn="tl" rotWithShape="0">
+              <a:prstClr val="black">
+                <a:alpha val="40000"/>
+              </a:prstClr>
+            </a:outerShdw>
+          </a:effectLst>
+        </p:spPr>
+        <p:style>
+          <a:lnRef idx="2">
+            <a:schemeClr val="accent1">
+              <a:shade val="50000"/>
+            </a:schemeClr>
+          </a:lnRef>
+          <a:fillRef idx="1">
+            <a:schemeClr val="accent1"/>
+          </a:fillRef>
+          <a:effectRef idx="0">
+            <a:schemeClr val="accent1"/>
+          </a:effectRef>
+          <a:fontRef idx="minor">
+            <a:schemeClr val="lt1"/>
+          </a:fontRef>
+        </p:style>
+        <p:txBody>
+          <a:bodyPr rtlCol="0" anchor="ctr"/>
+          <a:lstStyle/>
+          <a:p>
+            <a:pPr algn="ctr"/>
+            <a:r>
+              <a:rPr lang="zh-CN" altLang="en-US" b="1" dirty="0">
+                <a:solidFill>
+                  <a:schemeClr val="bg2">
+                    <a:lumMod val="10000"/>
+                  </a:schemeClr>
+                </a:solidFill>
+              </a:rPr>
+              <a:t>系统框图</a:t>
+            </a:r>
+          </a:p>
+        </p:txBody>
+      </p:sp>
+      <p:grpSp>
+        <p:nvGrpSpPr>
+          <p:cNvPr id="18" name="组合 17">
+            <a:extLst>
+              <a:ext uri="{FF2B5EF4-FFF2-40B4-BE49-F238E27FC236}">
+                <a16:creationId xmlns:a16="http://schemas.microsoft.com/office/drawing/2014/main" id="{94A9B43C-D9AB-1E8A-0299-AE96BDA99845}"/>
+              </a:ext>
+            </a:extLst>
+          </p:cNvPr>
+          <p:cNvGrpSpPr/>
+          <p:nvPr/>
+        </p:nvGrpSpPr>
+        <p:grpSpPr>
+          <a:xfrm>
+            <a:off x="38392" y="169639"/>
+            <a:ext cx="3025320" cy="530369"/>
+            <a:chOff x="5721594" y="289567"/>
+            <a:chExt cx="4866902" cy="707159"/>
+          </a:xfrm>
+          <a:solidFill>
+            <a:srgbClr val="5A538C"/>
+          </a:solidFill>
+        </p:grpSpPr>
+        <p:sp>
+          <p:nvSpPr>
+            <p:cNvPr id="19" name="矩形 18">
+              <a:extLst>
+                <a:ext uri="{FF2B5EF4-FFF2-40B4-BE49-F238E27FC236}">
+                  <a16:creationId xmlns:a16="http://schemas.microsoft.com/office/drawing/2014/main" id="{95EA7CB1-884E-3C5B-E99D-2E94A5A73C94}"/>
+                </a:ext>
+              </a:extLst>
+            </p:cNvPr>
+            <p:cNvSpPr/>
+            <p:nvPr/>
+          </p:nvSpPr>
+          <p:spPr>
+            <a:xfrm>
+              <a:off x="5721594" y="289567"/>
+              <a:ext cx="4866902" cy="707159"/>
+            </a:xfrm>
+            <a:prstGeom prst="rect">
+              <a:avLst/>
+            </a:prstGeom>
+            <a:grpFill/>
+            <a:ln>
+              <a:noFill/>
+            </a:ln>
+            <a:effectLst>
+              <a:outerShdw blurRad="50800" dist="38100" dir="2700000" algn="tl" rotWithShape="0">
+                <a:prstClr val="black">
+                  <a:alpha val="40000"/>
+                </a:prstClr>
+              </a:outerShdw>
+            </a:effectLst>
+          </p:spPr>
+          <p:style>
+            <a:lnRef idx="2">
+              <a:schemeClr val="accent1">
+                <a:shade val="50000"/>
+              </a:schemeClr>
+            </a:lnRef>
+            <a:fillRef idx="1">
+              <a:schemeClr val="accent1"/>
+            </a:fillRef>
+            <a:effectRef idx="0">
+              <a:schemeClr val="accent1"/>
+            </a:effectRef>
+            <a:fontRef idx="minor">
+              <a:schemeClr val="lt1"/>
+            </a:fontRef>
+          </p:style>
+          <p:txBody>
+            <a:bodyPr rtlCol="0" anchor="ctr"/>
+            <a:lstStyle/>
+            <a:p>
+              <a:pPr algn="ctr"/>
+              <a:endParaRPr lang="zh-CN" altLang="en-US" sz="1350">
+                <a:solidFill>
+                  <a:schemeClr val="bg1"/>
+                </a:solidFill>
+              </a:endParaRPr>
+            </a:p>
+          </p:txBody>
+        </p:sp>
+        <p:sp>
+          <p:nvSpPr>
+            <p:cNvPr id="20" name="TextBox 64">
+              <a:extLst>
+                <a:ext uri="{FF2B5EF4-FFF2-40B4-BE49-F238E27FC236}">
+                  <a16:creationId xmlns:a16="http://schemas.microsoft.com/office/drawing/2014/main" id="{43F0CF1F-63E2-6DB0-73BA-7ECFC49FA69F}"/>
+                </a:ext>
+              </a:extLst>
+            </p:cNvPr>
+            <p:cNvSpPr txBox="1"/>
+            <p:nvPr/>
+          </p:nvSpPr>
+          <p:spPr>
+            <a:xfrm>
+              <a:off x="5796881" y="366596"/>
+              <a:ext cx="4791615" cy="553998"/>
+            </a:xfrm>
+            <a:prstGeom prst="rect">
+              <a:avLst/>
+            </a:prstGeom>
+            <a:grpFill/>
+          </p:spPr>
+          <p:txBody>
+            <a:bodyPr wrap="square" rtlCol="0">
+              <a:spAutoFit/>
+            </a:bodyPr>
+            <a:lstStyle>
+              <a:defPPr>
+                <a:defRPr lang="zh-CN"/>
+              </a:defPPr>
+              <a:lvl1pPr>
+                <a:defRPr sz="1800">
+                  <a:solidFill>
+                    <a:schemeClr val="tx1">
+                      <a:lumMod val="75000"/>
+                      <a:lumOff val="25000"/>
+                    </a:schemeClr>
+                  </a:solidFill>
+                </a:defRPr>
+              </a:lvl1pPr>
+            </a:lstStyle>
+            <a:p>
+              <a:pPr fontAlgn="ctr"/>
+              <a:r>
+                <a:rPr lang="zh-CN" altLang="en-US" sz="2100" dirty="0">
+                  <a:solidFill>
+                    <a:schemeClr val="bg1"/>
+                  </a:solidFill>
+                  <a:latin typeface="黑体" panose="02010609060101010101" pitchFamily="49" charset="-122"/>
+                  <a:ea typeface="黑体" panose="02010609060101010101" pitchFamily="49" charset="-122"/>
+                </a:rPr>
+                <a:t>三、</a:t>
+              </a:r>
+              <a:r>
+                <a:rPr lang="en-US" altLang="zh-CN" sz="2100" dirty="0">
+                  <a:solidFill>
+                    <a:schemeClr val="bg1"/>
+                  </a:solidFill>
+                  <a:latin typeface="黑体" panose="02010609060101010101" pitchFamily="49" charset="-122"/>
+                  <a:ea typeface="黑体" panose="02010609060101010101" pitchFamily="49" charset="-122"/>
+                </a:rPr>
+                <a:t>FPGA</a:t>
+              </a:r>
+              <a:r>
+                <a:rPr lang="zh-CN" altLang="en-US" sz="2100" dirty="0">
+                  <a:solidFill>
+                    <a:schemeClr val="bg1"/>
+                  </a:solidFill>
+                  <a:latin typeface="黑体" panose="02010609060101010101" pitchFamily="49" charset="-122"/>
+                  <a:ea typeface="黑体" panose="02010609060101010101" pitchFamily="49" charset="-122"/>
+                </a:rPr>
+                <a:t>系统介绍</a:t>
+              </a:r>
+            </a:p>
+          </p:txBody>
+        </p:sp>
+      </p:grpSp>
+      <p:pic>
+        <p:nvPicPr>
+          <p:cNvPr id="3" name="图片 2">
+            <a:extLst>
+              <a:ext uri="{FF2B5EF4-FFF2-40B4-BE49-F238E27FC236}">
+                <a16:creationId xmlns:a16="http://schemas.microsoft.com/office/drawing/2014/main" id="{E94F348B-54A5-B52A-3CC9-B671FB9C2F4A}"/>
+              </a:ext>
+            </a:extLst>
+          </p:cNvPr>
+          <p:cNvPicPr>
+            <a:picLocks noChangeAspect="1"/>
+          </p:cNvPicPr>
+          <p:nvPr/>
+        </p:nvPicPr>
+        <p:blipFill>
+          <a:blip r:embed="rId5"/>
+          <a:stretch>
+            <a:fillRect/>
+          </a:stretch>
+        </p:blipFill>
+        <p:spPr>
+          <a:xfrm>
+            <a:off x="1235075" y="825465"/>
+            <a:ext cx="9721850" cy="5461000"/>
+          </a:xfrm>
+          <a:prstGeom prst="rect">
+            <a:avLst/>
+          </a:prstGeom>
+        </p:spPr>
+      </p:pic>
+    </p:spTree>
+    <p:custDataLst>
+      <p:tags r:id="rId1"/>
+    </p:custDataLst>
+    <p:extLst>
+      <p:ext uri="{BB962C8B-B14F-4D97-AF65-F5344CB8AC3E}">
+        <p14:creationId xmlns:p14="http://schemas.microsoft.com/office/powerpoint/2010/main" val="3324653288"/>
       </p:ext>
     </p:extLst>
   </p:cSld>
@@ -38910,7 +42116,805 @@
 </p:sld>
 </file>
 
-<file path=ppt/slides/slide27.xml><?xml version="1.0" encoding="utf-8"?>
+<file path=ppt/slides/slide31.xml><?xml version="1.0" encoding="utf-8"?>
+<p:sld xmlns:a="http://schemas.openxmlformats.org/drawingml/2006/main" xmlns:r="http://schemas.openxmlformats.org/officeDocument/2006/relationships" xmlns:p="http://schemas.openxmlformats.org/presentationml/2006/main">
+  <p:cSld>
+    <p:spTree>
+      <p:nvGrpSpPr>
+        <p:cNvPr id="1" name=""/>
+        <p:cNvGrpSpPr/>
+        <p:nvPr/>
+      </p:nvGrpSpPr>
+      <p:grpSpPr>
+        <a:xfrm>
+          <a:off x="0" y="0"/>
+          <a:ext cx="0" cy="0"/>
+          <a:chOff x="0" y="0"/>
+          <a:chExt cx="0" cy="0"/>
+        </a:xfrm>
+      </p:grpSpPr>
+      <p:pic>
+        <p:nvPicPr>
+          <p:cNvPr id="127" name="图片 126" descr="徽标&#10;&#10;描述已自动生成">
+            <a:extLst>
+              <a:ext uri="{FF2B5EF4-FFF2-40B4-BE49-F238E27FC236}">
+                <a16:creationId xmlns:a16="http://schemas.microsoft.com/office/drawing/2014/main" id="{14705DD9-1D21-253E-498C-E3530A0B41C0}"/>
+              </a:ext>
+            </a:extLst>
+          </p:cNvPr>
+          <p:cNvPicPr>
+            <a:picLocks noChangeAspect="1"/>
+          </p:cNvPicPr>
+          <p:nvPr/>
+        </p:nvPicPr>
+        <p:blipFill>
+          <a:blip r:embed="rId4"/>
+          <a:stretch>
+            <a:fillRect/>
+          </a:stretch>
+        </p:blipFill>
+        <p:spPr>
+          <a:xfrm>
+            <a:off x="10373272" y="0"/>
+            <a:ext cx="1732085" cy="832397"/>
+          </a:xfrm>
+          <a:prstGeom prst="rect">
+            <a:avLst/>
+          </a:prstGeom>
+        </p:spPr>
+      </p:pic>
+      <p:sp>
+        <p:nvSpPr>
+          <p:cNvPr id="128" name="矩形 127">
+            <a:extLst>
+              <a:ext uri="{FF2B5EF4-FFF2-40B4-BE49-F238E27FC236}">
+                <a16:creationId xmlns:a16="http://schemas.microsoft.com/office/drawing/2014/main" id="{CA826E88-EEAC-B7EA-5EDE-94700ED57B31}"/>
+              </a:ext>
+            </a:extLst>
+          </p:cNvPr>
+          <p:cNvSpPr/>
+          <p:nvPr/>
+        </p:nvSpPr>
+        <p:spPr>
+          <a:xfrm>
+            <a:off x="0" y="6578600"/>
+            <a:ext cx="12192000" cy="279401"/>
+          </a:xfrm>
+          <a:prstGeom prst="rect">
+            <a:avLst/>
+          </a:prstGeom>
+          <a:solidFill>
+            <a:srgbClr val="5A538C"/>
+          </a:solidFill>
+          <a:ln>
+            <a:noFill/>
+          </a:ln>
+        </p:spPr>
+        <p:style>
+          <a:lnRef idx="2">
+            <a:schemeClr val="accent1">
+              <a:shade val="50000"/>
+            </a:schemeClr>
+          </a:lnRef>
+          <a:fillRef idx="1">
+            <a:schemeClr val="accent1"/>
+          </a:fillRef>
+          <a:effectRef idx="0">
+            <a:schemeClr val="accent1"/>
+          </a:effectRef>
+          <a:fontRef idx="minor">
+            <a:schemeClr val="lt1"/>
+          </a:fontRef>
+        </p:style>
+        <p:txBody>
+          <a:bodyPr rtlCol="0" anchor="ctr"/>
+          <a:lstStyle/>
+          <a:p>
+            <a:pPr algn="ctr"/>
+            <a:endParaRPr lang="zh-CN" altLang="en-US" sz="1350"/>
+          </a:p>
+        </p:txBody>
+      </p:sp>
+      <p:sp>
+        <p:nvSpPr>
+          <p:cNvPr id="21" name="矩形 20">
+            <a:extLst>
+              <a:ext uri="{FF2B5EF4-FFF2-40B4-BE49-F238E27FC236}">
+                <a16:creationId xmlns:a16="http://schemas.microsoft.com/office/drawing/2014/main" id="{BAC097F8-4D31-E7A0-E027-92339C2CE9D0}"/>
+              </a:ext>
+            </a:extLst>
+          </p:cNvPr>
+          <p:cNvSpPr/>
+          <p:nvPr/>
+        </p:nvSpPr>
+        <p:spPr>
+          <a:xfrm>
+            <a:off x="2885303" y="215553"/>
+            <a:ext cx="2266014" cy="529201"/>
+          </a:xfrm>
+          <a:prstGeom prst="rect">
+            <a:avLst/>
+          </a:prstGeom>
+          <a:solidFill>
+            <a:schemeClr val="accent1">
+              <a:lumMod val="40000"/>
+              <a:lumOff val="60000"/>
+            </a:schemeClr>
+          </a:solidFill>
+          <a:ln>
+            <a:noFill/>
+          </a:ln>
+          <a:effectLst>
+            <a:outerShdw blurRad="50800" dist="38100" dir="2700000" algn="tl" rotWithShape="0">
+              <a:prstClr val="black">
+                <a:alpha val="40000"/>
+              </a:prstClr>
+            </a:outerShdw>
+          </a:effectLst>
+        </p:spPr>
+        <p:style>
+          <a:lnRef idx="2">
+            <a:schemeClr val="accent1">
+              <a:shade val="50000"/>
+            </a:schemeClr>
+          </a:lnRef>
+          <a:fillRef idx="1">
+            <a:schemeClr val="accent1"/>
+          </a:fillRef>
+          <a:effectRef idx="0">
+            <a:schemeClr val="accent1"/>
+          </a:effectRef>
+          <a:fontRef idx="minor">
+            <a:schemeClr val="lt1"/>
+          </a:fontRef>
+        </p:style>
+        <p:txBody>
+          <a:bodyPr rtlCol="0" anchor="ctr"/>
+          <a:lstStyle/>
+          <a:p>
+            <a:pPr algn="ctr"/>
+            <a:r>
+              <a:rPr lang="en-US" altLang="zh-CN" b="1" dirty="0">
+                <a:solidFill>
+                  <a:schemeClr val="bg2">
+                    <a:lumMod val="10000"/>
+                  </a:schemeClr>
+                </a:solidFill>
+              </a:rPr>
+              <a:t>Web</a:t>
+            </a:r>
+            <a:r>
+              <a:rPr lang="zh-CN" altLang="en-US" b="1" dirty="0">
+                <a:solidFill>
+                  <a:schemeClr val="bg2">
+                    <a:lumMod val="10000"/>
+                  </a:schemeClr>
+                </a:solidFill>
+              </a:rPr>
+              <a:t>服务使用介绍</a:t>
+            </a:r>
+          </a:p>
+        </p:txBody>
+      </p:sp>
+      <p:grpSp>
+        <p:nvGrpSpPr>
+          <p:cNvPr id="18" name="组合 17">
+            <a:extLst>
+              <a:ext uri="{FF2B5EF4-FFF2-40B4-BE49-F238E27FC236}">
+                <a16:creationId xmlns:a16="http://schemas.microsoft.com/office/drawing/2014/main" id="{94A9B43C-D9AB-1E8A-0299-AE96BDA99845}"/>
+              </a:ext>
+            </a:extLst>
+          </p:cNvPr>
+          <p:cNvGrpSpPr/>
+          <p:nvPr/>
+        </p:nvGrpSpPr>
+        <p:grpSpPr>
+          <a:xfrm>
+            <a:off x="38392" y="169639"/>
+            <a:ext cx="3025320" cy="530369"/>
+            <a:chOff x="5721594" y="289567"/>
+            <a:chExt cx="4866902" cy="707159"/>
+          </a:xfrm>
+          <a:solidFill>
+            <a:srgbClr val="5A538C"/>
+          </a:solidFill>
+        </p:grpSpPr>
+        <p:sp>
+          <p:nvSpPr>
+            <p:cNvPr id="19" name="矩形 18">
+              <a:extLst>
+                <a:ext uri="{FF2B5EF4-FFF2-40B4-BE49-F238E27FC236}">
+                  <a16:creationId xmlns:a16="http://schemas.microsoft.com/office/drawing/2014/main" id="{95EA7CB1-884E-3C5B-E99D-2E94A5A73C94}"/>
+                </a:ext>
+              </a:extLst>
+            </p:cNvPr>
+            <p:cNvSpPr/>
+            <p:nvPr/>
+          </p:nvSpPr>
+          <p:spPr>
+            <a:xfrm>
+              <a:off x="5721594" y="289567"/>
+              <a:ext cx="4866902" cy="707159"/>
+            </a:xfrm>
+            <a:prstGeom prst="rect">
+              <a:avLst/>
+            </a:prstGeom>
+            <a:grpFill/>
+            <a:ln>
+              <a:noFill/>
+            </a:ln>
+            <a:effectLst>
+              <a:outerShdw blurRad="50800" dist="38100" dir="2700000" algn="tl" rotWithShape="0">
+                <a:prstClr val="black">
+                  <a:alpha val="40000"/>
+                </a:prstClr>
+              </a:outerShdw>
+            </a:effectLst>
+          </p:spPr>
+          <p:style>
+            <a:lnRef idx="2">
+              <a:schemeClr val="accent1">
+                <a:shade val="50000"/>
+              </a:schemeClr>
+            </a:lnRef>
+            <a:fillRef idx="1">
+              <a:schemeClr val="accent1"/>
+            </a:fillRef>
+            <a:effectRef idx="0">
+              <a:schemeClr val="accent1"/>
+            </a:effectRef>
+            <a:fontRef idx="minor">
+              <a:schemeClr val="lt1"/>
+            </a:fontRef>
+          </p:style>
+          <p:txBody>
+            <a:bodyPr rtlCol="0" anchor="ctr"/>
+            <a:lstStyle/>
+            <a:p>
+              <a:pPr algn="ctr"/>
+              <a:endParaRPr lang="zh-CN" altLang="en-US" sz="1350">
+                <a:solidFill>
+                  <a:schemeClr val="bg1"/>
+                </a:solidFill>
+              </a:endParaRPr>
+            </a:p>
+          </p:txBody>
+        </p:sp>
+        <p:sp>
+          <p:nvSpPr>
+            <p:cNvPr id="20" name="TextBox 64">
+              <a:extLst>
+                <a:ext uri="{FF2B5EF4-FFF2-40B4-BE49-F238E27FC236}">
+                  <a16:creationId xmlns:a16="http://schemas.microsoft.com/office/drawing/2014/main" id="{43F0CF1F-63E2-6DB0-73BA-7ECFC49FA69F}"/>
+                </a:ext>
+              </a:extLst>
+            </p:cNvPr>
+            <p:cNvSpPr txBox="1"/>
+            <p:nvPr/>
+          </p:nvSpPr>
+          <p:spPr>
+            <a:xfrm>
+              <a:off x="5796881" y="366596"/>
+              <a:ext cx="4791615" cy="553998"/>
+            </a:xfrm>
+            <a:prstGeom prst="rect">
+              <a:avLst/>
+            </a:prstGeom>
+            <a:grpFill/>
+          </p:spPr>
+          <p:txBody>
+            <a:bodyPr wrap="square" rtlCol="0">
+              <a:spAutoFit/>
+            </a:bodyPr>
+            <a:lstStyle>
+              <a:defPPr>
+                <a:defRPr lang="zh-CN"/>
+              </a:defPPr>
+              <a:lvl1pPr>
+                <a:defRPr sz="1800">
+                  <a:solidFill>
+                    <a:schemeClr val="tx1">
+                      <a:lumMod val="75000"/>
+                      <a:lumOff val="25000"/>
+                    </a:schemeClr>
+                  </a:solidFill>
+                </a:defRPr>
+              </a:lvl1pPr>
+            </a:lstStyle>
+            <a:p>
+              <a:pPr fontAlgn="ctr"/>
+              <a:r>
+                <a:rPr lang="zh-CN" altLang="en-US" sz="2100" dirty="0">
+                  <a:solidFill>
+                    <a:schemeClr val="bg1"/>
+                  </a:solidFill>
+                  <a:latin typeface="黑体" panose="02010609060101010101" pitchFamily="49" charset="-122"/>
+                  <a:ea typeface="黑体" panose="02010609060101010101" pitchFamily="49" charset="-122"/>
+                </a:rPr>
+                <a:t>三、</a:t>
+              </a:r>
+              <a:r>
+                <a:rPr lang="en-US" altLang="zh-CN" sz="2100" dirty="0">
+                  <a:solidFill>
+                    <a:schemeClr val="bg1"/>
+                  </a:solidFill>
+                  <a:latin typeface="黑体" panose="02010609060101010101" pitchFamily="49" charset="-122"/>
+                  <a:ea typeface="黑体" panose="02010609060101010101" pitchFamily="49" charset="-122"/>
+                </a:rPr>
+                <a:t>FPGA</a:t>
+              </a:r>
+              <a:r>
+                <a:rPr lang="zh-CN" altLang="en-US" sz="2100" dirty="0">
+                  <a:solidFill>
+                    <a:schemeClr val="bg1"/>
+                  </a:solidFill>
+                  <a:latin typeface="黑体" panose="02010609060101010101" pitchFamily="49" charset="-122"/>
+                  <a:ea typeface="黑体" panose="02010609060101010101" pitchFamily="49" charset="-122"/>
+                </a:rPr>
+                <a:t>系统介绍</a:t>
+              </a:r>
+            </a:p>
+          </p:txBody>
+        </p:sp>
+      </p:grpSp>
+      <p:pic>
+        <p:nvPicPr>
+          <p:cNvPr id="4" name="图片 3" descr="图形用户界面, 应用程序&#10;&#10;描述已自动生成">
+            <a:extLst>
+              <a:ext uri="{FF2B5EF4-FFF2-40B4-BE49-F238E27FC236}">
+                <a16:creationId xmlns:a16="http://schemas.microsoft.com/office/drawing/2014/main" id="{3342E2B6-9D5D-2A6B-AD9D-A3BB2FCE0887}"/>
+              </a:ext>
+            </a:extLst>
+          </p:cNvPr>
+          <p:cNvPicPr>
+            <a:picLocks noChangeAspect="1"/>
+          </p:cNvPicPr>
+          <p:nvPr/>
+        </p:nvPicPr>
+        <p:blipFill>
+          <a:blip r:embed="rId5"/>
+          <a:stretch>
+            <a:fillRect/>
+          </a:stretch>
+        </p:blipFill>
+        <p:spPr>
+          <a:xfrm>
+            <a:off x="1401479" y="1034305"/>
+            <a:ext cx="9521972" cy="5356109"/>
+          </a:xfrm>
+          <a:prstGeom prst="rect">
+            <a:avLst/>
+          </a:prstGeom>
+        </p:spPr>
+      </p:pic>
+    </p:spTree>
+    <p:custDataLst>
+      <p:tags r:id="rId1"/>
+    </p:custDataLst>
+    <p:extLst>
+      <p:ext uri="{BB962C8B-B14F-4D97-AF65-F5344CB8AC3E}">
+        <p14:creationId xmlns:p14="http://schemas.microsoft.com/office/powerpoint/2010/main" val="1007203103"/>
+      </p:ext>
+    </p:extLst>
+  </p:cSld>
+  <p:clrMapOvr>
+    <a:masterClrMapping/>
+  </p:clrMapOvr>
+  <mc:AlternateContent xmlns:mc="http://schemas.openxmlformats.org/markup-compatibility/2006" xmlns:p159="http://schemas.microsoft.com/office/powerpoint/2015/09/main">
+    <mc:Choice Requires="p159">
+      <p:transition xmlns:p14="http://schemas.microsoft.com/office/powerpoint/2010/main" spd="slow" p14:dur="2000" advTm="744">
+        <p159:morph option="byObject"/>
+      </p:transition>
+    </mc:Choice>
+    <mc:Fallback xmlns="">
+      <p:transition spd="slow" advTm="744">
+        <p:fade/>
+      </p:transition>
+    </mc:Fallback>
+  </mc:AlternateContent>
+</p:sld>
+</file>
+
+<file path=ppt/slides/slide32.xml><?xml version="1.0" encoding="utf-8"?>
+<p:sld xmlns:a="http://schemas.openxmlformats.org/drawingml/2006/main" xmlns:r="http://schemas.openxmlformats.org/officeDocument/2006/relationships" xmlns:p="http://schemas.openxmlformats.org/presentationml/2006/main">
+  <p:cSld>
+    <p:spTree>
+      <p:nvGrpSpPr>
+        <p:cNvPr id="1" name=""/>
+        <p:cNvGrpSpPr/>
+        <p:nvPr/>
+      </p:nvGrpSpPr>
+      <p:grpSpPr>
+        <a:xfrm>
+          <a:off x="0" y="0"/>
+          <a:ext cx="0" cy="0"/>
+          <a:chOff x="0" y="0"/>
+          <a:chExt cx="0" cy="0"/>
+        </a:xfrm>
+      </p:grpSpPr>
+      <p:pic>
+        <p:nvPicPr>
+          <p:cNvPr id="127" name="图片 126" descr="徽标&#10;&#10;描述已自动生成">
+            <a:extLst>
+              <a:ext uri="{FF2B5EF4-FFF2-40B4-BE49-F238E27FC236}">
+                <a16:creationId xmlns:a16="http://schemas.microsoft.com/office/drawing/2014/main" id="{14705DD9-1D21-253E-498C-E3530A0B41C0}"/>
+              </a:ext>
+            </a:extLst>
+          </p:cNvPr>
+          <p:cNvPicPr>
+            <a:picLocks noChangeAspect="1"/>
+          </p:cNvPicPr>
+          <p:nvPr/>
+        </p:nvPicPr>
+        <p:blipFill>
+          <a:blip r:embed="rId4"/>
+          <a:stretch>
+            <a:fillRect/>
+          </a:stretch>
+        </p:blipFill>
+        <p:spPr>
+          <a:xfrm>
+            <a:off x="10373272" y="0"/>
+            <a:ext cx="1732085" cy="832397"/>
+          </a:xfrm>
+          <a:prstGeom prst="rect">
+            <a:avLst/>
+          </a:prstGeom>
+        </p:spPr>
+      </p:pic>
+      <p:sp>
+        <p:nvSpPr>
+          <p:cNvPr id="128" name="矩形 127">
+            <a:extLst>
+              <a:ext uri="{FF2B5EF4-FFF2-40B4-BE49-F238E27FC236}">
+                <a16:creationId xmlns:a16="http://schemas.microsoft.com/office/drawing/2014/main" id="{CA826E88-EEAC-B7EA-5EDE-94700ED57B31}"/>
+              </a:ext>
+            </a:extLst>
+          </p:cNvPr>
+          <p:cNvSpPr/>
+          <p:nvPr/>
+        </p:nvSpPr>
+        <p:spPr>
+          <a:xfrm>
+            <a:off x="0" y="6578600"/>
+            <a:ext cx="12192000" cy="279401"/>
+          </a:xfrm>
+          <a:prstGeom prst="rect">
+            <a:avLst/>
+          </a:prstGeom>
+          <a:solidFill>
+            <a:srgbClr val="5A538C"/>
+          </a:solidFill>
+          <a:ln>
+            <a:noFill/>
+          </a:ln>
+        </p:spPr>
+        <p:style>
+          <a:lnRef idx="2">
+            <a:schemeClr val="accent1">
+              <a:shade val="50000"/>
+            </a:schemeClr>
+          </a:lnRef>
+          <a:fillRef idx="1">
+            <a:schemeClr val="accent1"/>
+          </a:fillRef>
+          <a:effectRef idx="0">
+            <a:schemeClr val="accent1"/>
+          </a:effectRef>
+          <a:fontRef idx="minor">
+            <a:schemeClr val="lt1"/>
+          </a:fontRef>
+        </p:style>
+        <p:txBody>
+          <a:bodyPr rtlCol="0" anchor="ctr"/>
+          <a:lstStyle/>
+          <a:p>
+            <a:pPr algn="ctr"/>
+            <a:endParaRPr lang="zh-CN" altLang="en-US" sz="1350"/>
+          </a:p>
+        </p:txBody>
+      </p:sp>
+      <p:sp>
+        <p:nvSpPr>
+          <p:cNvPr id="21" name="矩形 20">
+            <a:extLst>
+              <a:ext uri="{FF2B5EF4-FFF2-40B4-BE49-F238E27FC236}">
+                <a16:creationId xmlns:a16="http://schemas.microsoft.com/office/drawing/2014/main" id="{BAC097F8-4D31-E7A0-E027-92339C2CE9D0}"/>
+              </a:ext>
+            </a:extLst>
+          </p:cNvPr>
+          <p:cNvSpPr/>
+          <p:nvPr/>
+        </p:nvSpPr>
+        <p:spPr>
+          <a:xfrm>
+            <a:off x="2885303" y="215553"/>
+            <a:ext cx="2266014" cy="529201"/>
+          </a:xfrm>
+          <a:prstGeom prst="rect">
+            <a:avLst/>
+          </a:prstGeom>
+          <a:solidFill>
+            <a:schemeClr val="accent1">
+              <a:lumMod val="40000"/>
+              <a:lumOff val="60000"/>
+            </a:schemeClr>
+          </a:solidFill>
+          <a:ln>
+            <a:noFill/>
+          </a:ln>
+          <a:effectLst>
+            <a:outerShdw blurRad="50800" dist="38100" dir="2700000" algn="tl" rotWithShape="0">
+              <a:prstClr val="black">
+                <a:alpha val="40000"/>
+              </a:prstClr>
+            </a:outerShdw>
+          </a:effectLst>
+        </p:spPr>
+        <p:style>
+          <a:lnRef idx="2">
+            <a:schemeClr val="accent1">
+              <a:shade val="50000"/>
+            </a:schemeClr>
+          </a:lnRef>
+          <a:fillRef idx="1">
+            <a:schemeClr val="accent1"/>
+          </a:fillRef>
+          <a:effectRef idx="0">
+            <a:schemeClr val="accent1"/>
+          </a:effectRef>
+          <a:fontRef idx="minor">
+            <a:schemeClr val="lt1"/>
+          </a:fontRef>
+        </p:style>
+        <p:txBody>
+          <a:bodyPr rtlCol="0" anchor="ctr"/>
+          <a:lstStyle/>
+          <a:p>
+            <a:pPr algn="ctr"/>
+            <a:r>
+              <a:rPr lang="en-US" altLang="zh-CN" b="1" dirty="0">
+                <a:solidFill>
+                  <a:schemeClr val="bg2">
+                    <a:lumMod val="10000"/>
+                  </a:schemeClr>
+                </a:solidFill>
+              </a:rPr>
+              <a:t>Web</a:t>
+            </a:r>
+            <a:r>
+              <a:rPr lang="zh-CN" altLang="en-US" b="1" dirty="0">
+                <a:solidFill>
+                  <a:schemeClr val="bg2">
+                    <a:lumMod val="10000"/>
+                  </a:schemeClr>
+                </a:solidFill>
+              </a:rPr>
+              <a:t>服务使用介绍</a:t>
+            </a:r>
+          </a:p>
+        </p:txBody>
+      </p:sp>
+      <p:grpSp>
+        <p:nvGrpSpPr>
+          <p:cNvPr id="18" name="组合 17">
+            <a:extLst>
+              <a:ext uri="{FF2B5EF4-FFF2-40B4-BE49-F238E27FC236}">
+                <a16:creationId xmlns:a16="http://schemas.microsoft.com/office/drawing/2014/main" id="{94A9B43C-D9AB-1E8A-0299-AE96BDA99845}"/>
+              </a:ext>
+            </a:extLst>
+          </p:cNvPr>
+          <p:cNvGrpSpPr/>
+          <p:nvPr/>
+        </p:nvGrpSpPr>
+        <p:grpSpPr>
+          <a:xfrm>
+            <a:off x="38392" y="169639"/>
+            <a:ext cx="3025320" cy="530369"/>
+            <a:chOff x="5721594" y="289567"/>
+            <a:chExt cx="4866902" cy="707159"/>
+          </a:xfrm>
+          <a:solidFill>
+            <a:srgbClr val="5A538C"/>
+          </a:solidFill>
+        </p:grpSpPr>
+        <p:sp>
+          <p:nvSpPr>
+            <p:cNvPr id="19" name="矩形 18">
+              <a:extLst>
+                <a:ext uri="{FF2B5EF4-FFF2-40B4-BE49-F238E27FC236}">
+                  <a16:creationId xmlns:a16="http://schemas.microsoft.com/office/drawing/2014/main" id="{95EA7CB1-884E-3C5B-E99D-2E94A5A73C94}"/>
+                </a:ext>
+              </a:extLst>
+            </p:cNvPr>
+            <p:cNvSpPr/>
+            <p:nvPr/>
+          </p:nvSpPr>
+          <p:spPr>
+            <a:xfrm>
+              <a:off x="5721594" y="289567"/>
+              <a:ext cx="4866902" cy="707159"/>
+            </a:xfrm>
+            <a:prstGeom prst="rect">
+              <a:avLst/>
+            </a:prstGeom>
+            <a:grpFill/>
+            <a:ln>
+              <a:noFill/>
+            </a:ln>
+            <a:effectLst>
+              <a:outerShdw blurRad="50800" dist="38100" dir="2700000" algn="tl" rotWithShape="0">
+                <a:prstClr val="black">
+                  <a:alpha val="40000"/>
+                </a:prstClr>
+              </a:outerShdw>
+            </a:effectLst>
+          </p:spPr>
+          <p:style>
+            <a:lnRef idx="2">
+              <a:schemeClr val="accent1">
+                <a:shade val="50000"/>
+              </a:schemeClr>
+            </a:lnRef>
+            <a:fillRef idx="1">
+              <a:schemeClr val="accent1"/>
+            </a:fillRef>
+            <a:effectRef idx="0">
+              <a:schemeClr val="accent1"/>
+            </a:effectRef>
+            <a:fontRef idx="minor">
+              <a:schemeClr val="lt1"/>
+            </a:fontRef>
+          </p:style>
+          <p:txBody>
+            <a:bodyPr rtlCol="0" anchor="ctr"/>
+            <a:lstStyle/>
+            <a:p>
+              <a:pPr algn="ctr"/>
+              <a:endParaRPr lang="zh-CN" altLang="en-US" sz="1350">
+                <a:solidFill>
+                  <a:schemeClr val="bg1"/>
+                </a:solidFill>
+              </a:endParaRPr>
+            </a:p>
+          </p:txBody>
+        </p:sp>
+        <p:sp>
+          <p:nvSpPr>
+            <p:cNvPr id="20" name="TextBox 64">
+              <a:extLst>
+                <a:ext uri="{FF2B5EF4-FFF2-40B4-BE49-F238E27FC236}">
+                  <a16:creationId xmlns:a16="http://schemas.microsoft.com/office/drawing/2014/main" id="{43F0CF1F-63E2-6DB0-73BA-7ECFC49FA69F}"/>
+                </a:ext>
+              </a:extLst>
+            </p:cNvPr>
+            <p:cNvSpPr txBox="1"/>
+            <p:nvPr/>
+          </p:nvSpPr>
+          <p:spPr>
+            <a:xfrm>
+              <a:off x="5796881" y="366596"/>
+              <a:ext cx="4791615" cy="553998"/>
+            </a:xfrm>
+            <a:prstGeom prst="rect">
+              <a:avLst/>
+            </a:prstGeom>
+            <a:grpFill/>
+          </p:spPr>
+          <p:txBody>
+            <a:bodyPr wrap="square" rtlCol="0">
+              <a:spAutoFit/>
+            </a:bodyPr>
+            <a:lstStyle>
+              <a:defPPr>
+                <a:defRPr lang="zh-CN"/>
+              </a:defPPr>
+              <a:lvl1pPr>
+                <a:defRPr sz="1800">
+                  <a:solidFill>
+                    <a:schemeClr val="tx1">
+                      <a:lumMod val="75000"/>
+                      <a:lumOff val="25000"/>
+                    </a:schemeClr>
+                  </a:solidFill>
+                </a:defRPr>
+              </a:lvl1pPr>
+            </a:lstStyle>
+            <a:p>
+              <a:pPr fontAlgn="ctr"/>
+              <a:r>
+                <a:rPr lang="zh-CN" altLang="en-US" sz="2100" dirty="0">
+                  <a:solidFill>
+                    <a:schemeClr val="bg1"/>
+                  </a:solidFill>
+                  <a:latin typeface="黑体" panose="02010609060101010101" pitchFamily="49" charset="-122"/>
+                  <a:ea typeface="黑体" panose="02010609060101010101" pitchFamily="49" charset="-122"/>
+                </a:rPr>
+                <a:t>三、</a:t>
+              </a:r>
+              <a:r>
+                <a:rPr lang="en-US" altLang="zh-CN" sz="2100" dirty="0">
+                  <a:solidFill>
+                    <a:schemeClr val="bg1"/>
+                  </a:solidFill>
+                  <a:latin typeface="黑体" panose="02010609060101010101" pitchFamily="49" charset="-122"/>
+                  <a:ea typeface="黑体" panose="02010609060101010101" pitchFamily="49" charset="-122"/>
+                </a:rPr>
+                <a:t>FPGA</a:t>
+              </a:r>
+              <a:r>
+                <a:rPr lang="zh-CN" altLang="en-US" sz="2100" dirty="0">
+                  <a:solidFill>
+                    <a:schemeClr val="bg1"/>
+                  </a:solidFill>
+                  <a:latin typeface="黑体" panose="02010609060101010101" pitchFamily="49" charset="-122"/>
+                  <a:ea typeface="黑体" panose="02010609060101010101" pitchFamily="49" charset="-122"/>
+                </a:rPr>
+                <a:t>系统介绍</a:t>
+              </a:r>
+            </a:p>
+          </p:txBody>
+        </p:sp>
+      </p:grpSp>
+      <p:pic>
+        <p:nvPicPr>
+          <p:cNvPr id="3" name="图片 2" descr="电脑软件截图&#10;&#10;描述已自动生成">
+            <a:extLst>
+              <a:ext uri="{FF2B5EF4-FFF2-40B4-BE49-F238E27FC236}">
+                <a16:creationId xmlns:a16="http://schemas.microsoft.com/office/drawing/2014/main" id="{2F98A9E1-5061-7927-D560-A236E194CD37}"/>
+              </a:ext>
+            </a:extLst>
+          </p:cNvPr>
+          <p:cNvPicPr>
+            <a:picLocks noChangeAspect="1"/>
+          </p:cNvPicPr>
+          <p:nvPr/>
+        </p:nvPicPr>
+        <p:blipFill>
+          <a:blip r:embed="rId5"/>
+          <a:stretch>
+            <a:fillRect/>
+          </a:stretch>
+        </p:blipFill>
+        <p:spPr>
+          <a:xfrm>
+            <a:off x="1504950" y="954829"/>
+            <a:ext cx="9493250" cy="5339953"/>
+          </a:xfrm>
+          <a:prstGeom prst="rect">
+            <a:avLst/>
+          </a:prstGeom>
+        </p:spPr>
+      </p:pic>
+    </p:spTree>
+    <p:custDataLst>
+      <p:tags r:id="rId1"/>
+    </p:custDataLst>
+    <p:extLst>
+      <p:ext uri="{BB962C8B-B14F-4D97-AF65-F5344CB8AC3E}">
+        <p14:creationId xmlns:p14="http://schemas.microsoft.com/office/powerpoint/2010/main" val="452996578"/>
+      </p:ext>
+    </p:extLst>
+  </p:cSld>
+  <p:clrMapOvr>
+    <a:masterClrMapping/>
+  </p:clrMapOvr>
+  <mc:AlternateContent xmlns:mc="http://schemas.openxmlformats.org/markup-compatibility/2006" xmlns:p159="http://schemas.microsoft.com/office/powerpoint/2015/09/main">
+    <mc:Choice Requires="p159">
+      <p:transition xmlns:p14="http://schemas.microsoft.com/office/powerpoint/2010/main" spd="slow" p14:dur="2000" advTm="744">
+        <p159:morph option="byObject"/>
+      </p:transition>
+    </mc:Choice>
+    <mc:Fallback xmlns="">
+      <p:transition spd="slow" advTm="744">
+        <p:fade/>
+      </p:transition>
+    </mc:Fallback>
+  </mc:AlternateContent>
+</p:sld>
+</file>
+
+<file path=ppt/slides/slide33.xml><?xml version="1.0" encoding="utf-8"?>
 <p:sld xmlns:a="http://schemas.openxmlformats.org/drawingml/2006/main" xmlns:r="http://schemas.openxmlformats.org/officeDocument/2006/relationships" xmlns:p="http://schemas.openxmlformats.org/presentationml/2006/main">
   <p:cSld>
     <p:spTree>
@@ -39372,7 +43376,7 @@
             <a:fld id="{7E3AF99F-76E7-41BC-BC3B-28E0C2273351}" type="slidenum">
               <a:rPr lang="zh-CN" altLang="en-US" smtClean="0"/>
               <a:pPr/>
-              <a:t>27</a:t>
+              <a:t>33</a:t>
             </a:fld>
             <a:endParaRPr lang="zh-CN" altLang="en-US" dirty="0"/>
           </a:p>
@@ -39463,1297 +43467,13 @@
     </p:spTree>
     <p:extLst>
       <p:ext uri="{BB962C8B-B14F-4D97-AF65-F5344CB8AC3E}">
-        <p14:creationId xmlns:p14="http://schemas.microsoft.com/office/powerpoint/2010/main" val="19110279"/>
+        <p14:creationId xmlns:p14="http://schemas.microsoft.com/office/powerpoint/2010/main" val="1780495731"/>
       </p:ext>
     </p:extLst>
   </p:cSld>
   <p:clrMapOvr>
     <a:masterClrMapping/>
   </p:clrMapOvr>
-</p:sld>
-</file>
-
-<file path=ppt/slides/slide3.xml><?xml version="1.0" encoding="utf-8"?>
-<p:sld xmlns:a="http://schemas.openxmlformats.org/drawingml/2006/main" xmlns:r="http://schemas.openxmlformats.org/officeDocument/2006/relationships" xmlns:p="http://schemas.openxmlformats.org/presentationml/2006/main">
-  <p:cSld>
-    <p:spTree>
-      <p:nvGrpSpPr>
-        <p:cNvPr id="1" name=""/>
-        <p:cNvGrpSpPr/>
-        <p:nvPr/>
-      </p:nvGrpSpPr>
-      <p:grpSpPr>
-        <a:xfrm>
-          <a:off x="0" y="0"/>
-          <a:ext cx="0" cy="0"/>
-          <a:chOff x="0" y="0"/>
-          <a:chExt cx="0" cy="0"/>
-        </a:xfrm>
-      </p:grpSpPr>
-      <p:sp>
-        <p:nvSpPr>
-          <p:cNvPr id="136" name="Rectangle 132">
-            <a:extLst>
-              <a:ext uri="{FF2B5EF4-FFF2-40B4-BE49-F238E27FC236}">
-                <a16:creationId xmlns:a16="http://schemas.microsoft.com/office/drawing/2014/main" id="{F3060C83-F051-4F0E-ABAD-AA0DFC48B218}"/>
-              </a:ext>
-              <a:ext uri="{C183D7F6-B498-43B3-948B-1728B52AA6E4}">
-                <adec:decorative xmlns:adec="http://schemas.microsoft.com/office/drawing/2017/decorative" val="1"/>
-              </a:ext>
-            </a:extLst>
-          </p:cNvPr>
-          <p:cNvSpPr>
-            <a:spLocks noGrp="1" noRot="1" noChangeAspect="1" noMove="1" noResize="1" noEditPoints="1" noAdjustHandles="1" noChangeArrowheads="1" noChangeShapeType="1" noTextEdit="1"/>
-          </p:cNvSpPr>
-          <p:nvPr>
-            <p:extLst>
-              <p:ext uri="{386F3935-93C4-4BCD-93E2-E3B085C9AB24}">
-                <p16:designElem xmlns:p16="http://schemas.microsoft.com/office/powerpoint/2015/main" val="1"/>
-              </p:ext>
-            </p:extLst>
-          </p:nvPr>
-        </p:nvSpPr>
-        <p:spPr>
-          <a:xfrm>
-            <a:off x="0" y="0"/>
-            <a:ext cx="12192000" cy="6858000"/>
-          </a:xfrm>
-          <a:prstGeom prst="rect">
-            <a:avLst/>
-          </a:prstGeom>
-          <a:solidFill>
-            <a:schemeClr val="bg1"/>
-          </a:solidFill>
-          <a:ln>
-            <a:noFill/>
-          </a:ln>
-        </p:spPr>
-        <p:style>
-          <a:lnRef idx="2">
-            <a:schemeClr val="accent1">
-              <a:shade val="50000"/>
-            </a:schemeClr>
-          </a:lnRef>
-          <a:fillRef idx="1">
-            <a:schemeClr val="accent1"/>
-          </a:fillRef>
-          <a:effectRef idx="0">
-            <a:schemeClr val="accent1"/>
-          </a:effectRef>
-          <a:fontRef idx="minor">
-            <a:schemeClr val="lt1"/>
-          </a:fontRef>
-        </p:style>
-        <p:txBody>
-          <a:bodyPr rtlCol="0" anchor="ctr"/>
-          <a:lstStyle/>
-          <a:p>
-            <a:pPr algn="ctr"/>
-            <a:endParaRPr lang="en-US" dirty="0"/>
-          </a:p>
-        </p:txBody>
-      </p:sp>
-      <p:sp>
-        <p:nvSpPr>
-          <p:cNvPr id="142" name="Freeform: Shape 134">
-            <a:extLst>
-              <a:ext uri="{FF2B5EF4-FFF2-40B4-BE49-F238E27FC236}">
-                <a16:creationId xmlns:a16="http://schemas.microsoft.com/office/drawing/2014/main" id="{83C98ABE-055B-441F-B07E-44F97F083C39}"/>
-              </a:ext>
-              <a:ext uri="{C183D7F6-B498-43B3-948B-1728B52AA6E4}">
-                <adec:decorative xmlns:adec="http://schemas.microsoft.com/office/drawing/2017/decorative" val="1"/>
-              </a:ext>
-            </a:extLst>
-          </p:cNvPr>
-          <p:cNvSpPr>
-            <a:spLocks noGrp="1" noRot="1" noChangeAspect="1" noMove="1" noResize="1" noEditPoints="1" noAdjustHandles="1" noChangeArrowheads="1" noChangeShapeType="1" noTextEdit="1"/>
-          </p:cNvSpPr>
-          <p:nvPr>
-            <p:extLst>
-              <p:ext uri="{386F3935-93C4-4BCD-93E2-E3B085C9AB24}">
-                <p16:designElem xmlns:p16="http://schemas.microsoft.com/office/powerpoint/2015/main" val="1"/>
-              </p:ext>
-            </p:extLst>
-          </p:nvPr>
-        </p:nvSpPr>
-        <p:spPr>
-          <a:xfrm rot="18900000" flipH="1">
-            <a:off x="-376156" y="-253670"/>
-            <a:ext cx="1827638" cy="1376989"/>
-          </a:xfrm>
-          <a:custGeom>
-            <a:avLst/>
-            <a:gdLst>
-              <a:gd name="connsiteX0" fmla="*/ 0 w 1827638"/>
-              <a:gd name="connsiteY0" fmla="*/ 987379 h 1376989"/>
-              <a:gd name="connsiteX1" fmla="*/ 987379 w 1827638"/>
-              <a:gd name="connsiteY1" fmla="*/ 0 h 1376989"/>
-              <a:gd name="connsiteX2" fmla="*/ 1827638 w 1827638"/>
-              <a:gd name="connsiteY2" fmla="*/ 840260 h 1376989"/>
-              <a:gd name="connsiteX3" fmla="*/ 1827638 w 1827638"/>
-              <a:gd name="connsiteY3" fmla="*/ 1376989 h 1376989"/>
-              <a:gd name="connsiteX4" fmla="*/ 0 w 1827638"/>
-              <a:gd name="connsiteY4" fmla="*/ 1376989 h 1376989"/>
-            </a:gdLst>
-            <a:ahLst/>
-            <a:cxnLst>
-              <a:cxn ang="0">
-                <a:pos x="connsiteX0" y="connsiteY0"/>
-              </a:cxn>
-              <a:cxn ang="0">
-                <a:pos x="connsiteX1" y="connsiteY1"/>
-              </a:cxn>
-              <a:cxn ang="0">
-                <a:pos x="connsiteX2" y="connsiteY2"/>
-              </a:cxn>
-              <a:cxn ang="0">
-                <a:pos x="connsiteX3" y="connsiteY3"/>
-              </a:cxn>
-              <a:cxn ang="0">
-                <a:pos x="connsiteX4" y="connsiteY4"/>
-              </a:cxn>
-            </a:cxnLst>
-            <a:rect l="l" t="t" r="r" b="b"/>
-            <a:pathLst>
-              <a:path w="1827638" h="1376989">
-                <a:moveTo>
-                  <a:pt x="0" y="987379"/>
-                </a:moveTo>
-                <a:lnTo>
-                  <a:pt x="987379" y="0"/>
-                </a:lnTo>
-                <a:lnTo>
-                  <a:pt x="1827638" y="840260"/>
-                </a:lnTo>
-                <a:lnTo>
-                  <a:pt x="1827638" y="1376989"/>
-                </a:lnTo>
-                <a:lnTo>
-                  <a:pt x="0" y="1376989"/>
-                </a:lnTo>
-                <a:close/>
-              </a:path>
-            </a:pathLst>
-          </a:custGeom>
-          <a:solidFill>
-            <a:schemeClr val="accent1">
-              <a:alpha val="30000"/>
-            </a:schemeClr>
-          </a:solidFill>
-          <a:ln>
-            <a:noFill/>
-          </a:ln>
-        </p:spPr>
-        <p:style>
-          <a:lnRef idx="2">
-            <a:schemeClr val="accent1">
-              <a:shade val="50000"/>
-            </a:schemeClr>
-          </a:lnRef>
-          <a:fillRef idx="1">
-            <a:schemeClr val="accent1"/>
-          </a:fillRef>
-          <a:effectRef idx="0">
-            <a:schemeClr val="accent1"/>
-          </a:effectRef>
-          <a:fontRef idx="minor">
-            <a:schemeClr val="lt1"/>
-          </a:fontRef>
-        </p:style>
-        <p:txBody>
-          <a:bodyPr rtlCol="0" anchor="ctr"/>
-          <a:lstStyle/>
-          <a:p>
-            <a:pPr algn="ctr"/>
-            <a:endParaRPr lang="en-US" dirty="0"/>
-          </a:p>
-        </p:txBody>
-      </p:sp>
-      <p:sp>
-        <p:nvSpPr>
-          <p:cNvPr id="147" name="Rectangle 136">
-            <a:extLst>
-              <a:ext uri="{FF2B5EF4-FFF2-40B4-BE49-F238E27FC236}">
-                <a16:creationId xmlns:a16="http://schemas.microsoft.com/office/drawing/2014/main" id="{29FDB030-9B49-4CED-8CCD-4D99382388AC}"/>
-              </a:ext>
-              <a:ext uri="{C183D7F6-B498-43B3-948B-1728B52AA6E4}">
-                <adec:decorative xmlns:adec="http://schemas.microsoft.com/office/drawing/2017/decorative" val="1"/>
-              </a:ext>
-            </a:extLst>
-          </p:cNvPr>
-          <p:cNvSpPr>
-            <a:spLocks noGrp="1" noRot="1" noChangeAspect="1" noMove="1" noResize="1" noEditPoints="1" noAdjustHandles="1" noChangeArrowheads="1" noChangeShapeType="1" noTextEdit="1"/>
-          </p:cNvSpPr>
-          <p:nvPr>
-            <p:extLst>
-              <p:ext uri="{386F3935-93C4-4BCD-93E2-E3B085C9AB24}">
-                <p16:designElem xmlns:p16="http://schemas.microsoft.com/office/powerpoint/2015/main" val="1"/>
-              </p:ext>
-            </p:extLst>
-          </p:nvPr>
-        </p:nvSpPr>
-        <p:spPr>
-          <a:xfrm rot="18900000" flipH="1">
-            <a:off x="891641" y="422146"/>
-            <a:ext cx="645368" cy="645368"/>
-          </a:xfrm>
-          <a:prstGeom prst="rect">
-            <a:avLst/>
-          </a:prstGeom>
-          <a:solidFill>
-            <a:schemeClr val="accent1">
-              <a:alpha val="30000"/>
-            </a:schemeClr>
-          </a:solidFill>
-          <a:ln>
-            <a:noFill/>
-          </a:ln>
-        </p:spPr>
-        <p:style>
-          <a:lnRef idx="2">
-            <a:schemeClr val="accent1">
-              <a:shade val="50000"/>
-            </a:schemeClr>
-          </a:lnRef>
-          <a:fillRef idx="1">
-            <a:schemeClr val="accent1"/>
-          </a:fillRef>
-          <a:effectRef idx="0">
-            <a:schemeClr val="accent1"/>
-          </a:effectRef>
-          <a:fontRef idx="minor">
-            <a:schemeClr val="lt1"/>
-          </a:fontRef>
-        </p:style>
-        <p:txBody>
-          <a:bodyPr rtlCol="0" anchor="ctr"/>
-          <a:lstStyle/>
-          <a:p>
-            <a:pPr algn="ctr"/>
-            <a:endParaRPr lang="en-US"/>
-          </a:p>
-        </p:txBody>
-      </p:sp>
-      <p:sp>
-        <p:nvSpPr>
-          <p:cNvPr id="149" name="Rectangle 138">
-            <a:extLst>
-              <a:ext uri="{FF2B5EF4-FFF2-40B4-BE49-F238E27FC236}">
-                <a16:creationId xmlns:a16="http://schemas.microsoft.com/office/drawing/2014/main" id="{3783CA14-24A1-485C-8B30-D6A5D87987AD}"/>
-              </a:ext>
-              <a:ext uri="{C183D7F6-B498-43B3-948B-1728B52AA6E4}">
-                <adec:decorative xmlns:adec="http://schemas.microsoft.com/office/drawing/2017/decorative" val="1"/>
-              </a:ext>
-            </a:extLst>
-          </p:cNvPr>
-          <p:cNvSpPr>
-            <a:spLocks noGrp="1" noRot="1" noChangeAspect="1" noMove="1" noResize="1" noEditPoints="1" noAdjustHandles="1" noChangeArrowheads="1" noChangeShapeType="1" noTextEdit="1"/>
-          </p:cNvSpPr>
-          <p:nvPr>
-            <p:extLst>
-              <p:ext uri="{386F3935-93C4-4BCD-93E2-E3B085C9AB24}">
-                <p16:designElem xmlns:p16="http://schemas.microsoft.com/office/powerpoint/2015/main" val="1"/>
-              </p:ext>
-            </p:extLst>
-          </p:nvPr>
-        </p:nvSpPr>
-        <p:spPr>
-          <a:xfrm rot="18900000" flipH="1">
-            <a:off x="10043482" y="655140"/>
-            <a:ext cx="687472" cy="687472"/>
-          </a:xfrm>
-          <a:prstGeom prst="rect">
-            <a:avLst/>
-          </a:prstGeom>
-          <a:solidFill>
-            <a:schemeClr val="accent4">
-              <a:alpha val="30000"/>
-            </a:schemeClr>
-          </a:solidFill>
-          <a:ln>
-            <a:noFill/>
-          </a:ln>
-        </p:spPr>
-        <p:style>
-          <a:lnRef idx="2">
-            <a:schemeClr val="accent1">
-              <a:shade val="50000"/>
-            </a:schemeClr>
-          </a:lnRef>
-          <a:fillRef idx="1">
-            <a:schemeClr val="accent1"/>
-          </a:fillRef>
-          <a:effectRef idx="0">
-            <a:schemeClr val="accent1"/>
-          </a:effectRef>
-          <a:fontRef idx="minor">
-            <a:schemeClr val="lt1"/>
-          </a:fontRef>
-        </p:style>
-        <p:txBody>
-          <a:bodyPr rtlCol="0" anchor="ctr"/>
-          <a:lstStyle/>
-          <a:p>
-            <a:pPr algn="ctr"/>
-            <a:endParaRPr lang="en-US"/>
-          </a:p>
-        </p:txBody>
-      </p:sp>
-      <p:sp>
-        <p:nvSpPr>
-          <p:cNvPr id="153" name="Freeform: Shape 140">
-            <a:extLst>
-              <a:ext uri="{FF2B5EF4-FFF2-40B4-BE49-F238E27FC236}">
-                <a16:creationId xmlns:a16="http://schemas.microsoft.com/office/drawing/2014/main" id="{9A97C86A-04D6-40F7-AE84-31AB43E6A846}"/>
-              </a:ext>
-              <a:ext uri="{C183D7F6-B498-43B3-948B-1728B52AA6E4}">
-                <adec:decorative xmlns:adec="http://schemas.microsoft.com/office/drawing/2017/decorative" val="1"/>
-              </a:ext>
-            </a:extLst>
-          </p:cNvPr>
-          <p:cNvSpPr>
-            <a:spLocks noGrp="1" noRot="1" noChangeAspect="1" noMove="1" noResize="1" noEditPoints="1" noAdjustHandles="1" noChangeArrowheads="1" noChangeShapeType="1" noTextEdit="1"/>
-          </p:cNvSpPr>
-          <p:nvPr>
-            <p:extLst>
-              <p:ext uri="{386F3935-93C4-4BCD-93E2-E3B085C9AB24}">
-                <p16:designElem xmlns:p16="http://schemas.microsoft.com/office/powerpoint/2015/main" val="1"/>
-              </p:ext>
-            </p:extLst>
-          </p:nvPr>
-        </p:nvSpPr>
-        <p:spPr>
-          <a:xfrm rot="10800000" flipH="1">
-            <a:off x="9356643" y="0"/>
-            <a:ext cx="2835357" cy="1480837"/>
-          </a:xfrm>
-          <a:custGeom>
-            <a:avLst/>
-            <a:gdLst>
-              <a:gd name="connsiteX0" fmla="*/ 2835357 w 2835357"/>
-              <a:gd name="connsiteY0" fmla="*/ 1480837 h 1480837"/>
-              <a:gd name="connsiteX1" fmla="*/ 0 w 2835357"/>
-              <a:gd name="connsiteY1" fmla="*/ 1480837 h 1480837"/>
-              <a:gd name="connsiteX2" fmla="*/ 1552727 w 2835357"/>
-              <a:gd name="connsiteY2" fmla="*/ 0 h 1480837"/>
-              <a:gd name="connsiteX3" fmla="*/ 2835357 w 2835357"/>
-              <a:gd name="connsiteY3" fmla="*/ 1223245 h 1480837"/>
-            </a:gdLst>
-            <a:ahLst/>
-            <a:cxnLst>
-              <a:cxn ang="0">
-                <a:pos x="connsiteX0" y="connsiteY0"/>
-              </a:cxn>
-              <a:cxn ang="0">
-                <a:pos x="connsiteX1" y="connsiteY1"/>
-              </a:cxn>
-              <a:cxn ang="0">
-                <a:pos x="connsiteX2" y="connsiteY2"/>
-              </a:cxn>
-              <a:cxn ang="0">
-                <a:pos x="connsiteX3" y="connsiteY3"/>
-              </a:cxn>
-            </a:cxnLst>
-            <a:rect l="l" t="t" r="r" b="b"/>
-            <a:pathLst>
-              <a:path w="2835357" h="1480837">
-                <a:moveTo>
-                  <a:pt x="2835357" y="1480837"/>
-                </a:moveTo>
-                <a:lnTo>
-                  <a:pt x="0" y="1480837"/>
-                </a:lnTo>
-                <a:lnTo>
-                  <a:pt x="1552727" y="0"/>
-                </a:lnTo>
-                <a:lnTo>
-                  <a:pt x="2835357" y="1223245"/>
-                </a:lnTo>
-                <a:close/>
-              </a:path>
-            </a:pathLst>
-          </a:custGeom>
-          <a:solidFill>
-            <a:schemeClr val="accent4">
-              <a:alpha val="30000"/>
-            </a:schemeClr>
-          </a:solidFill>
-          <a:ln>
-            <a:noFill/>
-          </a:ln>
-        </p:spPr>
-        <p:style>
-          <a:lnRef idx="2">
-            <a:schemeClr val="accent1">
-              <a:shade val="50000"/>
-            </a:schemeClr>
-          </a:lnRef>
-          <a:fillRef idx="1">
-            <a:schemeClr val="accent1"/>
-          </a:fillRef>
-          <a:effectRef idx="0">
-            <a:schemeClr val="accent1"/>
-          </a:effectRef>
-          <a:fontRef idx="minor">
-            <a:schemeClr val="lt1"/>
-          </a:fontRef>
-        </p:style>
-        <p:txBody>
-          <a:bodyPr wrap="square" rtlCol="0" anchor="ctr">
-            <a:noAutofit/>
-          </a:bodyPr>
-          <a:lstStyle/>
-          <a:p>
-            <a:pPr algn="ctr"/>
-            <a:endParaRPr lang="en-US" dirty="0"/>
-          </a:p>
-        </p:txBody>
-      </p:sp>
-      <p:sp>
-        <p:nvSpPr>
-          <p:cNvPr id="154" name="Isosceles Triangle 142">
-            <a:extLst>
-              <a:ext uri="{FF2B5EF4-FFF2-40B4-BE49-F238E27FC236}">
-                <a16:creationId xmlns:a16="http://schemas.microsoft.com/office/drawing/2014/main" id="{FF9F2414-84E8-453E-B1F3-389FDE8192D9}"/>
-              </a:ext>
-              <a:ext uri="{C183D7F6-B498-43B3-948B-1728B52AA6E4}">
-                <adec:decorative xmlns:adec="http://schemas.microsoft.com/office/drawing/2017/decorative" val="1"/>
-              </a:ext>
-            </a:extLst>
-          </p:cNvPr>
-          <p:cNvSpPr>
-            <a:spLocks noGrp="1" noRot="1" noChangeAspect="1" noMove="1" noResize="1" noEditPoints="1" noAdjustHandles="1" noChangeArrowheads="1" noChangeShapeType="1" noTextEdit="1"/>
-          </p:cNvSpPr>
-          <p:nvPr>
-            <p:extLst>
-              <p:ext uri="{386F3935-93C4-4BCD-93E2-E3B085C9AB24}">
-                <p16:designElem xmlns:p16="http://schemas.microsoft.com/office/powerpoint/2015/main" val="1"/>
-              </p:ext>
-            </p:extLst>
-          </p:nvPr>
-        </p:nvSpPr>
-        <p:spPr>
-          <a:xfrm flipH="1">
-            <a:off x="7976344" y="6115501"/>
-            <a:ext cx="1494513" cy="742499"/>
-          </a:xfrm>
-          <a:prstGeom prst="triangle">
-            <a:avLst/>
-          </a:prstGeom>
-          <a:solidFill>
-            <a:schemeClr val="accent1">
-              <a:alpha val="30000"/>
-            </a:schemeClr>
-          </a:solidFill>
-          <a:ln>
-            <a:noFill/>
-          </a:ln>
-        </p:spPr>
-        <p:style>
-          <a:lnRef idx="2">
-            <a:schemeClr val="accent1">
-              <a:shade val="50000"/>
-            </a:schemeClr>
-          </a:lnRef>
-          <a:fillRef idx="1">
-            <a:schemeClr val="accent1"/>
-          </a:fillRef>
-          <a:effectRef idx="0">
-            <a:schemeClr val="accent1"/>
-          </a:effectRef>
-          <a:fontRef idx="minor">
-            <a:schemeClr val="lt1"/>
-          </a:fontRef>
-        </p:style>
-        <p:txBody>
-          <a:bodyPr rtlCol="0" anchor="ctr"/>
-          <a:lstStyle/>
-          <a:p>
-            <a:pPr algn="ctr"/>
-            <a:endParaRPr lang="en-US"/>
-          </a:p>
-        </p:txBody>
-      </p:sp>
-      <p:sp>
-        <p:nvSpPr>
-          <p:cNvPr id="155" name="Isosceles Triangle 144">
-            <a:extLst>
-              <a:ext uri="{FF2B5EF4-FFF2-40B4-BE49-F238E27FC236}">
-                <a16:creationId xmlns:a16="http://schemas.microsoft.com/office/drawing/2014/main" id="{3ECA69A1-7536-43AC-85EF-C7106179F5ED}"/>
-              </a:ext>
-              <a:ext uri="{C183D7F6-B498-43B3-948B-1728B52AA6E4}">
-                <adec:decorative xmlns:adec="http://schemas.microsoft.com/office/drawing/2017/decorative" val="1"/>
-              </a:ext>
-            </a:extLst>
-          </p:cNvPr>
-          <p:cNvSpPr>
-            <a:spLocks noGrp="1" noRot="1" noChangeAspect="1" noMove="1" noResize="1" noEditPoints="1" noAdjustHandles="1" noChangeArrowheads="1" noChangeShapeType="1" noTextEdit="1"/>
-          </p:cNvSpPr>
-          <p:nvPr>
-            <p:extLst>
-              <p:ext uri="{386F3935-93C4-4BCD-93E2-E3B085C9AB24}">
-                <p16:designElem xmlns:p16="http://schemas.microsoft.com/office/powerpoint/2015/main" val="1"/>
-              </p:ext>
-            </p:extLst>
-          </p:nvPr>
-        </p:nvSpPr>
-        <p:spPr>
-          <a:xfrm flipH="1">
-            <a:off x="7604080" y="6453143"/>
-            <a:ext cx="814903" cy="404857"/>
-          </a:xfrm>
-          <a:prstGeom prst="triangle">
-            <a:avLst/>
-          </a:prstGeom>
-          <a:solidFill>
-            <a:schemeClr val="accent1">
-              <a:alpha val="30000"/>
-            </a:schemeClr>
-          </a:solidFill>
-          <a:ln>
-            <a:noFill/>
-          </a:ln>
-        </p:spPr>
-        <p:style>
-          <a:lnRef idx="2">
-            <a:schemeClr val="accent1">
-              <a:shade val="50000"/>
-            </a:schemeClr>
-          </a:lnRef>
-          <a:fillRef idx="1">
-            <a:schemeClr val="accent1"/>
-          </a:fillRef>
-          <a:effectRef idx="0">
-            <a:schemeClr val="accent1"/>
-          </a:effectRef>
-          <a:fontRef idx="minor">
-            <a:schemeClr val="lt1"/>
-          </a:fontRef>
-        </p:style>
-        <p:txBody>
-          <a:bodyPr rtlCol="0" anchor="ctr"/>
-          <a:lstStyle/>
-          <a:p>
-            <a:pPr algn="ctr"/>
-            <a:endParaRPr lang="en-US"/>
-          </a:p>
-        </p:txBody>
-      </p:sp>
-      <p:sp>
-        <p:nvSpPr>
-          <p:cNvPr id="128" name="矩形 127">
-            <a:extLst>
-              <a:ext uri="{FF2B5EF4-FFF2-40B4-BE49-F238E27FC236}">
-                <a16:creationId xmlns:a16="http://schemas.microsoft.com/office/drawing/2014/main" id="{CA826E88-EEAC-B7EA-5EDE-94700ED57B31}"/>
-              </a:ext>
-            </a:extLst>
-          </p:cNvPr>
-          <p:cNvSpPr/>
-          <p:nvPr/>
-        </p:nvSpPr>
-        <p:spPr>
-          <a:xfrm>
-            <a:off x="0" y="6578600"/>
-            <a:ext cx="12192000" cy="279401"/>
-          </a:xfrm>
-          <a:prstGeom prst="rect">
-            <a:avLst/>
-          </a:prstGeom>
-          <a:solidFill>
-            <a:srgbClr val="5A538C"/>
-          </a:solidFill>
-          <a:ln>
-            <a:noFill/>
-          </a:ln>
-        </p:spPr>
-        <p:style>
-          <a:lnRef idx="2">
-            <a:schemeClr val="accent1">
-              <a:shade val="50000"/>
-            </a:schemeClr>
-          </a:lnRef>
-          <a:fillRef idx="1">
-            <a:schemeClr val="accent1"/>
-          </a:fillRef>
-          <a:effectRef idx="0">
-            <a:schemeClr val="accent1"/>
-          </a:effectRef>
-          <a:fontRef idx="minor">
-            <a:schemeClr val="lt1"/>
-          </a:fontRef>
-        </p:style>
-        <p:txBody>
-          <a:bodyPr rtlCol="0" anchor="ctr"/>
-          <a:lstStyle/>
-          <a:p>
-            <a:pPr algn="ctr"/>
-            <a:endParaRPr lang="zh-CN" altLang="en-US" sz="1350"/>
-          </a:p>
-        </p:txBody>
-      </p:sp>
-      <p:sp>
-        <p:nvSpPr>
-          <p:cNvPr id="26" name="TextBox 64">
-            <a:extLst>
-              <a:ext uri="{FF2B5EF4-FFF2-40B4-BE49-F238E27FC236}">
-                <a16:creationId xmlns:a16="http://schemas.microsoft.com/office/drawing/2014/main" id="{4A276B46-B15E-8D9E-5511-6C4E46C3CA60}"/>
-              </a:ext>
-            </a:extLst>
-          </p:cNvPr>
-          <p:cNvSpPr txBox="1"/>
-          <p:nvPr/>
-        </p:nvSpPr>
-        <p:spPr>
-          <a:xfrm>
-            <a:off x="308148" y="1486997"/>
-            <a:ext cx="2684135" cy="415498"/>
-          </a:xfrm>
-          <a:prstGeom prst="rect">
-            <a:avLst/>
-          </a:prstGeom>
-          <a:noFill/>
-        </p:spPr>
-        <p:txBody>
-          <a:bodyPr wrap="square" rtlCol="0">
-            <a:spAutoFit/>
-          </a:bodyPr>
-          <a:lstStyle>
-            <a:defPPr>
-              <a:defRPr lang="zh-CN"/>
-            </a:defPPr>
-            <a:lvl1pPr>
-              <a:defRPr sz="1800">
-                <a:solidFill>
-                  <a:schemeClr val="tx1">
-                    <a:lumMod val="75000"/>
-                    <a:lumOff val="25000"/>
-                  </a:schemeClr>
-                </a:solidFill>
-              </a:defRPr>
-            </a:lvl1pPr>
-          </a:lstStyle>
-          <a:p>
-            <a:pPr fontAlgn="ctr"/>
-            <a:r>
-              <a:rPr lang="zh-CN" altLang="en-US" sz="2100">
-                <a:solidFill>
-                  <a:schemeClr val="bg1"/>
-                </a:solidFill>
-                <a:latin typeface="黑体" panose="02010609060101010101" pitchFamily="49" charset="-122"/>
-                <a:ea typeface="黑体" panose="02010609060101010101" pitchFamily="49" charset="-122"/>
-              </a:rPr>
-              <a:t>二、系统架构</a:t>
-            </a:r>
-            <a:endParaRPr lang="zh-CN" altLang="en-US" sz="2100" dirty="0">
-              <a:solidFill>
-                <a:schemeClr val="bg1"/>
-              </a:solidFill>
-              <a:latin typeface="黑体" panose="02010609060101010101" pitchFamily="49" charset="-122"/>
-              <a:ea typeface="黑体" panose="02010609060101010101" pitchFamily="49" charset="-122"/>
-            </a:endParaRPr>
-          </a:p>
-        </p:txBody>
-      </p:sp>
-      <p:sp>
-        <p:nvSpPr>
-          <p:cNvPr id="43" name="矩形 42">
-            <a:extLst>
-              <a:ext uri="{FF2B5EF4-FFF2-40B4-BE49-F238E27FC236}">
-                <a16:creationId xmlns:a16="http://schemas.microsoft.com/office/drawing/2014/main" id="{B960EF77-3B5F-CA88-820E-D85E2B22C986}"/>
-              </a:ext>
-            </a:extLst>
-          </p:cNvPr>
-          <p:cNvSpPr/>
-          <p:nvPr/>
-        </p:nvSpPr>
-        <p:spPr>
-          <a:xfrm>
-            <a:off x="2240819" y="215553"/>
-            <a:ext cx="3578956" cy="529201"/>
-          </a:xfrm>
-          <a:prstGeom prst="rect">
-            <a:avLst/>
-          </a:prstGeom>
-          <a:solidFill>
-            <a:schemeClr val="accent1">
-              <a:lumMod val="40000"/>
-              <a:lumOff val="60000"/>
-            </a:schemeClr>
-          </a:solidFill>
-          <a:ln>
-            <a:noFill/>
-          </a:ln>
-          <a:effectLst>
-            <a:outerShdw blurRad="50800" dist="38100" dir="2700000" algn="tl" rotWithShape="0">
-              <a:prstClr val="black">
-                <a:alpha val="40000"/>
-              </a:prstClr>
-            </a:outerShdw>
-          </a:effectLst>
-        </p:spPr>
-        <p:style>
-          <a:lnRef idx="2">
-            <a:schemeClr val="accent1">
-              <a:shade val="50000"/>
-            </a:schemeClr>
-          </a:lnRef>
-          <a:fillRef idx="1">
-            <a:schemeClr val="accent1"/>
-          </a:fillRef>
-          <a:effectRef idx="0">
-            <a:schemeClr val="accent1"/>
-          </a:effectRef>
-          <a:fontRef idx="minor">
-            <a:schemeClr val="lt1"/>
-          </a:fontRef>
-        </p:style>
-        <p:txBody>
-          <a:bodyPr rtlCol="0" anchor="ctr"/>
-          <a:lstStyle/>
-          <a:p>
-            <a:pPr algn="ctr"/>
-            <a:r>
-              <a:rPr lang="zh-CN" altLang="en-US" b="1">
-                <a:solidFill>
-                  <a:schemeClr val="bg2">
-                    <a:lumMod val="10000"/>
-                  </a:schemeClr>
-                </a:solidFill>
-              </a:rPr>
-              <a:t>传统算法： </a:t>
-            </a:r>
-            <a:r>
-              <a:rPr lang="en-US" altLang="zh-CN" b="1">
-                <a:solidFill>
-                  <a:schemeClr val="bg2">
-                    <a:lumMod val="10000"/>
-                  </a:schemeClr>
-                </a:solidFill>
-              </a:rPr>
-              <a:t>Bicubic </a:t>
-            </a:r>
-            <a:r>
-              <a:rPr lang="zh-CN" altLang="en-US" b="1">
-                <a:solidFill>
-                  <a:schemeClr val="bg2">
-                    <a:lumMod val="10000"/>
-                  </a:schemeClr>
-                </a:solidFill>
-              </a:rPr>
-              <a:t>和 </a:t>
-            </a:r>
-            <a:r>
-              <a:rPr lang="en-US" altLang="zh-CN" b="1">
-                <a:solidFill>
-                  <a:schemeClr val="bg2">
-                    <a:lumMod val="10000"/>
-                  </a:schemeClr>
-                </a:solidFill>
-              </a:rPr>
-              <a:t>RAISR</a:t>
-            </a:r>
-            <a:endParaRPr lang="zh-CN" altLang="en-US" b="1">
-              <a:solidFill>
-                <a:schemeClr val="bg2">
-                  <a:lumMod val="10000"/>
-                </a:schemeClr>
-              </a:solidFill>
-            </a:endParaRPr>
-          </a:p>
-        </p:txBody>
-      </p:sp>
-      <p:sp>
-        <p:nvSpPr>
-          <p:cNvPr id="9" name="文本框 8">
-            <a:extLst>
-              <a:ext uri="{FF2B5EF4-FFF2-40B4-BE49-F238E27FC236}">
-                <a16:creationId xmlns:a16="http://schemas.microsoft.com/office/drawing/2014/main" id="{51C32D7A-E5F8-F81E-A8AA-ACE578747ED0}"/>
-              </a:ext>
-            </a:extLst>
-          </p:cNvPr>
-          <p:cNvSpPr txBox="1"/>
-          <p:nvPr/>
-        </p:nvSpPr>
-        <p:spPr>
-          <a:xfrm>
-            <a:off x="226810" y="1019087"/>
-            <a:ext cx="7377270" cy="2077492"/>
-          </a:xfrm>
-          <a:prstGeom prst="rect">
-            <a:avLst/>
-          </a:prstGeom>
-          <a:noFill/>
-        </p:spPr>
-        <p:txBody>
-          <a:bodyPr wrap="square" rtlCol="0">
-            <a:spAutoFit/>
-          </a:bodyPr>
-          <a:lstStyle/>
-          <a:p>
-            <a:pPr fontAlgn="ctr"/>
-            <a:r>
-              <a:rPr lang="en-US" altLang="zh-CN" sz="2400">
-                <a:solidFill>
-                  <a:srgbClr val="FF0000"/>
-                </a:solidFill>
-                <a:latin typeface="微软雅黑" panose="020B0503020204020204" pitchFamily="34" charset="-122"/>
-                <a:ea typeface="微软雅黑" panose="020B0503020204020204" pitchFamily="34" charset="-122"/>
-              </a:rPr>
-              <a:t>Bicubic</a:t>
-            </a:r>
-            <a:r>
-              <a:rPr lang="zh-CN" altLang="en-US" sz="2100">
-                <a:latin typeface="黑体" panose="02010609060101010101" pitchFamily="49" charset="-122"/>
-                <a:ea typeface="黑体" panose="02010609060101010101" pitchFamily="49" charset="-122"/>
-              </a:rPr>
-              <a:t> </a:t>
-            </a:r>
-            <a:endParaRPr lang="en-US" altLang="zh-CN" sz="2100">
-              <a:latin typeface="黑体" panose="02010609060101010101" pitchFamily="49" charset="-122"/>
-              <a:ea typeface="黑体" panose="02010609060101010101" pitchFamily="49" charset="-122"/>
-            </a:endParaRPr>
-          </a:p>
-          <a:p>
-            <a:pPr fontAlgn="ctr"/>
-            <a:r>
-              <a:rPr lang="en-US" altLang="zh-CN" sz="2100">
-                <a:latin typeface="黑体" panose="02010609060101010101" pitchFamily="49" charset="-122"/>
-                <a:ea typeface="黑体" panose="02010609060101010101" pitchFamily="49" charset="-122"/>
-              </a:rPr>
-              <a:t>	</a:t>
-            </a:r>
-            <a:r>
-              <a:rPr lang="zh-CN" altLang="en-US" sz="2100">
-                <a:latin typeface="黑体" panose="02010609060101010101" pitchFamily="49" charset="-122"/>
-                <a:ea typeface="黑体" panose="02010609060101010101" pitchFamily="49" charset="-122"/>
-              </a:rPr>
-              <a:t>（双三次插值）是二维空间中最常用的插值算法，是三次插值的一个拓展。而在图像处理中，双三次插值算法更是首选。双三次插值需要参考周围 </a:t>
-            </a:r>
-            <a:r>
-              <a:rPr lang="en-US" altLang="zh-CN" sz="2100">
-                <a:latin typeface="黑体" panose="02010609060101010101" pitchFamily="49" charset="-122"/>
-                <a:ea typeface="黑体" panose="02010609060101010101" pitchFamily="49" charset="-122"/>
-              </a:rPr>
-              <a:t>16 </a:t>
-            </a:r>
-            <a:r>
-              <a:rPr lang="zh-CN" altLang="en-US" sz="2100">
-                <a:latin typeface="黑体" panose="02010609060101010101" pitchFamily="49" charset="-122"/>
-                <a:ea typeface="黑体" panose="02010609060101010101" pitchFamily="49" charset="-122"/>
-              </a:rPr>
-              <a:t>个像素</a:t>
-            </a:r>
-            <a:r>
-              <a:rPr lang="en-US" altLang="zh-CN" sz="2100">
-                <a:latin typeface="黑体" panose="02010609060101010101" pitchFamily="49" charset="-122"/>
-                <a:ea typeface="黑体" panose="02010609060101010101" pitchFamily="49" charset="-122"/>
-              </a:rPr>
-              <a:t>(4 × 4)</a:t>
-            </a:r>
-            <a:r>
-              <a:rPr lang="zh-CN" altLang="en-US" sz="2100">
-                <a:latin typeface="黑体" panose="02010609060101010101" pitchFamily="49" charset="-122"/>
-                <a:ea typeface="黑体" panose="02010609060101010101" pitchFamily="49" charset="-122"/>
-              </a:rPr>
-              <a:t>进行上采样，所得到的上采样图像会比最近邻插值和双线性插值更平滑，同时插值造成的伪影也更少。</a:t>
-            </a:r>
-          </a:p>
-        </p:txBody>
-      </p:sp>
-      <p:sp>
-        <p:nvSpPr>
-          <p:cNvPr id="28" name="文本框 27">
-            <a:extLst>
-              <a:ext uri="{FF2B5EF4-FFF2-40B4-BE49-F238E27FC236}">
-                <a16:creationId xmlns:a16="http://schemas.microsoft.com/office/drawing/2014/main" id="{46B67BC5-4F25-5677-EFFF-DEBFA55BC8A9}"/>
-              </a:ext>
-            </a:extLst>
-          </p:cNvPr>
-          <p:cNvSpPr txBox="1"/>
-          <p:nvPr/>
-        </p:nvSpPr>
-        <p:spPr>
-          <a:xfrm>
-            <a:off x="181645" y="3099552"/>
-            <a:ext cx="6971630" cy="3416320"/>
-          </a:xfrm>
-          <a:prstGeom prst="rect">
-            <a:avLst/>
-          </a:prstGeom>
-          <a:noFill/>
-        </p:spPr>
-        <p:txBody>
-          <a:bodyPr wrap="square" rtlCol="0">
-            <a:spAutoFit/>
-          </a:bodyPr>
-          <a:lstStyle/>
-          <a:p>
-            <a:pPr fontAlgn="ctr"/>
-            <a:r>
-              <a:rPr lang="en-US" altLang="zh-CN" sz="2400">
-                <a:solidFill>
-                  <a:srgbClr val="FF0000"/>
-                </a:solidFill>
-                <a:latin typeface="微软雅黑" panose="020B0503020204020204" pitchFamily="34" charset="-122"/>
-                <a:ea typeface="微软雅黑" panose="020B0503020204020204" pitchFamily="34" charset="-122"/>
-              </a:rPr>
-              <a:t>RAISR</a:t>
-            </a:r>
-          </a:p>
-          <a:p>
-            <a:pPr fontAlgn="ctr"/>
-            <a:r>
-              <a:rPr lang="en-US" altLang="zh-CN" sz="2400">
-                <a:latin typeface="微软雅黑" panose="020B0503020204020204" pitchFamily="34" charset="-122"/>
-                <a:ea typeface="微软雅黑" panose="020B0503020204020204" pitchFamily="34" charset="-122"/>
-              </a:rPr>
-              <a:t>	</a:t>
-            </a:r>
-            <a:r>
-              <a:rPr lang="zh-CN" altLang="en-US" sz="2100">
-                <a:latin typeface="黑体" panose="02010609060101010101" pitchFamily="49" charset="-122"/>
-                <a:ea typeface="黑体" panose="02010609060101010101" pitchFamily="49" charset="-122"/>
-              </a:rPr>
-              <a:t>一种基于样本学习的超分辨率算法。</a:t>
-            </a:r>
-            <a:r>
-              <a:rPr lang="en-US" altLang="zh-CN" sz="2100">
-                <a:latin typeface="黑体" panose="02010609060101010101" pitchFamily="49" charset="-122"/>
-                <a:ea typeface="黑体" panose="02010609060101010101" pitchFamily="49" charset="-122"/>
-              </a:rPr>
-              <a:t>RAISR </a:t>
-            </a:r>
-            <a:r>
-              <a:rPr lang="zh-CN" altLang="en-US" sz="2100">
-                <a:latin typeface="黑体" panose="02010609060101010101" pitchFamily="49" charset="-122"/>
-                <a:ea typeface="黑体" panose="02010609060101010101" pitchFamily="49" charset="-122"/>
-              </a:rPr>
-              <a:t>主要的特点是快速、准确，在运行速度上比基于深度学习的方法有大幅提升，同时保持了具有竞争力的图像重建质量。其核心思想是通过简单的插值方式把 </a:t>
-            </a:r>
-            <a:r>
-              <a:rPr lang="en-US" altLang="zh-CN" sz="2100">
-                <a:latin typeface="黑体" panose="02010609060101010101" pitchFamily="49" charset="-122"/>
-                <a:ea typeface="黑体" panose="02010609060101010101" pitchFamily="49" charset="-122"/>
-              </a:rPr>
-              <a:t>LR </a:t>
-            </a:r>
-            <a:r>
-              <a:rPr lang="zh-CN" altLang="en-US" sz="2100">
-                <a:latin typeface="黑体" panose="02010609060101010101" pitchFamily="49" charset="-122"/>
-                <a:ea typeface="黑体" panose="02010609060101010101" pitchFamily="49" charset="-122"/>
-              </a:rPr>
-              <a:t>图像转化成 </a:t>
-            </a:r>
-            <a:r>
-              <a:rPr lang="en-US" altLang="zh-CN" sz="2100">
-                <a:latin typeface="黑体" panose="02010609060101010101" pitchFamily="49" charset="-122"/>
-                <a:ea typeface="黑体" panose="02010609060101010101" pitchFamily="49" charset="-122"/>
-              </a:rPr>
-              <a:t>Pre-HR </a:t>
-            </a:r>
-            <a:r>
-              <a:rPr lang="zh-CN" altLang="en-US" sz="2100">
-                <a:latin typeface="黑体" panose="02010609060101010101" pitchFamily="49" charset="-122"/>
-                <a:ea typeface="黑体" panose="02010609060101010101" pitchFamily="49" charset="-122"/>
-              </a:rPr>
-              <a:t>图像，然后根据 </a:t>
-            </a:r>
-            <a:r>
-              <a:rPr lang="en-US" altLang="zh-CN" sz="2100">
-                <a:latin typeface="黑体" panose="02010609060101010101" pitchFamily="49" charset="-122"/>
-                <a:ea typeface="黑体" panose="02010609060101010101" pitchFamily="49" charset="-122"/>
-              </a:rPr>
-              <a:t>Pre-HR </a:t>
-            </a:r>
-            <a:r>
-              <a:rPr lang="zh-CN" altLang="en-US" sz="2100">
-                <a:latin typeface="黑体" panose="02010609060101010101" pitchFamily="49" charset="-122"/>
-                <a:ea typeface="黑体" panose="02010609060101010101" pitchFamily="49" charset="-122"/>
-              </a:rPr>
-              <a:t>图像局部的梯度信息来对图像块进行分类，对于不同类别的图像块对应采用不同的与训练的滤波器进行卷积操作对图像纹理进行增强。在足够的训练数据下，通过学习一组滤波器建立成对的 </a:t>
-            </a:r>
-            <a:r>
-              <a:rPr lang="en-US" altLang="zh-CN" sz="2100">
-                <a:latin typeface="黑体" panose="02010609060101010101" pitchFamily="49" charset="-122"/>
-                <a:ea typeface="黑体" panose="02010609060101010101" pitchFamily="49" charset="-122"/>
-              </a:rPr>
-              <a:t>LR patch</a:t>
-            </a:r>
-            <a:r>
-              <a:rPr lang="zh-CN" altLang="en-US" sz="2100">
-                <a:latin typeface="黑体" panose="02010609060101010101" pitchFamily="49" charset="-122"/>
-                <a:ea typeface="黑体" panose="02010609060101010101" pitchFamily="49" charset="-122"/>
-              </a:rPr>
-              <a:t>与 </a:t>
-            </a:r>
-            <a:r>
-              <a:rPr lang="en-US" altLang="zh-CN" sz="2100">
-                <a:latin typeface="黑体" panose="02010609060101010101" pitchFamily="49" charset="-122"/>
-                <a:ea typeface="黑体" panose="02010609060101010101" pitchFamily="49" charset="-122"/>
-              </a:rPr>
-              <a:t>HR </a:t>
-            </a:r>
-            <a:r>
-              <a:rPr lang="zh-CN" altLang="en-US" sz="2100">
-                <a:latin typeface="黑体" panose="02010609060101010101" pitchFamily="49" charset="-122"/>
-                <a:ea typeface="黑体" panose="02010609060101010101" pitchFamily="49" charset="-122"/>
-              </a:rPr>
-              <a:t>像素的映射关系。</a:t>
-            </a:r>
-            <a:endParaRPr lang="zh-CN" altLang="en-US" sz="2400">
-              <a:latin typeface="微软雅黑" panose="020B0503020204020204" pitchFamily="34" charset="-122"/>
-              <a:ea typeface="微软雅黑" panose="020B0503020204020204" pitchFamily="34" charset="-122"/>
-            </a:endParaRPr>
-          </a:p>
-        </p:txBody>
-      </p:sp>
-      <p:pic>
-        <p:nvPicPr>
-          <p:cNvPr id="23" name="图片 22" descr="图示&#10;&#10;描述已自动生成">
-            <a:extLst>
-              <a:ext uri="{FF2B5EF4-FFF2-40B4-BE49-F238E27FC236}">
-                <a16:creationId xmlns:a16="http://schemas.microsoft.com/office/drawing/2014/main" id="{B1D2B952-E11F-CCCF-E136-D25D6A51C641}"/>
-              </a:ext>
-            </a:extLst>
-          </p:cNvPr>
-          <p:cNvPicPr>
-            <a:picLocks noChangeAspect="1"/>
-          </p:cNvPicPr>
-          <p:nvPr/>
-        </p:nvPicPr>
-        <p:blipFill>
-          <a:blip r:embed="rId4"/>
-          <a:stretch>
-            <a:fillRect/>
-          </a:stretch>
-        </p:blipFill>
-        <p:spPr>
-          <a:xfrm>
-            <a:off x="7795372" y="625474"/>
-            <a:ext cx="4073160" cy="2864718"/>
-          </a:xfrm>
-          <a:prstGeom prst="rect">
-            <a:avLst/>
-          </a:prstGeom>
-        </p:spPr>
-      </p:pic>
-      <p:pic>
-        <p:nvPicPr>
-          <p:cNvPr id="29" name="图片 28">
-            <a:extLst>
-              <a:ext uri="{FF2B5EF4-FFF2-40B4-BE49-F238E27FC236}">
-                <a16:creationId xmlns:a16="http://schemas.microsoft.com/office/drawing/2014/main" id="{A3ABD8EF-502E-6005-FE60-21E41D554AE3}"/>
-              </a:ext>
-            </a:extLst>
-          </p:cNvPr>
-          <p:cNvPicPr>
-            <a:picLocks noChangeAspect="1"/>
-          </p:cNvPicPr>
-          <p:nvPr/>
-        </p:nvPicPr>
-        <p:blipFill>
-          <a:blip r:embed="rId5"/>
-          <a:stretch>
-            <a:fillRect/>
-          </a:stretch>
-        </p:blipFill>
-        <p:spPr>
-          <a:xfrm>
-            <a:off x="7866126" y="4182381"/>
-            <a:ext cx="4154275" cy="1318352"/>
-          </a:xfrm>
-          <a:prstGeom prst="rect">
-            <a:avLst/>
-          </a:prstGeom>
-          <a:noFill/>
-          <a:effectLst>
-            <a:softEdge rad="50800"/>
-          </a:effectLst>
-        </p:spPr>
-      </p:pic>
-      <p:grpSp>
-        <p:nvGrpSpPr>
-          <p:cNvPr id="13" name="组合 12">
-            <a:extLst>
-              <a:ext uri="{FF2B5EF4-FFF2-40B4-BE49-F238E27FC236}">
-                <a16:creationId xmlns:a16="http://schemas.microsoft.com/office/drawing/2014/main" id="{272A78C8-2A53-F186-5C15-6551A2B1C33B}"/>
-              </a:ext>
-            </a:extLst>
-          </p:cNvPr>
-          <p:cNvGrpSpPr/>
-          <p:nvPr/>
-        </p:nvGrpSpPr>
-        <p:grpSpPr>
-          <a:xfrm>
-            <a:off x="38391" y="169639"/>
-            <a:ext cx="2455427" cy="530369"/>
-            <a:chOff x="5721594" y="289567"/>
-            <a:chExt cx="4866902" cy="707159"/>
-          </a:xfrm>
-          <a:solidFill>
-            <a:srgbClr val="5A538C"/>
-          </a:solidFill>
-        </p:grpSpPr>
-        <p:sp>
-          <p:nvSpPr>
-            <p:cNvPr id="14" name="矩形 13">
-              <a:extLst>
-                <a:ext uri="{FF2B5EF4-FFF2-40B4-BE49-F238E27FC236}">
-                  <a16:creationId xmlns:a16="http://schemas.microsoft.com/office/drawing/2014/main" id="{4355D424-2EBA-62DE-9567-D1DF0FED9BF4}"/>
-                </a:ext>
-              </a:extLst>
-            </p:cNvPr>
-            <p:cNvSpPr/>
-            <p:nvPr/>
-          </p:nvSpPr>
-          <p:spPr>
-            <a:xfrm>
-              <a:off x="5721594" y="289567"/>
-              <a:ext cx="4866902" cy="707159"/>
-            </a:xfrm>
-            <a:prstGeom prst="rect">
-              <a:avLst/>
-            </a:prstGeom>
-            <a:grpFill/>
-            <a:ln>
-              <a:noFill/>
-            </a:ln>
-            <a:effectLst>
-              <a:outerShdw blurRad="50800" dist="38100" dir="2700000" algn="tl" rotWithShape="0">
-                <a:prstClr val="black">
-                  <a:alpha val="40000"/>
-                </a:prstClr>
-              </a:outerShdw>
-            </a:effectLst>
-          </p:spPr>
-          <p:style>
-            <a:lnRef idx="2">
-              <a:schemeClr val="accent1">
-                <a:shade val="50000"/>
-              </a:schemeClr>
-            </a:lnRef>
-            <a:fillRef idx="1">
-              <a:schemeClr val="accent1"/>
-            </a:fillRef>
-            <a:effectRef idx="0">
-              <a:schemeClr val="accent1"/>
-            </a:effectRef>
-            <a:fontRef idx="minor">
-              <a:schemeClr val="lt1"/>
-            </a:fontRef>
-          </p:style>
-          <p:txBody>
-            <a:bodyPr rtlCol="0" anchor="ctr"/>
-            <a:lstStyle/>
-            <a:p>
-              <a:pPr algn="ctr"/>
-              <a:endParaRPr lang="zh-CN" altLang="en-US" sz="1350">
-                <a:solidFill>
-                  <a:schemeClr val="bg1"/>
-                </a:solidFill>
-              </a:endParaRPr>
-            </a:p>
-          </p:txBody>
-        </p:sp>
-        <p:sp>
-          <p:nvSpPr>
-            <p:cNvPr id="15" name="TextBox 64">
-              <a:extLst>
-                <a:ext uri="{FF2B5EF4-FFF2-40B4-BE49-F238E27FC236}">
-                  <a16:creationId xmlns:a16="http://schemas.microsoft.com/office/drawing/2014/main" id="{FBB5A920-A05F-80D5-2DDA-640437A3B21B}"/>
-                </a:ext>
-              </a:extLst>
-            </p:cNvPr>
-            <p:cNvSpPr txBox="1"/>
-            <p:nvPr/>
-          </p:nvSpPr>
-          <p:spPr>
-            <a:xfrm>
-              <a:off x="5796882" y="366596"/>
-              <a:ext cx="4170150" cy="553998"/>
-            </a:xfrm>
-            <a:prstGeom prst="rect">
-              <a:avLst/>
-            </a:prstGeom>
-            <a:grpFill/>
-          </p:spPr>
-          <p:txBody>
-            <a:bodyPr wrap="square" rtlCol="0">
-              <a:spAutoFit/>
-            </a:bodyPr>
-            <a:lstStyle>
-              <a:defPPr>
-                <a:defRPr lang="zh-CN"/>
-              </a:defPPr>
-              <a:lvl1pPr>
-                <a:defRPr sz="1800">
-                  <a:solidFill>
-                    <a:schemeClr val="tx1">
-                      <a:lumMod val="75000"/>
-                      <a:lumOff val="25000"/>
-                    </a:schemeClr>
-                  </a:solidFill>
-                </a:defRPr>
-              </a:lvl1pPr>
-            </a:lstStyle>
-            <a:p>
-              <a:pPr fontAlgn="ctr"/>
-              <a:r>
-                <a:rPr lang="zh-CN" altLang="en-US" sz="2100">
-                  <a:solidFill>
-                    <a:schemeClr val="bg1"/>
-                  </a:solidFill>
-                  <a:latin typeface="黑体" panose="02010609060101010101" pitchFamily="49" charset="-122"/>
-                  <a:ea typeface="黑体" panose="02010609060101010101" pitchFamily="49" charset="-122"/>
-                </a:rPr>
-                <a:t>一、算法介绍</a:t>
-              </a:r>
-              <a:r>
-                <a:rPr lang="en-US" altLang="zh-CN" sz="2100">
-                  <a:solidFill>
-                    <a:schemeClr val="bg1"/>
-                  </a:solidFill>
-                  <a:latin typeface="黑体" panose="02010609060101010101" pitchFamily="49" charset="-122"/>
-                  <a:ea typeface="黑体" panose="02010609060101010101" pitchFamily="49" charset="-122"/>
-                </a:rPr>
-                <a:t> </a:t>
-              </a:r>
-              <a:endParaRPr lang="zh-CN" altLang="en-US" sz="2700" b="1" dirty="0">
-                <a:solidFill>
-                  <a:schemeClr val="bg1"/>
-                </a:solidFill>
-                <a:latin typeface="黑体" panose="02010609060101010101" pitchFamily="49" charset="-122"/>
-                <a:ea typeface="黑体" panose="02010609060101010101" pitchFamily="49" charset="-122"/>
-              </a:endParaRPr>
-            </a:p>
-          </p:txBody>
-        </p:sp>
-      </p:grpSp>
-    </p:spTree>
-    <p:custDataLst>
-      <p:tags r:id="rId1"/>
-    </p:custDataLst>
-    <p:extLst>
-      <p:ext uri="{BB962C8B-B14F-4D97-AF65-F5344CB8AC3E}">
-        <p14:creationId xmlns:p14="http://schemas.microsoft.com/office/powerpoint/2010/main" val="2848827135"/>
-      </p:ext>
-    </p:extLst>
-  </p:cSld>
-  <p:clrMapOvr>
-    <a:masterClrMapping/>
-  </p:clrMapOvr>
-  <mc:AlternateContent xmlns:mc="http://schemas.openxmlformats.org/markup-compatibility/2006" xmlns:p159="http://schemas.microsoft.com/office/powerpoint/2015/09/main">
-    <mc:Choice Requires="p159">
-      <p:transition xmlns:p14="http://schemas.microsoft.com/office/powerpoint/2010/main" spd="slow" p14:dur="1500" advTm="744">
-        <p159:morph option="byObject"/>
-      </p:transition>
-    </mc:Choice>
-    <mc:Fallback xmlns="">
-      <p:transition spd="slow" advTm="744">
-        <p:fade/>
-      </p:transition>
-    </mc:Fallback>
-  </mc:AlternateContent>
 </p:sld>
 </file>
 
@@ -44979,13 +47699,13 @@
   <p:clrMapOvr>
     <a:masterClrMapping/>
   </p:clrMapOvr>
-  <mc:AlternateContent xmlns:mc="http://schemas.openxmlformats.org/markup-compatibility/2006">
-    <mc:Choice xmlns:p159="http://schemas.microsoft.com/office/powerpoint/2015/09/main" Requires="p159">
+  <mc:AlternateContent xmlns:mc="http://schemas.openxmlformats.org/markup-compatibility/2006" xmlns:p159="http://schemas.microsoft.com/office/powerpoint/2015/09/main">
+    <mc:Choice Requires="p159">
       <p:transition advTm="744">
         <p159:morph option="byObject"/>
       </p:transition>
     </mc:Choice>
-    <mc:Fallback>
+    <mc:Fallback xmlns="">
       <p:transition advTm="744">
         <p:fade/>
       </p:transition>
@@ -48732,6 +51452,42 @@
 </file>
 
 <file path=ppt/tags/tag22.xml><?xml version="1.0" encoding="utf-8"?>
+<p:tagLst xmlns:a="http://schemas.openxmlformats.org/drawingml/2006/main" xmlns:r="http://schemas.openxmlformats.org/officeDocument/2006/relationships" xmlns:p="http://schemas.openxmlformats.org/presentationml/2006/main">
+  <p:tag name="TIMING" val="|0|0|0|0"/>
+</p:tagLst>
+</file>
+
+<file path=ppt/tags/tag23.xml><?xml version="1.0" encoding="utf-8"?>
+<p:tagLst xmlns:a="http://schemas.openxmlformats.org/drawingml/2006/main" xmlns:r="http://schemas.openxmlformats.org/officeDocument/2006/relationships" xmlns:p="http://schemas.openxmlformats.org/presentationml/2006/main">
+  <p:tag name="TIMING" val="|0|0|0|0"/>
+</p:tagLst>
+</file>
+
+<file path=ppt/tags/tag24.xml><?xml version="1.0" encoding="utf-8"?>
+<p:tagLst xmlns:a="http://schemas.openxmlformats.org/drawingml/2006/main" xmlns:r="http://schemas.openxmlformats.org/officeDocument/2006/relationships" xmlns:p="http://schemas.openxmlformats.org/presentationml/2006/main">
+  <p:tag name="TIMING" val="|0|0|0|0"/>
+</p:tagLst>
+</file>
+
+<file path=ppt/tags/tag25.xml><?xml version="1.0" encoding="utf-8"?>
+<p:tagLst xmlns:a="http://schemas.openxmlformats.org/drawingml/2006/main" xmlns:r="http://schemas.openxmlformats.org/officeDocument/2006/relationships" xmlns:p="http://schemas.openxmlformats.org/presentationml/2006/main">
+  <p:tag name="TIMING" val="|0|0|0|0"/>
+</p:tagLst>
+</file>
+
+<file path=ppt/tags/tag26.xml><?xml version="1.0" encoding="utf-8"?>
+<p:tagLst xmlns:a="http://schemas.openxmlformats.org/drawingml/2006/main" xmlns:r="http://schemas.openxmlformats.org/officeDocument/2006/relationships" xmlns:p="http://schemas.openxmlformats.org/presentationml/2006/main">
+  <p:tag name="TIMING" val="|0|0|0|0"/>
+</p:tagLst>
+</file>
+
+<file path=ppt/tags/tag27.xml><?xml version="1.0" encoding="utf-8"?>
+<p:tagLst xmlns:a="http://schemas.openxmlformats.org/drawingml/2006/main" xmlns:r="http://schemas.openxmlformats.org/officeDocument/2006/relationships" xmlns:p="http://schemas.openxmlformats.org/presentationml/2006/main">
+  <p:tag name="TIMING" val="|0|0|0|0"/>
+</p:tagLst>
+</file>
+
+<file path=ppt/tags/tag28.xml><?xml version="1.0" encoding="utf-8"?>
 <p:tagLst xmlns:a="http://schemas.openxmlformats.org/drawingml/2006/main" xmlns:r="http://schemas.openxmlformats.org/officeDocument/2006/relationships" xmlns:p="http://schemas.openxmlformats.org/presentationml/2006/main">
   <p:tag name="TIMING" val="|0|0|0|0"/>
 </p:tagLst>
